--- a/Curso_Python.pptx
+++ b/Curso_Python.pptx
@@ -17910,9 +17910,9 @@
     <a:overrideClrMapping bg1="dk1" tx1="lt1" bg2="dk2" tx2="lt2" accent1="accent1" accent2="accent2" accent3="accent3" accent4="accent4" accent5="accent5" accent6="accent6" hlink="hlink" folHlink="folHlink"/>
   </p:clrMapOvr>
   <mc:AlternateContent xmlns:mc="http://schemas.openxmlformats.org/markup-compatibility/2006">
-    <mc:Choice xmlns:p14="http://schemas.microsoft.com/office/powerpoint/2010/main" Requires="p14">
-      <p:transition spd="slow" p14:dur="2000">
-        <p14:reveal/>
+    <mc:Choice xmlns:p159="http://schemas.microsoft.com/office/powerpoint/2015/09/main" Requires="p159">
+      <p:transition xmlns:p14="http://schemas.microsoft.com/office/powerpoint/2010/main" spd="slow" p14:dur="2000">
+        <p159:morph option="byObject"/>
       </p:transition>
     </mc:Choice>
     <mc:Fallback>

--- a/Curso_Python.pptx
+++ b/Curso_Python.pptx
@@ -21,6 +21,14 @@
     <p:sldId id="271" r:id="rId18"/>
     <p:sldId id="273" r:id="rId19"/>
     <p:sldId id="274" r:id="rId20"/>
+    <p:sldId id="275" r:id="rId21"/>
+    <p:sldId id="276" r:id="rId22"/>
+    <p:sldId id="277" r:id="rId23"/>
+    <p:sldId id="278" r:id="rId24"/>
+    <p:sldId id="279" r:id="rId25"/>
+    <p:sldId id="280" r:id="rId26"/>
+    <p:sldId id="281" r:id="rId27"/>
+    <p:sldId id="282" r:id="rId28"/>
   </p:sldIdLst>
   <p:sldSz cx="12192000" cy="6858000"/>
   <p:notesSz cx="6858000" cy="9144000"/>
@@ -816,7 +824,7 @@
           <a:p>
             <a:fld id="{0CADDB3C-61E7-43DE-83B5-DAEE6D8FA945}" type="datetimeFigureOut">
               <a:rPr lang="pt-BR" smtClean="0"/>
-              <a:t>21/01/2021</a:t>
+              <a:t>25/01/2021</a:t>
             </a:fld>
             <a:endParaRPr lang="pt-BR"/>
           </a:p>
@@ -1977,7 +1985,7 @@
           <a:p>
             <a:fld id="{0CADDB3C-61E7-43DE-83B5-DAEE6D8FA945}" type="datetimeFigureOut">
               <a:rPr lang="pt-BR" smtClean="0"/>
-              <a:t>21/01/2021</a:t>
+              <a:t>25/01/2021</a:t>
             </a:fld>
             <a:endParaRPr lang="pt-BR"/>
           </a:p>
@@ -3031,7 +3039,7 @@
           <a:p>
             <a:fld id="{0CADDB3C-61E7-43DE-83B5-DAEE6D8FA945}" type="datetimeFigureOut">
               <a:rPr lang="pt-BR" smtClean="0"/>
-              <a:t>21/01/2021</a:t>
+              <a:t>25/01/2021</a:t>
             </a:fld>
             <a:endParaRPr lang="pt-BR"/>
           </a:p>
@@ -4244,7 +4252,7 @@
           <a:p>
             <a:fld id="{0CADDB3C-61E7-43DE-83B5-DAEE6D8FA945}" type="datetimeFigureOut">
               <a:rPr lang="pt-BR" smtClean="0"/>
-              <a:t>21/01/2021</a:t>
+              <a:t>25/01/2021</a:t>
             </a:fld>
             <a:endParaRPr lang="pt-BR"/>
           </a:p>
@@ -5348,7 +5356,7 @@
           <a:p>
             <a:fld id="{0CADDB3C-61E7-43DE-83B5-DAEE6D8FA945}" type="datetimeFigureOut">
               <a:rPr lang="pt-BR" smtClean="0"/>
-              <a:t>21/01/2021</a:t>
+              <a:t>25/01/2021</a:t>
             </a:fld>
             <a:endParaRPr lang="pt-BR"/>
           </a:p>
@@ -6000,7 +6008,7 @@
           <a:p>
             <a:fld id="{0CADDB3C-61E7-43DE-83B5-DAEE6D8FA945}" type="datetimeFigureOut">
               <a:rPr lang="pt-BR" smtClean="0"/>
-              <a:t>21/01/2021</a:t>
+              <a:t>25/01/2021</a:t>
             </a:fld>
             <a:endParaRPr lang="pt-BR"/>
           </a:p>
@@ -6847,7 +6855,7 @@
           <a:p>
             <a:fld id="{0CADDB3C-61E7-43DE-83B5-DAEE6D8FA945}" type="datetimeFigureOut">
               <a:rPr lang="pt-BR" smtClean="0"/>
-              <a:t>21/01/2021</a:t>
+              <a:t>25/01/2021</a:t>
             </a:fld>
             <a:endParaRPr lang="pt-BR"/>
           </a:p>
@@ -7032,7 +7040,7 @@
           <a:p>
             <a:fld id="{0CADDB3C-61E7-43DE-83B5-DAEE6D8FA945}" type="datetimeFigureOut">
               <a:rPr lang="pt-BR" smtClean="0"/>
-              <a:t>21/01/2021</a:t>
+              <a:t>25/01/2021</a:t>
             </a:fld>
             <a:endParaRPr lang="pt-BR"/>
           </a:p>
@@ -8073,7 +8081,7 @@
           <a:p>
             <a:fld id="{0CADDB3C-61E7-43DE-83B5-DAEE6D8FA945}" type="datetimeFigureOut">
               <a:rPr lang="pt-BR" smtClean="0"/>
-              <a:t>21/01/2021</a:t>
+              <a:t>25/01/2021</a:t>
             </a:fld>
             <a:endParaRPr lang="pt-BR"/>
           </a:p>
@@ -8289,7 +8297,7 @@
           <a:p>
             <a:fld id="{0CADDB3C-61E7-43DE-83B5-DAEE6D8FA945}" type="datetimeFigureOut">
               <a:rPr lang="pt-BR" smtClean="0"/>
-              <a:t>21/01/2021</a:t>
+              <a:t>25/01/2021</a:t>
             </a:fld>
             <a:endParaRPr lang="pt-BR"/>
           </a:p>
@@ -9394,7 +9402,7 @@
           <a:p>
             <a:fld id="{0CADDB3C-61E7-43DE-83B5-DAEE6D8FA945}" type="datetimeFigureOut">
               <a:rPr lang="pt-BR" smtClean="0"/>
-              <a:t>21/01/2021</a:t>
+              <a:t>25/01/2021</a:t>
             </a:fld>
             <a:endParaRPr lang="pt-BR"/>
           </a:p>
@@ -9666,7 +9674,7 @@
           <a:p>
             <a:fld id="{0CADDB3C-61E7-43DE-83B5-DAEE6D8FA945}" type="datetimeFigureOut">
               <a:rPr lang="pt-BR" smtClean="0"/>
-              <a:t>21/01/2021</a:t>
+              <a:t>25/01/2021</a:t>
             </a:fld>
             <a:endParaRPr lang="pt-BR"/>
           </a:p>
@@ -10048,7 +10056,7 @@
           <a:p>
             <a:fld id="{0CADDB3C-61E7-43DE-83B5-DAEE6D8FA945}" type="datetimeFigureOut">
               <a:rPr lang="pt-BR" smtClean="0"/>
-              <a:t>21/01/2021</a:t>
+              <a:t>25/01/2021</a:t>
             </a:fld>
             <a:endParaRPr lang="pt-BR"/>
           </a:p>
@@ -10166,7 +10174,7 @@
           <a:p>
             <a:fld id="{0CADDB3C-61E7-43DE-83B5-DAEE6D8FA945}" type="datetimeFigureOut">
               <a:rPr lang="pt-BR" smtClean="0"/>
-              <a:t>21/01/2021</a:t>
+              <a:t>25/01/2021</a:t>
             </a:fld>
             <a:endParaRPr lang="pt-BR"/>
           </a:p>
@@ -10261,7 +10269,7 @@
           <a:p>
             <a:fld id="{0CADDB3C-61E7-43DE-83B5-DAEE6D8FA945}" type="datetimeFigureOut">
               <a:rPr lang="pt-BR" smtClean="0"/>
-              <a:t>21/01/2021</a:t>
+              <a:t>25/01/2021</a:t>
             </a:fld>
             <a:endParaRPr lang="pt-BR"/>
           </a:p>
@@ -11413,7 +11421,7 @@
           <a:p>
             <a:fld id="{0CADDB3C-61E7-43DE-83B5-DAEE6D8FA945}" type="datetimeFigureOut">
               <a:rPr lang="pt-BR" smtClean="0"/>
-              <a:t>21/01/2021</a:t>
+              <a:t>25/01/2021</a:t>
             </a:fld>
             <a:endParaRPr lang="pt-BR"/>
           </a:p>
@@ -12589,7 +12597,7 @@
           <a:p>
             <a:fld id="{0CADDB3C-61E7-43DE-83B5-DAEE6D8FA945}" type="datetimeFigureOut">
               <a:rPr lang="pt-BR" smtClean="0"/>
-              <a:t>21/01/2021</a:t>
+              <a:t>25/01/2021</a:t>
             </a:fld>
             <a:endParaRPr lang="pt-BR"/>
           </a:p>
@@ -13695,7 +13703,7 @@
           <a:p>
             <a:fld id="{0CADDB3C-61E7-43DE-83B5-DAEE6D8FA945}" type="datetimeFigureOut">
               <a:rPr lang="pt-BR" smtClean="0"/>
-              <a:t>21/01/2021</a:t>
+              <a:t>25/01/2021</a:t>
             </a:fld>
             <a:endParaRPr lang="pt-BR"/>
           </a:p>
@@ -16926,6 +16934,16 @@
           <a:prstGeom prst="rect">
             <a:avLst/>
           </a:prstGeom>
+          <a:ln>
+            <a:noFill/>
+          </a:ln>
+          <a:effectLst>
+            <a:outerShdw blurRad="292100" dist="139700" dir="2700000" algn="tl" rotWithShape="0">
+              <a:srgbClr val="333333">
+                <a:alpha val="65000"/>
+              </a:srgbClr>
+            </a:outerShdw>
+          </a:effectLst>
         </p:spPr>
       </p:pic>
     </p:spTree>
@@ -17550,6 +17568,16 @@
           <a:prstGeom prst="rect">
             <a:avLst/>
           </a:prstGeom>
+          <a:ln>
+            <a:noFill/>
+          </a:ln>
+          <a:effectLst>
+            <a:outerShdw blurRad="292100" dist="139700" dir="2700000" algn="tl" rotWithShape="0">
+              <a:srgbClr val="333333">
+                <a:alpha val="65000"/>
+              </a:srgbClr>
+            </a:outerShdw>
+          </a:effectLst>
         </p:spPr>
       </p:pic>
       <p:cxnSp>
@@ -17909,13 +17937,13 @@
   <p:clrMapOvr>
     <a:overrideClrMapping bg1="dk1" tx1="lt1" bg2="dk2" tx2="lt2" accent1="accent1" accent2="accent2" accent3="accent3" accent4="accent4" accent5="accent5" accent6="accent6" hlink="hlink" folHlink="folHlink"/>
   </p:clrMapOvr>
-  <mc:AlternateContent xmlns:mc="http://schemas.openxmlformats.org/markup-compatibility/2006">
-    <mc:Choice xmlns:p159="http://schemas.microsoft.com/office/powerpoint/2015/09/main" Requires="p159">
+  <mc:AlternateContent xmlns:mc="http://schemas.openxmlformats.org/markup-compatibility/2006" xmlns:p159="http://schemas.microsoft.com/office/powerpoint/2015/09/main">
+    <mc:Choice Requires="p159">
       <p:transition xmlns:p14="http://schemas.microsoft.com/office/powerpoint/2010/main" spd="slow" p14:dur="2000">
         <p159:morph option="byObject"/>
       </p:transition>
     </mc:Choice>
-    <mc:Fallback>
+    <mc:Fallback xmlns="">
       <p:transition spd="slow">
         <p:fade/>
       </p:transition>
@@ -18540,7 +18568,16 @@
           <a:prstGeom prst="rect">
             <a:avLst/>
           </a:prstGeom>
-          <a:noFill/>
+          <a:ln>
+            <a:noFill/>
+          </a:ln>
+          <a:effectLst>
+            <a:outerShdw blurRad="292100" dist="139700" dir="2700000" algn="tl" rotWithShape="0">
+              <a:srgbClr val="333333">
+                <a:alpha val="65000"/>
+              </a:srgbClr>
+            </a:outerShdw>
+          </a:effectLst>
           <a:extLst>
             <a:ext uri="{909E8E84-426E-40DD-AFC4-6F175D3DCCD1}">
               <a14:hiddenFill xmlns:a14="http://schemas.microsoft.com/office/drawing/2010/main">
@@ -19612,7 +19649,7 @@
         </p:nvSpPr>
         <p:spPr>
           <a:xfrm>
-            <a:off x="3750393" y="1449324"/>
+            <a:off x="3750393" y="496824"/>
             <a:ext cx="6230220" cy="4391640"/>
           </a:xfrm>
         </p:spPr>
@@ -19626,6 +19663,12 @@
               <a:rPr lang="pt-BR" sz="2800" dirty="0"/>
               <a:t>Testando Na Pratica</a:t>
             </a:r>
+          </a:p>
+          <a:p>
+            <a:pPr marL="0" indent="0">
+              <a:buNone/>
+            </a:pPr>
+            <a:endParaRPr lang="pt-BR" sz="2800" dirty="0"/>
           </a:p>
           <a:p>
             <a:endParaRPr lang="pt-BR" dirty="0">
@@ -19799,7 +19842,7 @@
         </p:nvSpPr>
         <p:spPr>
           <a:xfrm>
-            <a:off x="7076668" y="2379216"/>
+            <a:off x="7086193" y="1963847"/>
             <a:ext cx="3212552" cy="443884"/>
           </a:xfrm>
           <a:prstGeom prst="rect">
@@ -19848,10 +19891,2825 @@
           </a:p>
         </p:txBody>
       </p:sp>
+      <p:pic>
+        <p:nvPicPr>
+          <p:cNvPr id="4" name="Imagem 3">
+            <a:extLst>
+              <a:ext uri="{FF2B5EF4-FFF2-40B4-BE49-F238E27FC236}">
+                <a16:creationId xmlns:a16="http://schemas.microsoft.com/office/drawing/2014/main" id="{35F172C2-467A-4494-B7A7-D3CC6BF8AC11}"/>
+              </a:ext>
+            </a:extLst>
+          </p:cNvPr>
+          <p:cNvPicPr>
+            <a:picLocks noChangeAspect="1"/>
+          </p:cNvPicPr>
+          <p:nvPr/>
+        </p:nvPicPr>
+        <p:blipFill rotWithShape="1">
+          <a:blip r:embed="rId3"/>
+          <a:srcRect l="2254" t="1172" r="270"/>
+          <a:stretch/>
+        </p:blipFill>
+        <p:spPr>
+          <a:xfrm>
+            <a:off x="4443079" y="3667069"/>
+            <a:ext cx="6490828" cy="1930005"/>
+          </a:xfrm>
+          <a:prstGeom prst="rect">
+            <a:avLst/>
+          </a:prstGeom>
+          <a:ln>
+            <a:noFill/>
+          </a:ln>
+          <a:effectLst>
+            <a:outerShdw blurRad="292100" dist="139700" dir="2700000" algn="tl" rotWithShape="0">
+              <a:srgbClr val="333333">
+                <a:alpha val="65000"/>
+              </a:srgbClr>
+            </a:outerShdw>
+          </a:effectLst>
+        </p:spPr>
+      </p:pic>
     </p:spTree>
     <p:extLst>
       <p:ext uri="{BB962C8B-B14F-4D97-AF65-F5344CB8AC3E}">
         <p14:creationId xmlns:p14="http://schemas.microsoft.com/office/powerpoint/2010/main" val="2156428108"/>
+      </p:ext>
+    </p:extLst>
+  </p:cSld>
+  <p:clrMapOvr>
+    <a:overrideClrMapping bg1="dk1" tx1="lt1" bg2="dk2" tx2="lt2" accent1="accent1" accent2="accent2" accent3="accent3" accent4="accent4" accent5="accent5" accent6="accent6" hlink="hlink" folHlink="folHlink"/>
+  </p:clrMapOvr>
+</p:sld>
+</file>
+
+<file path=ppt/slides/slide17.xml><?xml version="1.0" encoding="utf-8"?>
+<p:sld xmlns:a="http://schemas.openxmlformats.org/drawingml/2006/main" xmlns:r="http://schemas.openxmlformats.org/officeDocument/2006/relationships" xmlns:p="http://schemas.openxmlformats.org/presentationml/2006/main">
+  <p:cSld>
+    <p:bg>
+      <p:bgPr>
+        <a:blipFill rotWithShape="1">
+          <a:blip r:embed="rId2">
+            <a:duotone>
+              <a:schemeClr val="bg2">
+                <a:shade val="42000"/>
+                <a:hueMod val="42000"/>
+                <a:satMod val="124000"/>
+                <a:lumMod val="62000"/>
+              </a:schemeClr>
+              <a:schemeClr val="bg2">
+                <a:tint val="96000"/>
+                <a:satMod val="130000"/>
+              </a:schemeClr>
+            </a:duotone>
+          </a:blip>
+          <a:stretch/>
+        </a:blipFill>
+        <a:effectLst/>
+      </p:bgPr>
+    </p:bg>
+    <p:spTree>
+      <p:nvGrpSpPr>
+        <p:cNvPr id="1" name=""/>
+        <p:cNvGrpSpPr/>
+        <p:nvPr/>
+      </p:nvGrpSpPr>
+      <p:grpSpPr>
+        <a:xfrm>
+          <a:off x="0" y="0"/>
+          <a:ext cx="0" cy="0"/>
+          <a:chOff x="0" y="0"/>
+          <a:chExt cx="0" cy="0"/>
+        </a:xfrm>
+      </p:grpSpPr>
+      <p:sp useBgFill="1">
+        <p:nvSpPr>
+          <p:cNvPr id="8" name="Rectangle 7">
+            <a:extLst>
+              <a:ext uri="{FF2B5EF4-FFF2-40B4-BE49-F238E27FC236}">
+                <a16:creationId xmlns:a16="http://schemas.microsoft.com/office/drawing/2014/main" id="{01109B5D-BC35-4376-98A2-F53B03E4E1B4}"/>
+              </a:ext>
+              <a:ext uri="{C183D7F6-B498-43B3-948B-1728B52AA6E4}">
+                <adec:decorative xmlns:adec="http://schemas.microsoft.com/office/drawing/2017/decorative" val="1"/>
+              </a:ext>
+            </a:extLst>
+          </p:cNvPr>
+          <p:cNvSpPr>
+            <a:spLocks noGrp="1" noRot="1" noChangeAspect="1" noMove="1" noResize="1" noEditPoints="1" noAdjustHandles="1" noChangeArrowheads="1" noChangeShapeType="1" noTextEdit="1"/>
+          </p:cNvSpPr>
+          <p:nvPr>
+            <p:extLst>
+              <p:ext uri="{386F3935-93C4-4BCD-93E2-E3B085C9AB24}">
+                <p16:designElem xmlns:p16="http://schemas.microsoft.com/office/powerpoint/2015/main" val="1"/>
+              </p:ext>
+            </p:extLst>
+          </p:nvPr>
+        </p:nvSpPr>
+        <p:spPr>
+          <a:xfrm>
+            <a:off x="0" y="0"/>
+            <a:ext cx="12192000" cy="6858000"/>
+          </a:xfrm>
+          <a:prstGeom prst="rect">
+            <a:avLst/>
+          </a:prstGeom>
+          <a:ln>
+            <a:noFill/>
+          </a:ln>
+        </p:spPr>
+        <p:style>
+          <a:lnRef idx="2">
+            <a:schemeClr val="accent1">
+              <a:shade val="50000"/>
+            </a:schemeClr>
+          </a:lnRef>
+          <a:fillRef idx="1">
+            <a:schemeClr val="accent1"/>
+          </a:fillRef>
+          <a:effectRef idx="0">
+            <a:schemeClr val="accent1"/>
+          </a:effectRef>
+          <a:fontRef idx="minor">
+            <a:schemeClr val="lt1"/>
+          </a:fontRef>
+        </p:style>
+      </p:sp>
+      <p:sp>
+        <p:nvSpPr>
+          <p:cNvPr id="10" name="Freeform 5">
+            <a:extLst>
+              <a:ext uri="{FF2B5EF4-FFF2-40B4-BE49-F238E27FC236}">
+                <a16:creationId xmlns:a16="http://schemas.microsoft.com/office/drawing/2014/main" id="{94D90C11-98A3-40E3-B04C-A3025D6458A3}"/>
+              </a:ext>
+              <a:ext uri="{C183D7F6-B498-43B3-948B-1728B52AA6E4}">
+                <adec:decorative xmlns:adec="http://schemas.microsoft.com/office/drawing/2017/decorative" val="1"/>
+              </a:ext>
+            </a:extLst>
+          </p:cNvPr>
+          <p:cNvSpPr>
+            <a:spLocks noGrp="1" noRot="1" noChangeAspect="1" noMove="1" noResize="1" noEditPoints="1" noAdjustHandles="1" noChangeArrowheads="1" noChangeShapeType="1" noTextEdit="1"/>
+          </p:cNvSpPr>
+          <p:nvPr>
+            <p:extLst>
+              <p:ext uri="{386F3935-93C4-4BCD-93E2-E3B085C9AB24}">
+                <p16:designElem xmlns:p16="http://schemas.microsoft.com/office/powerpoint/2015/main" val="1"/>
+              </p:ext>
+            </p:extLst>
+          </p:nvPr>
+        </p:nvSpPr>
+        <p:spPr bwMode="gray">
+          <a:xfrm>
+            <a:off x="0" y="0"/>
+            <a:ext cx="12192000" cy="6856413"/>
+          </a:xfrm>
+          <a:custGeom>
+            <a:avLst/>
+            <a:gdLst/>
+            <a:ahLst/>
+            <a:cxnLst/>
+            <a:rect l="0" t="0" r="r" b="b"/>
+            <a:pathLst>
+              <a:path w="15356" h="8638">
+                <a:moveTo>
+                  <a:pt x="0" y="0"/>
+                </a:moveTo>
+                <a:lnTo>
+                  <a:pt x="0" y="8638"/>
+                </a:lnTo>
+                <a:lnTo>
+                  <a:pt x="15356" y="8638"/>
+                </a:lnTo>
+                <a:lnTo>
+                  <a:pt x="15356" y="0"/>
+                </a:lnTo>
+                <a:lnTo>
+                  <a:pt x="0" y="0"/>
+                </a:lnTo>
+                <a:close/>
+                <a:moveTo>
+                  <a:pt x="14748" y="8038"/>
+                </a:moveTo>
+                <a:lnTo>
+                  <a:pt x="600" y="8038"/>
+                </a:lnTo>
+                <a:lnTo>
+                  <a:pt x="600" y="592"/>
+                </a:lnTo>
+                <a:lnTo>
+                  <a:pt x="14748" y="592"/>
+                </a:lnTo>
+                <a:lnTo>
+                  <a:pt x="14748" y="8038"/>
+                </a:lnTo>
+                <a:close/>
+              </a:path>
+            </a:pathLst>
+          </a:custGeom>
+          <a:solidFill>
+            <a:schemeClr val="tx1"/>
+          </a:solidFill>
+          <a:ln>
+            <a:noFill/>
+          </a:ln>
+        </p:spPr>
+      </p:sp>
+      <p:sp>
+        <p:nvSpPr>
+          <p:cNvPr id="12" name="Rectangle 11">
+            <a:extLst>
+              <a:ext uri="{FF2B5EF4-FFF2-40B4-BE49-F238E27FC236}">
+                <a16:creationId xmlns:a16="http://schemas.microsoft.com/office/drawing/2014/main" id="{A3B28FB1-97C9-4A9E-A45B-356508C2C38B}"/>
+              </a:ext>
+              <a:ext uri="{C183D7F6-B498-43B3-948B-1728B52AA6E4}">
+                <adec:decorative xmlns:adec="http://schemas.microsoft.com/office/drawing/2017/decorative" val="1"/>
+              </a:ext>
+            </a:extLst>
+          </p:cNvPr>
+          <p:cNvSpPr>
+            <a:spLocks noGrp="1" noRot="1" noChangeAspect="1" noMove="1" noResize="1" noEditPoints="1" noAdjustHandles="1" noChangeArrowheads="1" noChangeShapeType="1" noTextEdit="1"/>
+          </p:cNvSpPr>
+          <p:nvPr>
+            <p:extLst>
+              <p:ext uri="{386F3935-93C4-4BCD-93E2-E3B085C9AB24}">
+                <p16:designElem xmlns:p16="http://schemas.microsoft.com/office/powerpoint/2015/main" val="1"/>
+              </p:ext>
+            </p:extLst>
+          </p:nvPr>
+        </p:nvSpPr>
+        <p:spPr>
+          <a:xfrm>
+            <a:off x="10437812" y="0"/>
+            <a:ext cx="685800" cy="1143000"/>
+          </a:xfrm>
+          <a:prstGeom prst="rect">
+            <a:avLst/>
+          </a:prstGeom>
+          <a:solidFill>
+            <a:schemeClr val="accent1"/>
+          </a:solidFill>
+          <a:ln>
+            <a:noFill/>
+          </a:ln>
+        </p:spPr>
+        <p:style>
+          <a:lnRef idx="1">
+            <a:schemeClr val="accent1"/>
+          </a:lnRef>
+          <a:fillRef idx="3">
+            <a:schemeClr val="accent1"/>
+          </a:fillRef>
+          <a:effectRef idx="2">
+            <a:schemeClr val="accent1"/>
+          </a:effectRef>
+          <a:fontRef idx="minor">
+            <a:schemeClr val="lt1"/>
+          </a:fontRef>
+        </p:style>
+      </p:sp>
+      <p:sp>
+        <p:nvSpPr>
+          <p:cNvPr id="9" name="Título 1">
+            <a:extLst>
+              <a:ext uri="{FF2B5EF4-FFF2-40B4-BE49-F238E27FC236}">
+                <a16:creationId xmlns:a16="http://schemas.microsoft.com/office/drawing/2014/main" id="{3F66681B-A454-4EC3-9830-F30EE63F3588}"/>
+              </a:ext>
+            </a:extLst>
+          </p:cNvPr>
+          <p:cNvSpPr txBox="1">
+            <a:spLocks/>
+          </p:cNvSpPr>
+          <p:nvPr/>
+        </p:nvSpPr>
+        <p:spPr bwMode="gray">
+          <a:xfrm>
+            <a:off x="806923" y="1449324"/>
+            <a:ext cx="3028230" cy="4391640"/>
+          </a:xfrm>
+          <a:prstGeom prst="rect">
+            <a:avLst/>
+          </a:prstGeom>
+        </p:spPr>
+        <p:txBody>
+          <a:bodyPr vert="horz" lIns="91440" tIns="45720" rIns="91440" bIns="45720" rtlCol="0" anchor="t">
+            <a:normAutofit/>
+          </a:bodyPr>
+          <a:lstStyle>
+            <a:lvl1pPr algn="l" defTabSz="457200" rtl="0" eaLnBrk="1" latinLnBrk="0" hangingPunct="1">
+              <a:spcBef>
+                <a:spcPct val="0"/>
+              </a:spcBef>
+              <a:buNone/>
+              <a:defRPr sz="3600" b="0" i="0" kern="1200">
+                <a:solidFill>
+                  <a:schemeClr val="bg2"/>
+                </a:solidFill>
+                <a:latin typeface="+mj-lt"/>
+                <a:ea typeface="+mj-ea"/>
+                <a:cs typeface="+mj-cs"/>
+              </a:defRPr>
+            </a:lvl1pPr>
+            <a:lvl2pPr eaLnBrk="1" hangingPunct="1">
+              <a:defRPr>
+                <a:solidFill>
+                  <a:schemeClr val="tx2"/>
+                </a:solidFill>
+              </a:defRPr>
+            </a:lvl2pPr>
+            <a:lvl3pPr eaLnBrk="1" hangingPunct="1">
+              <a:defRPr>
+                <a:solidFill>
+                  <a:schemeClr val="tx2"/>
+                </a:solidFill>
+              </a:defRPr>
+            </a:lvl3pPr>
+            <a:lvl4pPr eaLnBrk="1" hangingPunct="1">
+              <a:defRPr>
+                <a:solidFill>
+                  <a:schemeClr val="tx2"/>
+                </a:solidFill>
+              </a:defRPr>
+            </a:lvl4pPr>
+            <a:lvl5pPr eaLnBrk="1" hangingPunct="1">
+              <a:defRPr>
+                <a:solidFill>
+                  <a:schemeClr val="tx2"/>
+                </a:solidFill>
+              </a:defRPr>
+            </a:lvl5pPr>
+            <a:lvl6pPr eaLnBrk="1" hangingPunct="1">
+              <a:defRPr>
+                <a:solidFill>
+                  <a:schemeClr val="tx2"/>
+                </a:solidFill>
+              </a:defRPr>
+            </a:lvl6pPr>
+            <a:lvl7pPr eaLnBrk="1" hangingPunct="1">
+              <a:defRPr>
+                <a:solidFill>
+                  <a:schemeClr val="tx2"/>
+                </a:solidFill>
+              </a:defRPr>
+            </a:lvl7pPr>
+            <a:lvl8pPr eaLnBrk="1" hangingPunct="1">
+              <a:defRPr>
+                <a:solidFill>
+                  <a:schemeClr val="tx2"/>
+                </a:solidFill>
+              </a:defRPr>
+            </a:lvl8pPr>
+            <a:lvl9pPr eaLnBrk="1" hangingPunct="1">
+              <a:defRPr>
+                <a:solidFill>
+                  <a:schemeClr val="tx2"/>
+                </a:solidFill>
+              </a:defRPr>
+            </a:lvl9pPr>
+          </a:lstStyle>
+          <a:p>
+            <a:r>
+              <a:rPr lang="pt-BR" sz="2800" dirty="0"/>
+              <a:t>Aplicação e Implementação</a:t>
+            </a:r>
+            <a:br>
+              <a:rPr lang="pt-BR" sz="2800" dirty="0"/>
+            </a:br>
+            <a:r>
+              <a:rPr lang="pt-BR" sz="2800" dirty="0"/>
+              <a:t>de Recursão</a:t>
+            </a:r>
+            <a:br>
+              <a:rPr lang="pt-BR" sz="2800" dirty="0"/>
+            </a:br>
+            <a:endParaRPr lang="pt-BR" sz="2800" dirty="0">
+              <a:solidFill>
+                <a:schemeClr val="tx1"/>
+              </a:solidFill>
+            </a:endParaRPr>
+          </a:p>
+        </p:txBody>
+      </p:sp>
+      <p:sp>
+        <p:nvSpPr>
+          <p:cNvPr id="11" name="Espaço Reservado para Conteúdo 2">
+            <a:extLst>
+              <a:ext uri="{FF2B5EF4-FFF2-40B4-BE49-F238E27FC236}">
+                <a16:creationId xmlns:a16="http://schemas.microsoft.com/office/drawing/2014/main" id="{E32A3320-4323-40E3-BC5F-7758598E8616}"/>
+              </a:ext>
+            </a:extLst>
+          </p:cNvPr>
+          <p:cNvSpPr txBox="1">
+            <a:spLocks/>
+          </p:cNvSpPr>
+          <p:nvPr/>
+        </p:nvSpPr>
+        <p:spPr>
+          <a:xfrm>
+            <a:off x="3835152" y="496823"/>
+            <a:ext cx="7057749" cy="5832955"/>
+          </a:xfrm>
+          <a:prstGeom prst="rect">
+            <a:avLst/>
+          </a:prstGeom>
+        </p:spPr>
+        <p:txBody>
+          <a:bodyPr vert="horz" lIns="91440" tIns="45720" rIns="91440" bIns="45720" rtlCol="0">
+            <a:normAutofit/>
+          </a:bodyPr>
+          <a:lstStyle>
+            <a:lvl1pPr marL="342900" indent="-342900" algn="l" defTabSz="457200" rtl="0" eaLnBrk="1" latinLnBrk="0" hangingPunct="1">
+              <a:spcBef>
+                <a:spcPts val="1000"/>
+              </a:spcBef>
+              <a:spcAft>
+                <a:spcPts val="0"/>
+              </a:spcAft>
+              <a:buClr>
+                <a:schemeClr val="accent1"/>
+              </a:buClr>
+              <a:buSzPct val="80000"/>
+              <a:buFont typeface="Wingdings 3" charset="2"/>
+              <a:buChar char=""/>
+              <a:defRPr sz="1800" b="0" i="0" kern="1200">
+                <a:solidFill>
+                  <a:schemeClr val="tx1">
+                    <a:lumMod val="75000"/>
+                    <a:lumOff val="25000"/>
+                  </a:schemeClr>
+                </a:solidFill>
+                <a:latin typeface="+mn-lt"/>
+                <a:ea typeface="+mn-ea"/>
+                <a:cs typeface="+mn-cs"/>
+              </a:defRPr>
+            </a:lvl1pPr>
+            <a:lvl2pPr marL="742950" indent="-285750" algn="l" defTabSz="457200" rtl="0" eaLnBrk="1" latinLnBrk="0" hangingPunct="1">
+              <a:spcBef>
+                <a:spcPts val="1000"/>
+              </a:spcBef>
+              <a:spcAft>
+                <a:spcPts val="0"/>
+              </a:spcAft>
+              <a:buClr>
+                <a:schemeClr val="accent1"/>
+              </a:buClr>
+              <a:buSzPct val="80000"/>
+              <a:buFont typeface="Wingdings 3" charset="2"/>
+              <a:buChar char=""/>
+              <a:defRPr sz="1600" b="0" i="0" kern="1200">
+                <a:solidFill>
+                  <a:schemeClr val="tx1">
+                    <a:lumMod val="75000"/>
+                    <a:lumOff val="25000"/>
+                  </a:schemeClr>
+                </a:solidFill>
+                <a:latin typeface="+mn-lt"/>
+                <a:ea typeface="+mn-ea"/>
+                <a:cs typeface="+mn-cs"/>
+              </a:defRPr>
+            </a:lvl2pPr>
+            <a:lvl3pPr marL="1143000" indent="-228600" algn="l" defTabSz="457200" rtl="0" eaLnBrk="1" latinLnBrk="0" hangingPunct="1">
+              <a:spcBef>
+                <a:spcPts val="1000"/>
+              </a:spcBef>
+              <a:spcAft>
+                <a:spcPts val="0"/>
+              </a:spcAft>
+              <a:buClr>
+                <a:schemeClr val="accent1"/>
+              </a:buClr>
+              <a:buSzPct val="80000"/>
+              <a:buFont typeface="Wingdings 3" charset="2"/>
+              <a:buChar char=""/>
+              <a:defRPr sz="1400" b="0" i="0" kern="1200">
+                <a:solidFill>
+                  <a:schemeClr val="tx1">
+                    <a:lumMod val="75000"/>
+                    <a:lumOff val="25000"/>
+                  </a:schemeClr>
+                </a:solidFill>
+                <a:latin typeface="+mn-lt"/>
+                <a:ea typeface="+mn-ea"/>
+                <a:cs typeface="+mn-cs"/>
+              </a:defRPr>
+            </a:lvl3pPr>
+            <a:lvl4pPr marL="1600200" indent="-228600" algn="l" defTabSz="457200" rtl="0" eaLnBrk="1" latinLnBrk="0" hangingPunct="1">
+              <a:spcBef>
+                <a:spcPts val="1000"/>
+              </a:spcBef>
+              <a:spcAft>
+                <a:spcPts val="0"/>
+              </a:spcAft>
+              <a:buClr>
+                <a:schemeClr val="accent1"/>
+              </a:buClr>
+              <a:buSzPct val="80000"/>
+              <a:buFont typeface="Wingdings 3" charset="2"/>
+              <a:buChar char=""/>
+              <a:defRPr sz="1200" b="0" i="0" kern="1200">
+                <a:solidFill>
+                  <a:schemeClr val="tx1">
+                    <a:lumMod val="75000"/>
+                    <a:lumOff val="25000"/>
+                  </a:schemeClr>
+                </a:solidFill>
+                <a:latin typeface="+mn-lt"/>
+                <a:ea typeface="+mn-ea"/>
+                <a:cs typeface="+mn-cs"/>
+              </a:defRPr>
+            </a:lvl4pPr>
+            <a:lvl5pPr marL="2057400" indent="-228600" algn="l" defTabSz="457200" rtl="0" eaLnBrk="1" latinLnBrk="0" hangingPunct="1">
+              <a:spcBef>
+                <a:spcPts val="1000"/>
+              </a:spcBef>
+              <a:spcAft>
+                <a:spcPts val="0"/>
+              </a:spcAft>
+              <a:buClr>
+                <a:schemeClr val="accent1"/>
+              </a:buClr>
+              <a:buSzPct val="80000"/>
+              <a:buFont typeface="Wingdings 3" charset="2"/>
+              <a:buChar char=""/>
+              <a:defRPr sz="1200" b="0" i="0" kern="1200">
+                <a:solidFill>
+                  <a:schemeClr val="tx1">
+                    <a:lumMod val="75000"/>
+                    <a:lumOff val="25000"/>
+                  </a:schemeClr>
+                </a:solidFill>
+                <a:latin typeface="+mn-lt"/>
+                <a:ea typeface="+mn-ea"/>
+                <a:cs typeface="+mn-cs"/>
+              </a:defRPr>
+            </a:lvl5pPr>
+            <a:lvl6pPr marL="2514600" indent="-228600" algn="l" defTabSz="457200" rtl="0" eaLnBrk="1" latinLnBrk="0" hangingPunct="1">
+              <a:spcBef>
+                <a:spcPts val="1000"/>
+              </a:spcBef>
+              <a:spcAft>
+                <a:spcPts val="0"/>
+              </a:spcAft>
+              <a:buClr>
+                <a:schemeClr val="accent1"/>
+              </a:buClr>
+              <a:buSzPct val="80000"/>
+              <a:buFont typeface="Wingdings 3" charset="2"/>
+              <a:buChar char=""/>
+              <a:defRPr sz="1200" b="0" i="0" kern="1200">
+                <a:solidFill>
+                  <a:schemeClr val="tx1">
+                    <a:lumMod val="75000"/>
+                    <a:lumOff val="25000"/>
+                  </a:schemeClr>
+                </a:solidFill>
+                <a:latin typeface="+mn-lt"/>
+                <a:ea typeface="+mn-ea"/>
+                <a:cs typeface="+mn-cs"/>
+              </a:defRPr>
+            </a:lvl6pPr>
+            <a:lvl7pPr marL="2971800" indent="-228600" algn="l" defTabSz="457200" rtl="0" eaLnBrk="1" latinLnBrk="0" hangingPunct="1">
+              <a:spcBef>
+                <a:spcPts val="1000"/>
+              </a:spcBef>
+              <a:spcAft>
+                <a:spcPts val="0"/>
+              </a:spcAft>
+              <a:buClr>
+                <a:schemeClr val="accent1"/>
+              </a:buClr>
+              <a:buSzPct val="80000"/>
+              <a:buFont typeface="Wingdings 3" charset="2"/>
+              <a:buChar char=""/>
+              <a:defRPr sz="1200" b="0" i="0" kern="1200">
+                <a:solidFill>
+                  <a:schemeClr val="tx1">
+                    <a:lumMod val="75000"/>
+                    <a:lumOff val="25000"/>
+                  </a:schemeClr>
+                </a:solidFill>
+                <a:latin typeface="+mn-lt"/>
+                <a:ea typeface="+mn-ea"/>
+                <a:cs typeface="+mn-cs"/>
+              </a:defRPr>
+            </a:lvl7pPr>
+            <a:lvl8pPr marL="3429000" indent="-228600" algn="l" defTabSz="457200" rtl="0" eaLnBrk="1" latinLnBrk="0" hangingPunct="1">
+              <a:spcBef>
+                <a:spcPts val="1000"/>
+              </a:spcBef>
+              <a:spcAft>
+                <a:spcPts val="0"/>
+              </a:spcAft>
+              <a:buClr>
+                <a:schemeClr val="accent1"/>
+              </a:buClr>
+              <a:buSzPct val="80000"/>
+              <a:buFont typeface="Wingdings 3" charset="2"/>
+              <a:buChar char=""/>
+              <a:defRPr sz="1200" b="0" i="0" kern="1200">
+                <a:solidFill>
+                  <a:schemeClr val="tx1">
+                    <a:lumMod val="75000"/>
+                    <a:lumOff val="25000"/>
+                  </a:schemeClr>
+                </a:solidFill>
+                <a:latin typeface="+mn-lt"/>
+                <a:ea typeface="+mn-ea"/>
+                <a:cs typeface="+mn-cs"/>
+              </a:defRPr>
+            </a:lvl8pPr>
+            <a:lvl9pPr marL="3886200" indent="-228600" algn="l" defTabSz="457200" rtl="0" eaLnBrk="1" latinLnBrk="0" hangingPunct="1">
+              <a:spcBef>
+                <a:spcPts val="1000"/>
+              </a:spcBef>
+              <a:spcAft>
+                <a:spcPts val="0"/>
+              </a:spcAft>
+              <a:buClr>
+                <a:schemeClr val="accent1"/>
+              </a:buClr>
+              <a:buSzPct val="80000"/>
+              <a:buFont typeface="Wingdings 3" charset="2"/>
+              <a:buChar char=""/>
+              <a:defRPr sz="1200" b="0" i="0" kern="1200">
+                <a:solidFill>
+                  <a:schemeClr val="tx1">
+                    <a:lumMod val="75000"/>
+                    <a:lumOff val="25000"/>
+                  </a:schemeClr>
+                </a:solidFill>
+                <a:latin typeface="+mn-lt"/>
+                <a:ea typeface="+mn-ea"/>
+                <a:cs typeface="+mn-cs"/>
+              </a:defRPr>
+            </a:lvl9pPr>
+          </a:lstStyle>
+          <a:p>
+            <a:r>
+              <a:rPr lang="pt-BR" sz="2800" dirty="0"/>
+              <a:t>Para casa</a:t>
+            </a:r>
+          </a:p>
+          <a:p>
+            <a:endParaRPr lang="pt-BR" sz="2800" dirty="0"/>
+          </a:p>
+          <a:p>
+            <a:r>
+              <a:rPr lang="pt-BR" dirty="0">
+                <a:solidFill>
+                  <a:schemeClr val="tx1"/>
+                </a:solidFill>
+              </a:rPr>
+              <a:t>Leia o enunciado abaixo e crie as funções pedidas.</a:t>
+            </a:r>
+            <a:endParaRPr lang="pt-BR" dirty="0">
+              <a:solidFill>
+                <a:schemeClr val="tx1"/>
+              </a:solidFill>
+              <a:hlinkClick r:id="rId3"/>
+            </a:endParaRPr>
+          </a:p>
+          <a:p>
+            <a:pPr marL="0" indent="0">
+              <a:buNone/>
+            </a:pPr>
+            <a:endParaRPr lang="pt-BR" u="sng" dirty="0">
+              <a:solidFill>
+                <a:schemeClr val="tx1"/>
+              </a:solidFill>
+              <a:hlinkClick r:id="rId3"/>
+            </a:endParaRPr>
+          </a:p>
+          <a:p>
+            <a:pPr marL="0" indent="0">
+              <a:buNone/>
+            </a:pPr>
+            <a:r>
+              <a:rPr lang="pt-BR" dirty="0">
+                <a:solidFill>
+                  <a:schemeClr val="tx1"/>
+                </a:solidFill>
+              </a:rPr>
+              <a:t>	</a:t>
+            </a:r>
+            <a:r>
+              <a:rPr lang="pt-BR" dirty="0">
+                <a:solidFill>
+                  <a:schemeClr val="tx1"/>
+                </a:solidFill>
+                <a:hlinkClick r:id="rId4"/>
+              </a:rPr>
+              <a:t>ENUNCIADO</a:t>
+            </a:r>
+            <a:endParaRPr lang="pt-BR" dirty="0">
+              <a:solidFill>
+                <a:schemeClr val="tx1"/>
+              </a:solidFill>
+            </a:endParaRPr>
+          </a:p>
+          <a:p>
+            <a:endParaRPr lang="pt-BR" dirty="0">
+              <a:solidFill>
+                <a:schemeClr val="tx1"/>
+              </a:solidFill>
+            </a:endParaRPr>
+          </a:p>
+          <a:p>
+            <a:r>
+              <a:rPr lang="pt-BR" dirty="0">
+                <a:solidFill>
+                  <a:schemeClr val="tx1"/>
+                </a:solidFill>
+              </a:rPr>
+              <a:t>Data de entrega: 25/01</a:t>
+            </a:r>
+          </a:p>
+          <a:p>
+            <a:endParaRPr lang="pt-BR" dirty="0">
+              <a:solidFill>
+                <a:schemeClr val="tx1"/>
+              </a:solidFill>
+            </a:endParaRPr>
+          </a:p>
+          <a:p>
+            <a:r>
+              <a:rPr lang="pt-BR" dirty="0">
+                <a:solidFill>
+                  <a:schemeClr val="tx1"/>
+                </a:solidFill>
+              </a:rPr>
+              <a:t>Atendimento para duvidas: dia 24/01 das 20:30 as 21:00.</a:t>
+            </a:r>
+          </a:p>
+          <a:p>
+            <a:endParaRPr lang="pt-BR" sz="2800" dirty="0"/>
+          </a:p>
+        </p:txBody>
+      </p:sp>
+      <p:pic>
+        <p:nvPicPr>
+          <p:cNvPr id="1026" name="Picture 2" descr="QUADRO ELEFANTE - Quadro Decorativo - Loja Enquadrados">
+            <a:extLst>
+              <a:ext uri="{FF2B5EF4-FFF2-40B4-BE49-F238E27FC236}">
+                <a16:creationId xmlns:a16="http://schemas.microsoft.com/office/drawing/2014/main" id="{DD66ECE7-3CA5-4EDA-ADAE-FB14B0760C83}"/>
+              </a:ext>
+            </a:extLst>
+          </p:cNvPr>
+          <p:cNvPicPr>
+            <a:picLocks noChangeAspect="1" noChangeArrowheads="1"/>
+          </p:cNvPicPr>
+          <p:nvPr/>
+        </p:nvPicPr>
+        <p:blipFill rotWithShape="1">
+          <a:blip r:embed="rId5">
+            <a:extLst>
+              <a:ext uri="{28A0092B-C50C-407E-A947-70E740481C1C}">
+                <a14:useLocalDpi xmlns:a14="http://schemas.microsoft.com/office/drawing/2010/main" val="0"/>
+              </a:ext>
+            </a:extLst>
+          </a:blip>
+          <a:srcRect l="14769" t="14111" r="16249" b="19084"/>
+          <a:stretch/>
+        </p:blipFill>
+        <p:spPr bwMode="auto">
+          <a:xfrm>
+            <a:off x="1299099" y="3334350"/>
+            <a:ext cx="1808086" cy="2352816"/>
+          </a:xfrm>
+          <a:prstGeom prst="roundRect">
+            <a:avLst>
+              <a:gd name="adj" fmla="val 8594"/>
+            </a:avLst>
+          </a:prstGeom>
+          <a:solidFill>
+            <a:srgbClr val="FFFFFF">
+              <a:shade val="85000"/>
+            </a:srgbClr>
+          </a:solidFill>
+          <a:ln>
+            <a:noFill/>
+          </a:ln>
+          <a:effectLst>
+            <a:reflection blurRad="12700" stA="38000" endPos="28000" dist="5000" dir="5400000" sy="-100000" algn="bl" rotWithShape="0"/>
+          </a:effectLst>
+        </p:spPr>
+      </p:pic>
+    </p:spTree>
+    <p:extLst>
+      <p:ext uri="{BB962C8B-B14F-4D97-AF65-F5344CB8AC3E}">
+        <p14:creationId xmlns:p14="http://schemas.microsoft.com/office/powerpoint/2010/main" val="1501843878"/>
+      </p:ext>
+    </p:extLst>
+  </p:cSld>
+  <p:clrMapOvr>
+    <a:overrideClrMapping bg1="dk1" tx1="lt1" bg2="dk2" tx2="lt2" accent1="accent1" accent2="accent2" accent3="accent3" accent4="accent4" accent5="accent5" accent6="accent6" hlink="hlink" folHlink="folHlink"/>
+  </p:clrMapOvr>
+</p:sld>
+</file>
+
+<file path=ppt/slides/slide18.xml><?xml version="1.0" encoding="utf-8"?>
+<p:sld xmlns:a="http://schemas.openxmlformats.org/drawingml/2006/main" xmlns:r="http://schemas.openxmlformats.org/officeDocument/2006/relationships" xmlns:p="http://schemas.openxmlformats.org/presentationml/2006/main">
+  <p:cSld>
+    <p:bg>
+      <p:bgPr>
+        <a:solidFill>
+          <a:schemeClr val="bg1"/>
+        </a:solidFill>
+        <a:effectLst/>
+      </p:bgPr>
+    </p:bg>
+    <p:spTree>
+      <p:nvGrpSpPr>
+        <p:cNvPr id="1" name=""/>
+        <p:cNvGrpSpPr/>
+        <p:nvPr/>
+      </p:nvGrpSpPr>
+      <p:grpSpPr>
+        <a:xfrm>
+          <a:off x="0" y="0"/>
+          <a:ext cx="0" cy="0"/>
+          <a:chOff x="0" y="0"/>
+          <a:chExt cx="0" cy="0"/>
+        </a:xfrm>
+      </p:grpSpPr>
+      <p:sp useBgFill="1">
+        <p:nvSpPr>
+          <p:cNvPr id="8" name="Rectangle 7">
+            <a:extLst>
+              <a:ext uri="{FF2B5EF4-FFF2-40B4-BE49-F238E27FC236}">
+                <a16:creationId xmlns:a16="http://schemas.microsoft.com/office/drawing/2014/main" id="{324E43EB-867C-4B35-9A5C-E435157C7297}"/>
+              </a:ext>
+              <a:ext uri="{C183D7F6-B498-43B3-948B-1728B52AA6E4}">
+                <adec:decorative xmlns:adec="http://schemas.microsoft.com/office/drawing/2017/decorative" val="1"/>
+              </a:ext>
+            </a:extLst>
+          </p:cNvPr>
+          <p:cNvSpPr>
+            <a:spLocks noGrp="1" noRot="1" noChangeAspect="1" noMove="1" noResize="1" noEditPoints="1" noAdjustHandles="1" noChangeArrowheads="1" noChangeShapeType="1" noTextEdit="1"/>
+          </p:cNvSpPr>
+          <p:nvPr>
+            <p:extLst>
+              <p:ext uri="{386F3935-93C4-4BCD-93E2-E3B085C9AB24}">
+                <p16:designElem xmlns:p16="http://schemas.microsoft.com/office/powerpoint/2015/main" val="1"/>
+              </p:ext>
+            </p:extLst>
+          </p:nvPr>
+        </p:nvSpPr>
+        <p:spPr>
+          <a:xfrm>
+            <a:off x="0" y="0"/>
+            <a:ext cx="12192000" cy="6858000"/>
+          </a:xfrm>
+          <a:prstGeom prst="rect">
+            <a:avLst/>
+          </a:prstGeom>
+          <a:ln>
+            <a:noFill/>
+          </a:ln>
+        </p:spPr>
+        <p:style>
+          <a:lnRef idx="2">
+            <a:schemeClr val="accent1">
+              <a:shade val="50000"/>
+            </a:schemeClr>
+          </a:lnRef>
+          <a:fillRef idx="1">
+            <a:schemeClr val="accent1"/>
+          </a:fillRef>
+          <a:effectRef idx="0">
+            <a:schemeClr val="accent1"/>
+          </a:effectRef>
+          <a:fontRef idx="minor">
+            <a:schemeClr val="lt1"/>
+          </a:fontRef>
+        </p:style>
+        <p:txBody>
+          <a:bodyPr rtlCol="0" anchor="ctr"/>
+          <a:lstStyle/>
+          <a:p>
+            <a:pPr algn="ctr"/>
+            <a:endParaRPr lang="en-US"/>
+          </a:p>
+        </p:txBody>
+      </p:sp>
+      <p:grpSp>
+        <p:nvGrpSpPr>
+          <p:cNvPr id="10" name="Group 9">
+            <a:extLst>
+              <a:ext uri="{FF2B5EF4-FFF2-40B4-BE49-F238E27FC236}">
+                <a16:creationId xmlns:a16="http://schemas.microsoft.com/office/drawing/2014/main" id="{F63B918C-605E-4767-B8B8-07EE8E514990}"/>
+              </a:ext>
+              <a:ext uri="{C183D7F6-B498-43B3-948B-1728B52AA6E4}">
+                <adec:decorative xmlns:adec="http://schemas.microsoft.com/office/drawing/2017/decorative" val="1"/>
+              </a:ext>
+            </a:extLst>
+          </p:cNvPr>
+          <p:cNvGrpSpPr>
+            <a:grpSpLocks noGrp="1" noUngrp="1" noRot="1" noChangeAspect="1" noMove="1" noResize="1"/>
+          </p:cNvGrpSpPr>
+          <p:nvPr>
+            <p:extLst>
+              <p:ext uri="{386F3935-93C4-4BCD-93E2-E3B085C9AB24}">
+                <p16:designElem xmlns:p16="http://schemas.microsoft.com/office/powerpoint/2015/main" val="1"/>
+              </p:ext>
+            </p:extLst>
+          </p:nvPr>
+        </p:nvGrpSpPr>
+        <p:grpSpPr>
+          <a:xfrm>
+            <a:off x="0" y="0"/>
+            <a:ext cx="12192000" cy="6858000"/>
+            <a:chOff x="0" y="0"/>
+            <a:chExt cx="12192000" cy="6858000"/>
+          </a:xfrm>
+        </p:grpSpPr>
+        <p:sp>
+          <p:nvSpPr>
+            <p:cNvPr id="11" name="Rectangle 10">
+              <a:extLst>
+                <a:ext uri="{FF2B5EF4-FFF2-40B4-BE49-F238E27FC236}">
+                  <a16:creationId xmlns:a16="http://schemas.microsoft.com/office/drawing/2014/main" id="{87A15320-BE68-4368-9AEC-EB121AA1D0E2}"/>
+                </a:ext>
+                <a:ext uri="{C183D7F6-B498-43B3-948B-1728B52AA6E4}">
+                  <adec:decorative xmlns:adec="http://schemas.microsoft.com/office/drawing/2017/decorative" val="1"/>
+                </a:ext>
+              </a:extLst>
+            </p:cNvPr>
+            <p:cNvSpPr/>
+            <p:nvPr>
+              <p:extLst>
+                <p:ext uri="{386F3935-93C4-4BCD-93E2-E3B085C9AB24}">
+                  <p16:designElem xmlns:p16="http://schemas.microsoft.com/office/powerpoint/2015/main" val="1"/>
+                </p:ext>
+              </p:extLst>
+            </p:nvPr>
+          </p:nvSpPr>
+          <p:spPr>
+            <a:xfrm>
+              <a:off x="0" y="0"/>
+              <a:ext cx="12192000" cy="6858000"/>
+            </a:xfrm>
+            <a:prstGeom prst="rect">
+              <a:avLst/>
+            </a:prstGeom>
+            <a:blipFill>
+              <a:blip r:embed="rId2">
+                <a:duotone>
+                  <a:schemeClr val="dk2">
+                    <a:shade val="42000"/>
+                    <a:hueMod val="42000"/>
+                    <a:satMod val="124000"/>
+                    <a:lumMod val="62000"/>
+                  </a:schemeClr>
+                  <a:schemeClr val="dk2">
+                    <a:tint val="96000"/>
+                    <a:satMod val="130000"/>
+                  </a:schemeClr>
+                </a:duotone>
+              </a:blip>
+              <a:stretch>
+                <a:fillRect/>
+              </a:stretch>
+            </a:blipFill>
+            <a:ln>
+              <a:noFill/>
+            </a:ln>
+          </p:spPr>
+          <p:style>
+            <a:lnRef idx="2">
+              <a:schemeClr val="accent1">
+                <a:shade val="50000"/>
+              </a:schemeClr>
+            </a:lnRef>
+            <a:fillRef idx="1">
+              <a:schemeClr val="accent1"/>
+            </a:fillRef>
+            <a:effectRef idx="0">
+              <a:schemeClr val="accent1"/>
+            </a:effectRef>
+            <a:fontRef idx="minor">
+              <a:schemeClr val="lt1"/>
+            </a:fontRef>
+          </p:style>
+        </p:sp>
+        <p:sp>
+          <p:nvSpPr>
+            <p:cNvPr id="12" name="Oval 11">
+              <a:extLst>
+                <a:ext uri="{FF2B5EF4-FFF2-40B4-BE49-F238E27FC236}">
+                  <a16:creationId xmlns:a16="http://schemas.microsoft.com/office/drawing/2014/main" id="{1397429F-B09A-4755-85D6-5EF9C8EC1B1B}"/>
+                </a:ext>
+                <a:ext uri="{C183D7F6-B498-43B3-948B-1728B52AA6E4}">
+                  <adec:decorative xmlns:adec="http://schemas.microsoft.com/office/drawing/2017/decorative" val="1"/>
+                </a:ext>
+              </a:extLst>
+            </p:cNvPr>
+            <p:cNvSpPr/>
+            <p:nvPr>
+              <p:extLst>
+                <p:ext uri="{386F3935-93C4-4BCD-93E2-E3B085C9AB24}">
+                  <p16:designElem xmlns:p16="http://schemas.microsoft.com/office/powerpoint/2015/main" val="1"/>
+                </p:ext>
+              </p:extLst>
+            </p:nvPr>
+          </p:nvSpPr>
+          <p:spPr>
+            <a:xfrm>
+              <a:off x="8609012" y="5867400"/>
+              <a:ext cx="990600" cy="990600"/>
+            </a:xfrm>
+            <a:prstGeom prst="ellipse">
+              <a:avLst/>
+            </a:prstGeom>
+            <a:gradFill flip="none" rotWithShape="1">
+              <a:gsLst>
+                <a:gs pos="0">
+                  <a:schemeClr val="accent5">
+                    <a:alpha val="14000"/>
+                  </a:schemeClr>
+                </a:gs>
+                <a:gs pos="66000">
+                  <a:schemeClr val="accent5">
+                    <a:alpha val="0"/>
+                  </a:schemeClr>
+                </a:gs>
+                <a:gs pos="36000">
+                  <a:schemeClr val="accent5">
+                    <a:alpha val="7000"/>
+                  </a:schemeClr>
+                </a:gs>
+              </a:gsLst>
+              <a:path path="circle">
+                <a:fillToRect l="50000" t="50000" r="50000" b="50000"/>
+              </a:path>
+              <a:tileRect/>
+            </a:gradFill>
+            <a:ln>
+              <a:noFill/>
+            </a:ln>
+            <a:effectLst/>
+          </p:spPr>
+          <p:style>
+            <a:lnRef idx="1">
+              <a:schemeClr val="accent1"/>
+            </a:lnRef>
+            <a:fillRef idx="3">
+              <a:schemeClr val="accent1"/>
+            </a:fillRef>
+            <a:effectRef idx="2">
+              <a:schemeClr val="accent1"/>
+            </a:effectRef>
+            <a:fontRef idx="minor">
+              <a:schemeClr val="lt1"/>
+            </a:fontRef>
+          </p:style>
+        </p:sp>
+        <p:sp>
+          <p:nvSpPr>
+            <p:cNvPr id="13" name="Oval 12">
+              <a:extLst>
+                <a:ext uri="{FF2B5EF4-FFF2-40B4-BE49-F238E27FC236}">
+                  <a16:creationId xmlns:a16="http://schemas.microsoft.com/office/drawing/2014/main" id="{E79C0060-574D-48A1-896F-3BFA9E1D9A07}"/>
+                </a:ext>
+                <a:ext uri="{C183D7F6-B498-43B3-948B-1728B52AA6E4}">
+                  <adec:decorative xmlns:adec="http://schemas.microsoft.com/office/drawing/2017/decorative" val="1"/>
+                </a:ext>
+              </a:extLst>
+            </p:cNvPr>
+            <p:cNvSpPr/>
+            <p:nvPr>
+              <p:extLst>
+                <p:ext uri="{386F3935-93C4-4BCD-93E2-E3B085C9AB24}">
+                  <p16:designElem xmlns:p16="http://schemas.microsoft.com/office/powerpoint/2015/main" val="1"/>
+                </p:ext>
+              </p:extLst>
+            </p:nvPr>
+          </p:nvSpPr>
+          <p:spPr>
+            <a:xfrm>
+              <a:off x="8609012" y="1676400"/>
+              <a:ext cx="2819400" cy="2819400"/>
+            </a:xfrm>
+            <a:prstGeom prst="ellipse">
+              <a:avLst/>
+            </a:prstGeom>
+            <a:gradFill flip="none" rotWithShape="1">
+              <a:gsLst>
+                <a:gs pos="0">
+                  <a:schemeClr val="accent5">
+                    <a:alpha val="7000"/>
+                  </a:schemeClr>
+                </a:gs>
+                <a:gs pos="69000">
+                  <a:schemeClr val="accent5">
+                    <a:alpha val="0"/>
+                  </a:schemeClr>
+                </a:gs>
+                <a:gs pos="36000">
+                  <a:schemeClr val="accent5">
+                    <a:alpha val="6000"/>
+                  </a:schemeClr>
+                </a:gs>
+              </a:gsLst>
+              <a:path path="circle">
+                <a:fillToRect l="50000" t="50000" r="50000" b="50000"/>
+              </a:path>
+              <a:tileRect/>
+            </a:gradFill>
+            <a:ln>
+              <a:noFill/>
+            </a:ln>
+            <a:effectLst/>
+          </p:spPr>
+          <p:style>
+            <a:lnRef idx="1">
+              <a:schemeClr val="accent1"/>
+            </a:lnRef>
+            <a:fillRef idx="3">
+              <a:schemeClr val="accent1"/>
+            </a:fillRef>
+            <a:effectRef idx="2">
+              <a:schemeClr val="accent1"/>
+            </a:effectRef>
+            <a:fontRef idx="minor">
+              <a:schemeClr val="lt1"/>
+            </a:fontRef>
+          </p:style>
+        </p:sp>
+        <p:sp>
+          <p:nvSpPr>
+            <p:cNvPr id="14" name="Oval 13">
+              <a:extLst>
+                <a:ext uri="{FF2B5EF4-FFF2-40B4-BE49-F238E27FC236}">
+                  <a16:creationId xmlns:a16="http://schemas.microsoft.com/office/drawing/2014/main" id="{342DA2D2-7E39-48E7-956A-5C5702872C5D}"/>
+                </a:ext>
+                <a:ext uri="{C183D7F6-B498-43B3-948B-1728B52AA6E4}">
+                  <adec:decorative xmlns:adec="http://schemas.microsoft.com/office/drawing/2017/decorative" val="1"/>
+                </a:ext>
+              </a:extLst>
+            </p:cNvPr>
+            <p:cNvSpPr/>
+            <p:nvPr>
+              <p:extLst>
+                <p:ext uri="{386F3935-93C4-4BCD-93E2-E3B085C9AB24}">
+                  <p16:designElem xmlns:p16="http://schemas.microsoft.com/office/powerpoint/2015/main" val="1"/>
+                </p:ext>
+              </p:extLst>
+            </p:nvPr>
+          </p:nvSpPr>
+          <p:spPr>
+            <a:xfrm>
+              <a:off x="7999412" y="1587"/>
+              <a:ext cx="1600200" cy="1600200"/>
+            </a:xfrm>
+            <a:prstGeom prst="ellipse">
+              <a:avLst/>
+            </a:prstGeom>
+            <a:gradFill flip="none" rotWithShape="1">
+              <a:gsLst>
+                <a:gs pos="0">
+                  <a:schemeClr val="accent1">
+                    <a:lumMod val="60000"/>
+                    <a:lumOff val="40000"/>
+                    <a:alpha val="14000"/>
+                  </a:schemeClr>
+                </a:gs>
+                <a:gs pos="73000">
+                  <a:schemeClr val="accent1">
+                    <a:lumMod val="60000"/>
+                    <a:lumOff val="40000"/>
+                    <a:alpha val="0"/>
+                  </a:schemeClr>
+                </a:gs>
+                <a:gs pos="36000">
+                  <a:schemeClr val="accent1">
+                    <a:lumMod val="60000"/>
+                    <a:lumOff val="40000"/>
+                    <a:alpha val="7000"/>
+                  </a:schemeClr>
+                </a:gs>
+              </a:gsLst>
+              <a:path path="circle">
+                <a:fillToRect l="50000" t="50000" r="50000" b="50000"/>
+              </a:path>
+              <a:tileRect/>
+            </a:gradFill>
+            <a:ln>
+              <a:noFill/>
+            </a:ln>
+            <a:effectLst/>
+          </p:spPr>
+          <p:style>
+            <a:lnRef idx="1">
+              <a:schemeClr val="accent1"/>
+            </a:lnRef>
+            <a:fillRef idx="3">
+              <a:schemeClr val="accent1"/>
+            </a:fillRef>
+            <a:effectRef idx="2">
+              <a:schemeClr val="accent1"/>
+            </a:effectRef>
+            <a:fontRef idx="minor">
+              <a:schemeClr val="lt1"/>
+            </a:fontRef>
+          </p:style>
+        </p:sp>
+        <p:sp>
+          <p:nvSpPr>
+            <p:cNvPr id="15" name="Oval 14">
+              <a:extLst>
+                <a:ext uri="{FF2B5EF4-FFF2-40B4-BE49-F238E27FC236}">
+                  <a16:creationId xmlns:a16="http://schemas.microsoft.com/office/drawing/2014/main" id="{008AB3D2-317E-4043-A5BE-6D078F589FC4}"/>
+                </a:ext>
+                <a:ext uri="{C183D7F6-B498-43B3-948B-1728B52AA6E4}">
+                  <adec:decorative xmlns:adec="http://schemas.microsoft.com/office/drawing/2017/decorative" val="1"/>
+                </a:ext>
+              </a:extLst>
+            </p:cNvPr>
+            <p:cNvSpPr/>
+            <p:nvPr>
+              <p:extLst>
+                <p:ext uri="{386F3935-93C4-4BCD-93E2-E3B085C9AB24}">
+                  <p16:designElem xmlns:p16="http://schemas.microsoft.com/office/powerpoint/2015/main" val="1"/>
+                </p:ext>
+              </p:extLst>
+            </p:nvPr>
+          </p:nvSpPr>
+          <p:spPr>
+            <a:xfrm>
+              <a:off x="0" y="2895600"/>
+              <a:ext cx="2362200" cy="2362200"/>
+            </a:xfrm>
+            <a:prstGeom prst="ellipse">
+              <a:avLst/>
+            </a:prstGeom>
+            <a:gradFill flip="none" rotWithShape="1">
+              <a:gsLst>
+                <a:gs pos="0">
+                  <a:schemeClr val="accent5">
+                    <a:alpha val="8000"/>
+                  </a:schemeClr>
+                </a:gs>
+                <a:gs pos="72000">
+                  <a:schemeClr val="accent5">
+                    <a:alpha val="0"/>
+                  </a:schemeClr>
+                </a:gs>
+                <a:gs pos="36000">
+                  <a:schemeClr val="accent5">
+                    <a:alpha val="8000"/>
+                  </a:schemeClr>
+                </a:gs>
+              </a:gsLst>
+              <a:path path="circle">
+                <a:fillToRect l="50000" t="50000" r="50000" b="50000"/>
+              </a:path>
+              <a:tileRect/>
+            </a:gradFill>
+            <a:ln>
+              <a:noFill/>
+            </a:ln>
+            <a:effectLst/>
+          </p:spPr>
+          <p:style>
+            <a:lnRef idx="1">
+              <a:schemeClr val="accent1"/>
+            </a:lnRef>
+            <a:fillRef idx="3">
+              <a:schemeClr val="accent1"/>
+            </a:fillRef>
+            <a:effectRef idx="2">
+              <a:schemeClr val="accent1"/>
+            </a:effectRef>
+            <a:fontRef idx="minor">
+              <a:schemeClr val="lt1"/>
+            </a:fontRef>
+          </p:style>
+        </p:sp>
+        <p:sp>
+          <p:nvSpPr>
+            <p:cNvPr id="23" name="Oval 15">
+              <a:extLst>
+                <a:ext uri="{FF2B5EF4-FFF2-40B4-BE49-F238E27FC236}">
+                  <a16:creationId xmlns:a16="http://schemas.microsoft.com/office/drawing/2014/main" id="{7BE6F4C2-B396-47DA-9B43-7CBC55B9838C}"/>
+                </a:ext>
+                <a:ext uri="{C183D7F6-B498-43B3-948B-1728B52AA6E4}">
+                  <adec:decorative xmlns:adec="http://schemas.microsoft.com/office/drawing/2017/decorative" val="1"/>
+                </a:ext>
+              </a:extLst>
+            </p:cNvPr>
+            <p:cNvSpPr/>
+            <p:nvPr>
+              <p:extLst>
+                <p:ext uri="{386F3935-93C4-4BCD-93E2-E3B085C9AB24}">
+                  <p16:designElem xmlns:p16="http://schemas.microsoft.com/office/powerpoint/2015/main" val="1"/>
+                </p:ext>
+              </p:extLst>
+            </p:nvPr>
+          </p:nvSpPr>
+          <p:spPr>
+            <a:xfrm>
+              <a:off x="0" y="2667000"/>
+              <a:ext cx="4191000" cy="4191000"/>
+            </a:xfrm>
+            <a:prstGeom prst="ellipse">
+              <a:avLst/>
+            </a:prstGeom>
+            <a:gradFill flip="none" rotWithShape="1">
+              <a:gsLst>
+                <a:gs pos="0">
+                  <a:schemeClr val="accent1">
+                    <a:lumMod val="60000"/>
+                    <a:lumOff val="40000"/>
+                    <a:alpha val="11000"/>
+                  </a:schemeClr>
+                </a:gs>
+                <a:gs pos="75000">
+                  <a:schemeClr val="accent1">
+                    <a:lumMod val="60000"/>
+                    <a:lumOff val="40000"/>
+                    <a:alpha val="0"/>
+                  </a:schemeClr>
+                </a:gs>
+                <a:gs pos="36000">
+                  <a:schemeClr val="accent1">
+                    <a:lumMod val="60000"/>
+                    <a:lumOff val="40000"/>
+                    <a:alpha val="10000"/>
+                  </a:schemeClr>
+                </a:gs>
+              </a:gsLst>
+              <a:path path="circle">
+                <a:fillToRect l="50000" t="50000" r="50000" b="50000"/>
+              </a:path>
+              <a:tileRect/>
+            </a:gradFill>
+            <a:ln>
+              <a:noFill/>
+            </a:ln>
+            <a:effectLst/>
+          </p:spPr>
+          <p:style>
+            <a:lnRef idx="1">
+              <a:schemeClr val="accent1"/>
+            </a:lnRef>
+            <a:fillRef idx="3">
+              <a:schemeClr val="accent1"/>
+            </a:fillRef>
+            <a:effectRef idx="2">
+              <a:schemeClr val="accent1"/>
+            </a:effectRef>
+            <a:fontRef idx="minor">
+              <a:schemeClr val="lt1"/>
+            </a:fontRef>
+          </p:style>
+        </p:sp>
+        <p:sp>
+          <p:nvSpPr>
+            <p:cNvPr id="17" name="Oval 16">
+              <a:extLst>
+                <a:ext uri="{FF2B5EF4-FFF2-40B4-BE49-F238E27FC236}">
+                  <a16:creationId xmlns:a16="http://schemas.microsoft.com/office/drawing/2014/main" id="{42099893-51D2-4FDD-A8B8-99DE6A1F9C0C}"/>
+                </a:ext>
+                <a:ext uri="{C183D7F6-B498-43B3-948B-1728B52AA6E4}">
+                  <adec:decorative xmlns:adec="http://schemas.microsoft.com/office/drawing/2017/decorative" val="1"/>
+                </a:ext>
+              </a:extLst>
+            </p:cNvPr>
+            <p:cNvSpPr/>
+            <p:nvPr>
+              <p:extLst>
+                <p:ext uri="{386F3935-93C4-4BCD-93E2-E3B085C9AB24}">
+                  <p16:designElem xmlns:p16="http://schemas.microsoft.com/office/powerpoint/2015/main" val="1"/>
+                </p:ext>
+              </p:extLst>
+            </p:nvPr>
+          </p:nvSpPr>
+          <p:spPr>
+            <a:xfrm>
+              <a:off x="8609012" y="5865239"/>
+              <a:ext cx="990600" cy="990600"/>
+            </a:xfrm>
+            <a:prstGeom prst="ellipse">
+              <a:avLst/>
+            </a:prstGeom>
+            <a:gradFill flip="none" rotWithShape="1">
+              <a:gsLst>
+                <a:gs pos="0">
+                  <a:schemeClr val="accent1">
+                    <a:lumMod val="60000"/>
+                    <a:lumOff val="40000"/>
+                    <a:alpha val="10000"/>
+                  </a:schemeClr>
+                </a:gs>
+                <a:gs pos="66000">
+                  <a:schemeClr val="accent1">
+                    <a:lumMod val="60000"/>
+                    <a:lumOff val="40000"/>
+                    <a:alpha val="0"/>
+                  </a:schemeClr>
+                </a:gs>
+                <a:gs pos="31000">
+                  <a:schemeClr val="accent1">
+                    <a:lumMod val="60000"/>
+                    <a:lumOff val="40000"/>
+                    <a:alpha val="5000"/>
+                  </a:schemeClr>
+                </a:gs>
+              </a:gsLst>
+              <a:path path="circle">
+                <a:fillToRect l="50000" t="50000" r="50000" b="50000"/>
+              </a:path>
+              <a:tileRect/>
+            </a:gradFill>
+            <a:ln>
+              <a:noFill/>
+            </a:ln>
+            <a:effectLst/>
+          </p:spPr>
+          <p:style>
+            <a:lnRef idx="1">
+              <a:schemeClr val="accent1"/>
+            </a:lnRef>
+            <a:fillRef idx="3">
+              <a:schemeClr val="accent1"/>
+            </a:fillRef>
+            <a:effectRef idx="2">
+              <a:schemeClr val="accent1"/>
+            </a:effectRef>
+            <a:fontRef idx="minor">
+              <a:schemeClr val="lt1"/>
+            </a:fontRef>
+          </p:style>
+        </p:sp>
+        <p:sp>
+          <p:nvSpPr>
+            <p:cNvPr id="24" name="Freeform 5">
+              <a:extLst>
+                <a:ext uri="{FF2B5EF4-FFF2-40B4-BE49-F238E27FC236}">
+                  <a16:creationId xmlns:a16="http://schemas.microsoft.com/office/drawing/2014/main" id="{9B387B19-E01F-4F0A-A984-04315236E1FD}"/>
+                </a:ext>
+                <a:ext uri="{C183D7F6-B498-43B3-948B-1728B52AA6E4}">
+                  <adec:decorative xmlns:adec="http://schemas.microsoft.com/office/drawing/2017/decorative" val="1"/>
+                </a:ext>
+              </a:extLst>
+            </p:cNvPr>
+            <p:cNvSpPr/>
+            <p:nvPr>
+              <p:extLst>
+                <p:ext uri="{386F3935-93C4-4BCD-93E2-E3B085C9AB24}">
+                  <p16:designElem xmlns:p16="http://schemas.microsoft.com/office/powerpoint/2015/main" val="1"/>
+                </p:ext>
+              </p:extLst>
+            </p:nvPr>
+          </p:nvSpPr>
+          <p:spPr bwMode="gray">
+            <a:xfrm rot="16200000">
+              <a:off x="2229377" y="2801721"/>
+              <a:ext cx="6053670" cy="1254558"/>
+            </a:xfrm>
+            <a:custGeom>
+              <a:avLst/>
+              <a:gdLst/>
+              <a:ahLst/>
+              <a:cxnLst/>
+              <a:rect l="l" t="t" r="r" b="b"/>
+              <a:pathLst>
+                <a:path w="10000" h="8000">
+                  <a:moveTo>
+                    <a:pt x="0" y="0"/>
+                  </a:moveTo>
+                  <a:lnTo>
+                    <a:pt x="0" y="7970"/>
+                  </a:lnTo>
+                  <a:lnTo>
+                    <a:pt x="10000" y="8000"/>
+                  </a:lnTo>
+                  <a:lnTo>
+                    <a:pt x="10000" y="7"/>
+                  </a:lnTo>
+                  <a:lnTo>
+                    <a:pt x="10000" y="7"/>
+                  </a:lnTo>
+                  <a:lnTo>
+                    <a:pt x="9773" y="156"/>
+                  </a:lnTo>
+                  <a:lnTo>
+                    <a:pt x="9547" y="298"/>
+                  </a:lnTo>
+                  <a:lnTo>
+                    <a:pt x="9320" y="437"/>
+                  </a:lnTo>
+                  <a:lnTo>
+                    <a:pt x="9092" y="556"/>
+                  </a:lnTo>
+                  <a:lnTo>
+                    <a:pt x="8865" y="676"/>
+                  </a:lnTo>
+                  <a:lnTo>
+                    <a:pt x="8637" y="788"/>
+                  </a:lnTo>
+                  <a:lnTo>
+                    <a:pt x="8412" y="884"/>
+                  </a:lnTo>
+                  <a:lnTo>
+                    <a:pt x="8184" y="975"/>
+                  </a:lnTo>
+                  <a:lnTo>
+                    <a:pt x="7957" y="1058"/>
+                  </a:lnTo>
+                  <a:lnTo>
+                    <a:pt x="7734" y="1130"/>
+                  </a:lnTo>
+                  <a:lnTo>
+                    <a:pt x="7508" y="1202"/>
+                  </a:lnTo>
+                  <a:lnTo>
+                    <a:pt x="7285" y="1262"/>
+                  </a:lnTo>
+                  <a:lnTo>
+                    <a:pt x="7062" y="1309"/>
+                  </a:lnTo>
+                  <a:lnTo>
+                    <a:pt x="6840" y="1358"/>
+                  </a:lnTo>
+                  <a:lnTo>
+                    <a:pt x="6620" y="1399"/>
+                  </a:lnTo>
+                  <a:lnTo>
+                    <a:pt x="6402" y="1428"/>
+                  </a:lnTo>
+                  <a:lnTo>
+                    <a:pt x="6184" y="1453"/>
+                  </a:lnTo>
+                  <a:lnTo>
+                    <a:pt x="5968" y="1477"/>
+                  </a:lnTo>
+                  <a:lnTo>
+                    <a:pt x="5755" y="1488"/>
+                  </a:lnTo>
+                  <a:lnTo>
+                    <a:pt x="5542" y="1500"/>
+                  </a:lnTo>
+                  <a:lnTo>
+                    <a:pt x="5332" y="1506"/>
+                  </a:lnTo>
+                  <a:lnTo>
+                    <a:pt x="5124" y="1500"/>
+                  </a:lnTo>
+                  <a:lnTo>
+                    <a:pt x="4918" y="1500"/>
+                  </a:lnTo>
+                  <a:lnTo>
+                    <a:pt x="4714" y="1488"/>
+                  </a:lnTo>
+                  <a:lnTo>
+                    <a:pt x="4514" y="1470"/>
+                  </a:lnTo>
+                  <a:lnTo>
+                    <a:pt x="4316" y="1453"/>
+                  </a:lnTo>
+                  <a:lnTo>
+                    <a:pt x="4122" y="1434"/>
+                  </a:lnTo>
+                  <a:lnTo>
+                    <a:pt x="3929" y="1405"/>
+                  </a:lnTo>
+                  <a:lnTo>
+                    <a:pt x="3739" y="1374"/>
+                  </a:lnTo>
+                  <a:lnTo>
+                    <a:pt x="3553" y="1346"/>
+                  </a:lnTo>
+                  <a:lnTo>
+                    <a:pt x="3190" y="1267"/>
+                  </a:lnTo>
+                  <a:lnTo>
+                    <a:pt x="2842" y="1183"/>
+                  </a:lnTo>
+                  <a:lnTo>
+                    <a:pt x="2508" y="1095"/>
+                  </a:lnTo>
+                  <a:lnTo>
+                    <a:pt x="2192" y="998"/>
+                  </a:lnTo>
+                  <a:lnTo>
+                    <a:pt x="1890" y="897"/>
+                  </a:lnTo>
+                  <a:lnTo>
+                    <a:pt x="1610" y="788"/>
+                  </a:lnTo>
+                  <a:lnTo>
+                    <a:pt x="1347" y="681"/>
+                  </a:lnTo>
+                  <a:lnTo>
+                    <a:pt x="1105" y="574"/>
+                  </a:lnTo>
+                  <a:lnTo>
+                    <a:pt x="883" y="473"/>
+                  </a:lnTo>
+                  <a:lnTo>
+                    <a:pt x="686" y="377"/>
+                  </a:lnTo>
+                  <a:lnTo>
+                    <a:pt x="508" y="286"/>
+                  </a:lnTo>
+                  <a:lnTo>
+                    <a:pt x="358" y="210"/>
+                  </a:lnTo>
+                  <a:lnTo>
+                    <a:pt x="232" y="138"/>
+                  </a:lnTo>
+                  <a:lnTo>
+                    <a:pt x="59" y="35"/>
+                  </a:lnTo>
+                  <a:lnTo>
+                    <a:pt x="0" y="0"/>
+                  </a:lnTo>
+                  <a:lnTo>
+                    <a:pt x="0" y="0"/>
+                  </a:lnTo>
+                  <a:close/>
+                </a:path>
+              </a:pathLst>
+            </a:custGeom>
+            <a:solidFill>
+              <a:schemeClr val="bg1"/>
+            </a:solidFill>
+            <a:ln>
+              <a:noFill/>
+            </a:ln>
+          </p:spPr>
+        </p:sp>
+        <p:sp>
+          <p:nvSpPr>
+            <p:cNvPr id="25" name="Freeform 5">
+              <a:extLst>
+                <a:ext uri="{FF2B5EF4-FFF2-40B4-BE49-F238E27FC236}">
+                  <a16:creationId xmlns:a16="http://schemas.microsoft.com/office/drawing/2014/main" id="{994735CE-14A3-4759-8BDD-55844E0DA978}"/>
+                </a:ext>
+                <a:ext uri="{C183D7F6-B498-43B3-948B-1728B52AA6E4}">
+                  <adec:decorative xmlns:adec="http://schemas.microsoft.com/office/drawing/2017/decorative" val="1"/>
+                </a:ext>
+              </a:extLst>
+            </p:cNvPr>
+            <p:cNvSpPr/>
+            <p:nvPr>
+              <p:extLst>
+                <p:ext uri="{386F3935-93C4-4BCD-93E2-E3B085C9AB24}">
+                  <p16:designElem xmlns:p16="http://schemas.microsoft.com/office/powerpoint/2015/main" val="1"/>
+                </p:ext>
+              </p:extLst>
+            </p:nvPr>
+          </p:nvSpPr>
+          <p:spPr bwMode="gray">
+            <a:xfrm rot="15922489">
+              <a:off x="3140485" y="1826078"/>
+              <a:ext cx="3299407" cy="440924"/>
+            </a:xfrm>
+            <a:custGeom>
+              <a:avLst/>
+              <a:gdLst/>
+              <a:ahLst/>
+              <a:cxnLst/>
+              <a:rect l="l" t="t" r="r" b="b"/>
+              <a:pathLst>
+                <a:path w="10000" h="5291">
+                  <a:moveTo>
+                    <a:pt x="85" y="2532"/>
+                  </a:moveTo>
+                  <a:cubicBezTo>
+                    <a:pt x="1736" y="3911"/>
+                    <a:pt x="7524" y="5298"/>
+                    <a:pt x="9958" y="5291"/>
+                  </a:cubicBezTo>
+                  <a:cubicBezTo>
+                    <a:pt x="9989" y="1958"/>
+                    <a:pt x="9969" y="3333"/>
+                    <a:pt x="10000" y="0"/>
+                  </a:cubicBezTo>
+                  <a:lnTo>
+                    <a:pt x="10000" y="0"/>
+                  </a:lnTo>
+                  <a:lnTo>
+                    <a:pt x="9667" y="204"/>
+                  </a:lnTo>
+                  <a:lnTo>
+                    <a:pt x="9334" y="400"/>
+                  </a:lnTo>
+                  <a:lnTo>
+                    <a:pt x="9001" y="590"/>
+                  </a:lnTo>
+                  <a:lnTo>
+                    <a:pt x="8667" y="753"/>
+                  </a:lnTo>
+                  <a:lnTo>
+                    <a:pt x="8333" y="917"/>
+                  </a:lnTo>
+                  <a:lnTo>
+                    <a:pt x="7999" y="1071"/>
+                  </a:lnTo>
+                  <a:lnTo>
+                    <a:pt x="7669" y="1202"/>
+                  </a:lnTo>
+                  <a:lnTo>
+                    <a:pt x="7333" y="1325"/>
+                  </a:lnTo>
+                  <a:lnTo>
+                    <a:pt x="7000" y="1440"/>
+                  </a:lnTo>
+                  <a:lnTo>
+                    <a:pt x="6673" y="1538"/>
+                  </a:lnTo>
+                  <a:lnTo>
+                    <a:pt x="6340" y="1636"/>
+                  </a:lnTo>
+                  <a:lnTo>
+                    <a:pt x="6013" y="1719"/>
+                  </a:lnTo>
+                  <a:lnTo>
+                    <a:pt x="5686" y="1784"/>
+                  </a:lnTo>
+                  <a:lnTo>
+                    <a:pt x="5359" y="1850"/>
+                  </a:lnTo>
+                  <a:lnTo>
+                    <a:pt x="5036" y="1906"/>
+                  </a:lnTo>
+                  <a:lnTo>
+                    <a:pt x="4717" y="1948"/>
+                  </a:lnTo>
+                  <a:lnTo>
+                    <a:pt x="4396" y="1980"/>
+                  </a:lnTo>
+                  <a:lnTo>
+                    <a:pt x="4079" y="2013"/>
+                  </a:lnTo>
+                  <a:lnTo>
+                    <a:pt x="3766" y="2029"/>
+                  </a:lnTo>
+                  <a:lnTo>
+                    <a:pt x="3454" y="2046"/>
+                  </a:lnTo>
+                  <a:lnTo>
+                    <a:pt x="3145" y="2053"/>
+                  </a:lnTo>
+                  <a:lnTo>
+                    <a:pt x="2839" y="2046"/>
+                  </a:lnTo>
+                  <a:lnTo>
+                    <a:pt x="2537" y="2046"/>
+                  </a:lnTo>
+                  <a:lnTo>
+                    <a:pt x="2238" y="2029"/>
+                  </a:lnTo>
+                  <a:lnTo>
+                    <a:pt x="1943" y="2004"/>
+                  </a:lnTo>
+                  <a:lnTo>
+                    <a:pt x="1653" y="1980"/>
+                  </a:lnTo>
+                  <a:lnTo>
+                    <a:pt x="1368" y="1955"/>
+                  </a:lnTo>
+                  <a:lnTo>
+                    <a:pt x="1085" y="1915"/>
+                  </a:lnTo>
+                  <a:lnTo>
+                    <a:pt x="806" y="1873"/>
+                  </a:lnTo>
+                  <a:lnTo>
+                    <a:pt x="533" y="1833"/>
+                  </a:lnTo>
+                  <a:lnTo>
+                    <a:pt x="0" y="1726"/>
+                  </a:lnTo>
+                  <a:cubicBezTo>
+                    <a:pt x="28" y="1995"/>
+                    <a:pt x="57" y="2263"/>
+                    <a:pt x="85" y="2532"/>
+                  </a:cubicBezTo>
+                  <a:close/>
+                </a:path>
+              </a:pathLst>
+            </a:custGeom>
+            <a:solidFill>
+              <a:schemeClr val="bg1">
+                <a:alpha val="20000"/>
+              </a:schemeClr>
+            </a:solidFill>
+            <a:ln>
+              <a:noFill/>
+            </a:ln>
+          </p:spPr>
+        </p:sp>
+        <p:sp>
+          <p:nvSpPr>
+            <p:cNvPr id="26" name="Rectangle 19">
+              <a:extLst>
+                <a:ext uri="{FF2B5EF4-FFF2-40B4-BE49-F238E27FC236}">
+                  <a16:creationId xmlns:a16="http://schemas.microsoft.com/office/drawing/2014/main" id="{3CD1763A-E8CE-4920-B58C-F41A62C8664C}"/>
+                </a:ext>
+                <a:ext uri="{C183D7F6-B498-43B3-948B-1728B52AA6E4}">
+                  <adec:decorative xmlns:adec="http://schemas.microsoft.com/office/drawing/2017/decorative" val="1"/>
+                </a:ext>
+              </a:extLst>
+            </p:cNvPr>
+            <p:cNvSpPr/>
+            <p:nvPr>
+              <p:extLst>
+                <p:ext uri="{386F3935-93C4-4BCD-93E2-E3B085C9AB24}">
+                  <p16:designElem xmlns:p16="http://schemas.microsoft.com/office/powerpoint/2015/main" val="1"/>
+                </p:ext>
+              </p:extLst>
+            </p:nvPr>
+          </p:nvSpPr>
+          <p:spPr bwMode="gray">
+            <a:xfrm>
+              <a:off x="5713412" y="402165"/>
+              <a:ext cx="6055253" cy="6053670"/>
+            </a:xfrm>
+            <a:prstGeom prst="rect">
+              <a:avLst/>
+            </a:prstGeom>
+            <a:solidFill>
+              <a:schemeClr val="bg1"/>
+            </a:solidFill>
+            <a:ln>
+              <a:noFill/>
+            </a:ln>
+            <a:effectLst/>
+          </p:spPr>
+          <p:style>
+            <a:lnRef idx="1">
+              <a:schemeClr val="accent1"/>
+            </a:lnRef>
+            <a:fillRef idx="3">
+              <a:schemeClr val="accent1"/>
+            </a:fillRef>
+            <a:effectRef idx="2">
+              <a:schemeClr val="accent1"/>
+            </a:effectRef>
+            <a:fontRef idx="minor">
+              <a:schemeClr val="lt1"/>
+            </a:fontRef>
+          </p:style>
+        </p:sp>
+        <p:sp>
+          <p:nvSpPr>
+            <p:cNvPr id="21" name="Freeform 5">
+              <a:extLst>
+                <a:ext uri="{FF2B5EF4-FFF2-40B4-BE49-F238E27FC236}">
+                  <a16:creationId xmlns:a16="http://schemas.microsoft.com/office/drawing/2014/main" id="{3C445311-D23D-4257-8441-7D9AE2DDBFF0}"/>
+                </a:ext>
+                <a:ext uri="{C183D7F6-B498-43B3-948B-1728B52AA6E4}">
+                  <adec:decorative xmlns:adec="http://schemas.microsoft.com/office/drawing/2017/decorative" val="1"/>
+                </a:ext>
+              </a:extLst>
+            </p:cNvPr>
+            <p:cNvSpPr>
+              <a:spLocks noEditPoints="1"/>
+            </p:cNvSpPr>
+            <p:nvPr>
+              <p:extLst>
+                <p:ext uri="{386F3935-93C4-4BCD-93E2-E3B085C9AB24}">
+                  <p16:designElem xmlns:p16="http://schemas.microsoft.com/office/powerpoint/2015/main" val="1"/>
+                </p:ext>
+              </p:extLst>
+            </p:nvPr>
+          </p:nvSpPr>
+          <p:spPr bwMode="gray">
+            <a:xfrm>
+              <a:off x="0" y="1587"/>
+              <a:ext cx="12192000" cy="6856413"/>
+            </a:xfrm>
+            <a:custGeom>
+              <a:avLst/>
+              <a:gdLst/>
+              <a:ahLst/>
+              <a:cxnLst/>
+              <a:rect l="0" t="0" r="r" b="b"/>
+              <a:pathLst>
+                <a:path w="15356" h="8638">
+                  <a:moveTo>
+                    <a:pt x="0" y="0"/>
+                  </a:moveTo>
+                  <a:lnTo>
+                    <a:pt x="0" y="8638"/>
+                  </a:lnTo>
+                  <a:lnTo>
+                    <a:pt x="15356" y="8638"/>
+                  </a:lnTo>
+                  <a:lnTo>
+                    <a:pt x="15356" y="0"/>
+                  </a:lnTo>
+                  <a:lnTo>
+                    <a:pt x="0" y="0"/>
+                  </a:lnTo>
+                  <a:close/>
+                  <a:moveTo>
+                    <a:pt x="14748" y="8038"/>
+                  </a:moveTo>
+                  <a:lnTo>
+                    <a:pt x="600" y="8038"/>
+                  </a:lnTo>
+                  <a:lnTo>
+                    <a:pt x="600" y="592"/>
+                  </a:lnTo>
+                  <a:lnTo>
+                    <a:pt x="14748" y="592"/>
+                  </a:lnTo>
+                  <a:lnTo>
+                    <a:pt x="14748" y="8038"/>
+                  </a:lnTo>
+                  <a:close/>
+                </a:path>
+              </a:pathLst>
+            </a:custGeom>
+            <a:solidFill>
+              <a:schemeClr val="bg1"/>
+            </a:solidFill>
+            <a:ln>
+              <a:noFill/>
+            </a:ln>
+          </p:spPr>
+        </p:sp>
+      </p:grpSp>
+      <p:sp>
+        <p:nvSpPr>
+          <p:cNvPr id="2" name="Título 1">
+            <a:extLst>
+              <a:ext uri="{FF2B5EF4-FFF2-40B4-BE49-F238E27FC236}">
+                <a16:creationId xmlns:a16="http://schemas.microsoft.com/office/drawing/2014/main" id="{AE679597-8640-49CC-AF95-100AAC3A7686}"/>
+              </a:ext>
+            </a:extLst>
+          </p:cNvPr>
+          <p:cNvSpPr>
+            <a:spLocks noGrp="1"/>
+          </p:cNvSpPr>
+          <p:nvPr>
+            <p:ph type="title"/>
+          </p:nvPr>
+        </p:nvSpPr>
+        <p:spPr>
+          <a:xfrm>
+            <a:off x="994087" y="1130603"/>
+            <a:ext cx="3342442" cy="4596794"/>
+          </a:xfrm>
+        </p:spPr>
+        <p:txBody>
+          <a:bodyPr anchor="ctr">
+            <a:normAutofit/>
+          </a:bodyPr>
+          <a:lstStyle/>
+          <a:p>
+            <a:r>
+              <a:rPr lang="pt-BR" sz="2400" dirty="0"/>
+              <a:t>Revisão sobre Dicionários</a:t>
+            </a:r>
+            <a:br>
+              <a:rPr lang="pt-BR" sz="1200" dirty="0"/>
+            </a:br>
+            <a:endParaRPr lang="pt-BR" sz="2400" dirty="0">
+              <a:solidFill>
+                <a:srgbClr val="EBEBEB"/>
+              </a:solidFill>
+            </a:endParaRPr>
+          </a:p>
+        </p:txBody>
+      </p:sp>
+      <p:sp>
+        <p:nvSpPr>
+          <p:cNvPr id="3" name="Espaço Reservado para Conteúdo 2">
+            <a:extLst>
+              <a:ext uri="{FF2B5EF4-FFF2-40B4-BE49-F238E27FC236}">
+                <a16:creationId xmlns:a16="http://schemas.microsoft.com/office/drawing/2014/main" id="{1A61D619-BF30-42DC-81FF-02DE2252DCB0}"/>
+              </a:ext>
+            </a:extLst>
+          </p:cNvPr>
+          <p:cNvSpPr>
+            <a:spLocks noGrp="1"/>
+          </p:cNvSpPr>
+          <p:nvPr>
+            <p:ph idx="1"/>
+          </p:nvPr>
+        </p:nvSpPr>
+        <p:spPr>
+          <a:xfrm>
+            <a:off x="5290077" y="437512"/>
+            <a:ext cx="6579368" cy="6018323"/>
+          </a:xfrm>
+        </p:spPr>
+        <p:txBody>
+          <a:bodyPr anchor="ctr">
+            <a:normAutofit/>
+          </a:bodyPr>
+          <a:lstStyle/>
+          <a:p>
+            <a:pPr algn="just"/>
+            <a:r>
+              <a:rPr lang="pt-BR" dirty="0"/>
+              <a:t>Em </a:t>
+            </a:r>
+            <a:r>
+              <a:rPr lang="pt-BR" dirty="0" err="1"/>
+              <a:t>python</a:t>
+            </a:r>
+            <a:r>
+              <a:rPr lang="pt-BR" dirty="0"/>
+              <a:t> temos os seguintes tipos de armazenamento de dados:</a:t>
+            </a:r>
+          </a:p>
+          <a:p>
+            <a:pPr algn="just"/>
+            <a:endParaRPr lang="pt-BR" dirty="0"/>
+          </a:p>
+          <a:p>
+            <a:pPr algn="just"/>
+            <a:r>
+              <a:rPr lang="pt-BR" b="1" dirty="0"/>
+              <a:t>Tupla</a:t>
+            </a:r>
+            <a:r>
+              <a:rPr lang="pt-BR" dirty="0"/>
+              <a:t> = ()</a:t>
+            </a:r>
+          </a:p>
+          <a:p>
+            <a:pPr algn="just"/>
+            <a:r>
+              <a:rPr lang="pt-BR" b="1" dirty="0"/>
+              <a:t>Lista</a:t>
+            </a:r>
+            <a:r>
+              <a:rPr lang="pt-BR" dirty="0"/>
+              <a:t> = [] 		 	    ou 	</a:t>
+            </a:r>
+            <a:r>
+              <a:rPr lang="pt-BR" b="1" dirty="0"/>
+              <a:t>Listas</a:t>
+            </a:r>
+            <a:r>
+              <a:rPr lang="pt-BR" dirty="0"/>
+              <a:t> = list() </a:t>
+            </a:r>
+          </a:p>
+          <a:p>
+            <a:pPr algn="just"/>
+            <a:r>
+              <a:rPr lang="pt-BR" b="1" dirty="0"/>
+              <a:t>Dicionário</a:t>
+            </a:r>
+            <a:r>
+              <a:rPr lang="pt-BR" dirty="0"/>
+              <a:t> = []	    ou	</a:t>
+            </a:r>
+            <a:r>
+              <a:rPr lang="pt-BR" b="1" dirty="0"/>
+              <a:t>Dicionários</a:t>
+            </a:r>
+            <a:r>
+              <a:rPr lang="pt-BR" dirty="0"/>
+              <a:t> = dict()</a:t>
+            </a:r>
+          </a:p>
+          <a:p>
+            <a:pPr algn="just"/>
+            <a:endParaRPr lang="pt-BR" dirty="0"/>
+          </a:p>
+          <a:p>
+            <a:pPr algn="just"/>
+            <a:endParaRPr lang="pt-BR" dirty="0"/>
+          </a:p>
+          <a:p>
+            <a:pPr algn="just"/>
+            <a:endParaRPr lang="pt-BR" dirty="0"/>
+          </a:p>
+          <a:p>
+            <a:pPr algn="just"/>
+            <a:endParaRPr lang="pt-BR" dirty="0"/>
+          </a:p>
+          <a:p>
+            <a:pPr algn="just"/>
+            <a:r>
+              <a:rPr lang="pt-BR" dirty="0"/>
+              <a:t>Tuplas são listas imutáveis</a:t>
+            </a:r>
+          </a:p>
+          <a:p>
+            <a:pPr algn="just"/>
+            <a:r>
+              <a:rPr lang="pt-BR" dirty="0"/>
+              <a:t>Dicionários são listas onde os índices possuem um nome ao invés de ser somente uma sequencia de números ([0],[1],[2]...)</a:t>
+            </a:r>
+          </a:p>
+        </p:txBody>
+      </p:sp>
+      <p:pic>
+        <p:nvPicPr>
+          <p:cNvPr id="1026" name="Picture 2" descr="Dicionários em Python ~ Acervo Lima">
+            <a:extLst>
+              <a:ext uri="{FF2B5EF4-FFF2-40B4-BE49-F238E27FC236}">
+                <a16:creationId xmlns:a16="http://schemas.microsoft.com/office/drawing/2014/main" id="{622B2362-9747-4B9C-AEBD-79274E5B37CE}"/>
+              </a:ext>
+            </a:extLst>
+          </p:cNvPr>
+          <p:cNvPicPr>
+            <a:picLocks noChangeAspect="1" noChangeArrowheads="1"/>
+          </p:cNvPicPr>
+          <p:nvPr/>
+        </p:nvPicPr>
+        <p:blipFill>
+          <a:blip r:embed="rId3">
+            <a:extLst>
+              <a:ext uri="{28A0092B-C50C-407E-A947-70E740481C1C}">
+                <a14:useLocalDpi xmlns:a14="http://schemas.microsoft.com/office/drawing/2010/main" val="0"/>
+              </a:ext>
+            </a:extLst>
+          </a:blip>
+          <a:srcRect/>
+          <a:stretch>
+            <a:fillRect/>
+          </a:stretch>
+        </p:blipFill>
+        <p:spPr bwMode="auto">
+          <a:xfrm>
+            <a:off x="1020186" y="4212520"/>
+            <a:ext cx="3107771" cy="1749675"/>
+          </a:xfrm>
+          <a:prstGeom prst="rect">
+            <a:avLst/>
+          </a:prstGeom>
+          <a:noFill/>
+          <a:extLst>
+            <a:ext uri="{909E8E84-426E-40DD-AFC4-6F175D3DCCD1}">
+              <a14:hiddenFill xmlns:a14="http://schemas.microsoft.com/office/drawing/2010/main">
+                <a:solidFill>
+                  <a:srgbClr val="FFFFFF"/>
+                </a:solidFill>
+              </a14:hiddenFill>
+            </a:ext>
+          </a:extLst>
+        </p:spPr>
+      </p:pic>
+      <p:pic>
+        <p:nvPicPr>
+          <p:cNvPr id="5" name="Imagem 4">
+            <a:extLst>
+              <a:ext uri="{FF2B5EF4-FFF2-40B4-BE49-F238E27FC236}">
+                <a16:creationId xmlns:a16="http://schemas.microsoft.com/office/drawing/2014/main" id="{A11C8F8F-BCB9-46E1-A2EC-326CCF66E4D3}"/>
+              </a:ext>
+            </a:extLst>
+          </p:cNvPr>
+          <p:cNvPicPr>
+            <a:picLocks noChangeAspect="1"/>
+          </p:cNvPicPr>
+          <p:nvPr/>
+        </p:nvPicPr>
+        <p:blipFill>
+          <a:blip r:embed="rId4"/>
+          <a:stretch>
+            <a:fillRect/>
+          </a:stretch>
+        </p:blipFill>
+        <p:spPr>
+          <a:xfrm>
+            <a:off x="5712399" y="1905211"/>
+            <a:ext cx="2053069" cy="1280149"/>
+          </a:xfrm>
+          <a:prstGeom prst="rect">
+            <a:avLst/>
+          </a:prstGeom>
+        </p:spPr>
+      </p:pic>
+    </p:spTree>
+    <p:extLst>
+      <p:ext uri="{BB962C8B-B14F-4D97-AF65-F5344CB8AC3E}">
+        <p14:creationId xmlns:p14="http://schemas.microsoft.com/office/powerpoint/2010/main" val="4208763267"/>
+      </p:ext>
+    </p:extLst>
+  </p:cSld>
+  <p:clrMapOvr>
+    <a:masterClrMapping/>
+  </p:clrMapOvr>
+</p:sld>
+</file>
+
+<file path=ppt/slides/slide19.xml><?xml version="1.0" encoding="utf-8"?>
+<p:sld xmlns:a="http://schemas.openxmlformats.org/drawingml/2006/main" xmlns:r="http://schemas.openxmlformats.org/officeDocument/2006/relationships" xmlns:p="http://schemas.openxmlformats.org/presentationml/2006/main">
+  <p:cSld>
+    <p:bg>
+      <p:bgPr>
+        <a:blipFill rotWithShape="1">
+          <a:blip r:embed="rId2">
+            <a:duotone>
+              <a:schemeClr val="bg2">
+                <a:shade val="42000"/>
+                <a:hueMod val="42000"/>
+                <a:satMod val="124000"/>
+                <a:lumMod val="62000"/>
+              </a:schemeClr>
+              <a:schemeClr val="bg2">
+                <a:tint val="96000"/>
+                <a:satMod val="130000"/>
+              </a:schemeClr>
+            </a:duotone>
+          </a:blip>
+          <a:stretch/>
+        </a:blipFill>
+        <a:effectLst/>
+      </p:bgPr>
+    </p:bg>
+    <p:spTree>
+      <p:nvGrpSpPr>
+        <p:cNvPr id="1" name=""/>
+        <p:cNvGrpSpPr/>
+        <p:nvPr/>
+      </p:nvGrpSpPr>
+      <p:grpSpPr>
+        <a:xfrm>
+          <a:off x="0" y="0"/>
+          <a:ext cx="0" cy="0"/>
+          <a:chOff x="0" y="0"/>
+          <a:chExt cx="0" cy="0"/>
+        </a:xfrm>
+      </p:grpSpPr>
+      <p:sp useBgFill="1">
+        <p:nvSpPr>
+          <p:cNvPr id="8" name="Rectangle 7">
+            <a:extLst>
+              <a:ext uri="{FF2B5EF4-FFF2-40B4-BE49-F238E27FC236}">
+                <a16:creationId xmlns:a16="http://schemas.microsoft.com/office/drawing/2014/main" id="{01109B5D-BC35-4376-98A2-F53B03E4E1B4}"/>
+              </a:ext>
+              <a:ext uri="{C183D7F6-B498-43B3-948B-1728B52AA6E4}">
+                <adec:decorative xmlns:adec="http://schemas.microsoft.com/office/drawing/2017/decorative" val="1"/>
+              </a:ext>
+            </a:extLst>
+          </p:cNvPr>
+          <p:cNvSpPr>
+            <a:spLocks noGrp="1" noRot="1" noChangeAspect="1" noMove="1" noResize="1" noEditPoints="1" noAdjustHandles="1" noChangeArrowheads="1" noChangeShapeType="1" noTextEdit="1"/>
+          </p:cNvSpPr>
+          <p:nvPr>
+            <p:extLst>
+              <p:ext uri="{386F3935-93C4-4BCD-93E2-E3B085C9AB24}">
+                <p16:designElem xmlns:p16="http://schemas.microsoft.com/office/powerpoint/2015/main" val="1"/>
+              </p:ext>
+            </p:extLst>
+          </p:nvPr>
+        </p:nvSpPr>
+        <p:spPr>
+          <a:xfrm>
+            <a:off x="0" y="0"/>
+            <a:ext cx="12192000" cy="6858000"/>
+          </a:xfrm>
+          <a:prstGeom prst="rect">
+            <a:avLst/>
+          </a:prstGeom>
+          <a:ln>
+            <a:noFill/>
+          </a:ln>
+        </p:spPr>
+        <p:style>
+          <a:lnRef idx="2">
+            <a:schemeClr val="accent1">
+              <a:shade val="50000"/>
+            </a:schemeClr>
+          </a:lnRef>
+          <a:fillRef idx="1">
+            <a:schemeClr val="accent1"/>
+          </a:fillRef>
+          <a:effectRef idx="0">
+            <a:schemeClr val="accent1"/>
+          </a:effectRef>
+          <a:fontRef idx="minor">
+            <a:schemeClr val="lt1"/>
+          </a:fontRef>
+        </p:style>
+      </p:sp>
+      <p:sp>
+        <p:nvSpPr>
+          <p:cNvPr id="10" name="Freeform 5">
+            <a:extLst>
+              <a:ext uri="{FF2B5EF4-FFF2-40B4-BE49-F238E27FC236}">
+                <a16:creationId xmlns:a16="http://schemas.microsoft.com/office/drawing/2014/main" id="{94D90C11-98A3-40E3-B04C-A3025D6458A3}"/>
+              </a:ext>
+              <a:ext uri="{C183D7F6-B498-43B3-948B-1728B52AA6E4}">
+                <adec:decorative xmlns:adec="http://schemas.microsoft.com/office/drawing/2017/decorative" val="1"/>
+              </a:ext>
+            </a:extLst>
+          </p:cNvPr>
+          <p:cNvSpPr>
+            <a:spLocks noGrp="1" noRot="1" noChangeAspect="1" noMove="1" noResize="1" noEditPoints="1" noAdjustHandles="1" noChangeArrowheads="1" noChangeShapeType="1" noTextEdit="1"/>
+          </p:cNvSpPr>
+          <p:nvPr>
+            <p:extLst>
+              <p:ext uri="{386F3935-93C4-4BCD-93E2-E3B085C9AB24}">
+                <p16:designElem xmlns:p16="http://schemas.microsoft.com/office/powerpoint/2015/main" val="1"/>
+              </p:ext>
+            </p:extLst>
+          </p:nvPr>
+        </p:nvSpPr>
+        <p:spPr bwMode="gray">
+          <a:xfrm>
+            <a:off x="0" y="0"/>
+            <a:ext cx="12192000" cy="6856413"/>
+          </a:xfrm>
+          <a:custGeom>
+            <a:avLst/>
+            <a:gdLst/>
+            <a:ahLst/>
+            <a:cxnLst/>
+            <a:rect l="0" t="0" r="r" b="b"/>
+            <a:pathLst>
+              <a:path w="15356" h="8638">
+                <a:moveTo>
+                  <a:pt x="0" y="0"/>
+                </a:moveTo>
+                <a:lnTo>
+                  <a:pt x="0" y="8638"/>
+                </a:lnTo>
+                <a:lnTo>
+                  <a:pt x="15356" y="8638"/>
+                </a:lnTo>
+                <a:lnTo>
+                  <a:pt x="15356" y="0"/>
+                </a:lnTo>
+                <a:lnTo>
+                  <a:pt x="0" y="0"/>
+                </a:lnTo>
+                <a:close/>
+                <a:moveTo>
+                  <a:pt x="14748" y="8038"/>
+                </a:moveTo>
+                <a:lnTo>
+                  <a:pt x="600" y="8038"/>
+                </a:lnTo>
+                <a:lnTo>
+                  <a:pt x="600" y="592"/>
+                </a:lnTo>
+                <a:lnTo>
+                  <a:pt x="14748" y="592"/>
+                </a:lnTo>
+                <a:lnTo>
+                  <a:pt x="14748" y="8038"/>
+                </a:lnTo>
+                <a:close/>
+              </a:path>
+            </a:pathLst>
+          </a:custGeom>
+          <a:solidFill>
+            <a:schemeClr val="tx1"/>
+          </a:solidFill>
+          <a:ln>
+            <a:noFill/>
+          </a:ln>
+        </p:spPr>
+      </p:sp>
+      <p:sp>
+        <p:nvSpPr>
+          <p:cNvPr id="2" name="Título 1">
+            <a:extLst>
+              <a:ext uri="{FF2B5EF4-FFF2-40B4-BE49-F238E27FC236}">
+                <a16:creationId xmlns:a16="http://schemas.microsoft.com/office/drawing/2014/main" id="{013031FA-48E0-4758-860E-647D65F30FD1}"/>
+              </a:ext>
+            </a:extLst>
+          </p:cNvPr>
+          <p:cNvSpPr>
+            <a:spLocks noGrp="1"/>
+          </p:cNvSpPr>
+          <p:nvPr>
+            <p:ph type="title"/>
+          </p:nvPr>
+        </p:nvSpPr>
+        <p:spPr>
+          <a:xfrm>
+            <a:off x="806923" y="1449324"/>
+            <a:ext cx="3028230" cy="4391640"/>
+          </a:xfrm>
+        </p:spPr>
+        <p:txBody>
+          <a:bodyPr anchor="t">
+            <a:normAutofit/>
+          </a:bodyPr>
+          <a:lstStyle/>
+          <a:p>
+            <a:r>
+              <a:rPr lang="pt-BR" sz="2800" dirty="0"/>
+              <a:t>Revisão sobre Dicionários</a:t>
+            </a:r>
+            <a:br>
+              <a:rPr lang="pt-BR" sz="1400" dirty="0"/>
+            </a:br>
+            <a:br>
+              <a:rPr lang="pt-BR" sz="2800" dirty="0"/>
+            </a:br>
+            <a:endParaRPr lang="pt-BR" sz="2800" dirty="0">
+              <a:solidFill>
+                <a:schemeClr val="tx1"/>
+              </a:solidFill>
+            </a:endParaRPr>
+          </a:p>
+        </p:txBody>
+      </p:sp>
+      <p:sp>
+        <p:nvSpPr>
+          <p:cNvPr id="12" name="Rectangle 11">
+            <a:extLst>
+              <a:ext uri="{FF2B5EF4-FFF2-40B4-BE49-F238E27FC236}">
+                <a16:creationId xmlns:a16="http://schemas.microsoft.com/office/drawing/2014/main" id="{A3B28FB1-97C9-4A9E-A45B-356508C2C38B}"/>
+              </a:ext>
+              <a:ext uri="{C183D7F6-B498-43B3-948B-1728B52AA6E4}">
+                <adec:decorative xmlns:adec="http://schemas.microsoft.com/office/drawing/2017/decorative" val="1"/>
+              </a:ext>
+            </a:extLst>
+          </p:cNvPr>
+          <p:cNvSpPr>
+            <a:spLocks noGrp="1" noRot="1" noChangeAspect="1" noMove="1" noResize="1" noEditPoints="1" noAdjustHandles="1" noChangeArrowheads="1" noChangeShapeType="1" noTextEdit="1"/>
+          </p:cNvSpPr>
+          <p:nvPr>
+            <p:extLst>
+              <p:ext uri="{386F3935-93C4-4BCD-93E2-E3B085C9AB24}">
+                <p16:designElem xmlns:p16="http://schemas.microsoft.com/office/powerpoint/2015/main" val="1"/>
+              </p:ext>
+            </p:extLst>
+          </p:nvPr>
+        </p:nvSpPr>
+        <p:spPr>
+          <a:xfrm>
+            <a:off x="10437812" y="0"/>
+            <a:ext cx="685800" cy="1143000"/>
+          </a:xfrm>
+          <a:prstGeom prst="rect">
+            <a:avLst/>
+          </a:prstGeom>
+          <a:solidFill>
+            <a:schemeClr val="accent1"/>
+          </a:solidFill>
+          <a:ln>
+            <a:noFill/>
+          </a:ln>
+        </p:spPr>
+        <p:style>
+          <a:lnRef idx="1">
+            <a:schemeClr val="accent1"/>
+          </a:lnRef>
+          <a:fillRef idx="3">
+            <a:schemeClr val="accent1"/>
+          </a:fillRef>
+          <a:effectRef idx="2">
+            <a:schemeClr val="accent1"/>
+          </a:effectRef>
+          <a:fontRef idx="minor">
+            <a:schemeClr val="lt1"/>
+          </a:fontRef>
+        </p:style>
+      </p:sp>
+      <p:sp>
+        <p:nvSpPr>
+          <p:cNvPr id="3" name="Espaço Reservado para Conteúdo 2">
+            <a:extLst>
+              <a:ext uri="{FF2B5EF4-FFF2-40B4-BE49-F238E27FC236}">
+                <a16:creationId xmlns:a16="http://schemas.microsoft.com/office/drawing/2014/main" id="{C317B827-406D-459E-9BBD-78EE6B48C278}"/>
+              </a:ext>
+            </a:extLst>
+          </p:cNvPr>
+          <p:cNvSpPr>
+            <a:spLocks noGrp="1"/>
+          </p:cNvSpPr>
+          <p:nvPr>
+            <p:ph idx="1"/>
+          </p:nvPr>
+        </p:nvSpPr>
+        <p:spPr>
+          <a:xfrm>
+            <a:off x="3835153" y="496824"/>
+            <a:ext cx="6145460" cy="4391640"/>
+          </a:xfrm>
+        </p:spPr>
+        <p:txBody>
+          <a:bodyPr>
+            <a:normAutofit/>
+          </a:bodyPr>
+          <a:lstStyle/>
+          <a:p>
+            <a:r>
+              <a:rPr lang="pt-BR" sz="2800" dirty="0"/>
+              <a:t>Exemplo – Listas</a:t>
+            </a:r>
+            <a:endParaRPr lang="pt-BR" sz="2800" dirty="0">
+              <a:solidFill>
+                <a:schemeClr val="tx1"/>
+              </a:solidFill>
+            </a:endParaRPr>
+          </a:p>
+        </p:txBody>
+      </p:sp>
+      <p:sp>
+        <p:nvSpPr>
+          <p:cNvPr id="11" name="Espaço Reservado para Conteúdo 2">
+            <a:extLst>
+              <a:ext uri="{FF2B5EF4-FFF2-40B4-BE49-F238E27FC236}">
+                <a16:creationId xmlns:a16="http://schemas.microsoft.com/office/drawing/2014/main" id="{D386DDF2-3D14-494A-A013-EC001A66FE73}"/>
+              </a:ext>
+            </a:extLst>
+          </p:cNvPr>
+          <p:cNvSpPr txBox="1">
+            <a:spLocks/>
+          </p:cNvSpPr>
+          <p:nvPr/>
+        </p:nvSpPr>
+        <p:spPr>
+          <a:xfrm>
+            <a:off x="3835153" y="2024109"/>
+            <a:ext cx="6579368" cy="3816855"/>
+          </a:xfrm>
+          <a:prstGeom prst="rect">
+            <a:avLst/>
+          </a:prstGeom>
+        </p:spPr>
+        <p:txBody>
+          <a:bodyPr vert="horz" lIns="91440" tIns="45720" rIns="91440" bIns="45720" rtlCol="0" anchor="ctr">
+            <a:normAutofit/>
+          </a:bodyPr>
+          <a:lstStyle>
+            <a:lvl1pPr marL="342900" indent="-342900" algn="l" defTabSz="457200" rtl="0" eaLnBrk="1" latinLnBrk="0" hangingPunct="1">
+              <a:spcBef>
+                <a:spcPts val="1000"/>
+              </a:spcBef>
+              <a:spcAft>
+                <a:spcPts val="0"/>
+              </a:spcAft>
+              <a:buClr>
+                <a:schemeClr val="accent1"/>
+              </a:buClr>
+              <a:buSzPct val="80000"/>
+              <a:buFont typeface="Wingdings 3" charset="2"/>
+              <a:buChar char=""/>
+              <a:defRPr sz="1800" b="0" i="0" kern="1200">
+                <a:solidFill>
+                  <a:schemeClr val="tx1">
+                    <a:lumMod val="75000"/>
+                    <a:lumOff val="25000"/>
+                  </a:schemeClr>
+                </a:solidFill>
+                <a:latin typeface="+mn-lt"/>
+                <a:ea typeface="+mn-ea"/>
+                <a:cs typeface="+mn-cs"/>
+              </a:defRPr>
+            </a:lvl1pPr>
+            <a:lvl2pPr marL="742950" indent="-285750" algn="l" defTabSz="457200" rtl="0" eaLnBrk="1" latinLnBrk="0" hangingPunct="1">
+              <a:spcBef>
+                <a:spcPts val="1000"/>
+              </a:spcBef>
+              <a:spcAft>
+                <a:spcPts val="0"/>
+              </a:spcAft>
+              <a:buClr>
+                <a:schemeClr val="accent1"/>
+              </a:buClr>
+              <a:buSzPct val="80000"/>
+              <a:buFont typeface="Wingdings 3" charset="2"/>
+              <a:buChar char=""/>
+              <a:defRPr sz="1600" b="0" i="0" kern="1200">
+                <a:solidFill>
+                  <a:schemeClr val="tx1">
+                    <a:lumMod val="75000"/>
+                    <a:lumOff val="25000"/>
+                  </a:schemeClr>
+                </a:solidFill>
+                <a:latin typeface="+mn-lt"/>
+                <a:ea typeface="+mn-ea"/>
+                <a:cs typeface="+mn-cs"/>
+              </a:defRPr>
+            </a:lvl2pPr>
+            <a:lvl3pPr marL="1143000" indent="-228600" algn="l" defTabSz="457200" rtl="0" eaLnBrk="1" latinLnBrk="0" hangingPunct="1">
+              <a:spcBef>
+                <a:spcPts val="1000"/>
+              </a:spcBef>
+              <a:spcAft>
+                <a:spcPts val="0"/>
+              </a:spcAft>
+              <a:buClr>
+                <a:schemeClr val="accent1"/>
+              </a:buClr>
+              <a:buSzPct val="80000"/>
+              <a:buFont typeface="Wingdings 3" charset="2"/>
+              <a:buChar char=""/>
+              <a:defRPr sz="1400" b="0" i="0" kern="1200">
+                <a:solidFill>
+                  <a:schemeClr val="tx1">
+                    <a:lumMod val="75000"/>
+                    <a:lumOff val="25000"/>
+                  </a:schemeClr>
+                </a:solidFill>
+                <a:latin typeface="+mn-lt"/>
+                <a:ea typeface="+mn-ea"/>
+                <a:cs typeface="+mn-cs"/>
+              </a:defRPr>
+            </a:lvl3pPr>
+            <a:lvl4pPr marL="1600200" indent="-228600" algn="l" defTabSz="457200" rtl="0" eaLnBrk="1" latinLnBrk="0" hangingPunct="1">
+              <a:spcBef>
+                <a:spcPts val="1000"/>
+              </a:spcBef>
+              <a:spcAft>
+                <a:spcPts val="0"/>
+              </a:spcAft>
+              <a:buClr>
+                <a:schemeClr val="accent1"/>
+              </a:buClr>
+              <a:buSzPct val="80000"/>
+              <a:buFont typeface="Wingdings 3" charset="2"/>
+              <a:buChar char=""/>
+              <a:defRPr sz="1200" b="0" i="0" kern="1200">
+                <a:solidFill>
+                  <a:schemeClr val="tx1">
+                    <a:lumMod val="75000"/>
+                    <a:lumOff val="25000"/>
+                  </a:schemeClr>
+                </a:solidFill>
+                <a:latin typeface="+mn-lt"/>
+                <a:ea typeface="+mn-ea"/>
+                <a:cs typeface="+mn-cs"/>
+              </a:defRPr>
+            </a:lvl4pPr>
+            <a:lvl5pPr marL="2057400" indent="-228600" algn="l" defTabSz="457200" rtl="0" eaLnBrk="1" latinLnBrk="0" hangingPunct="1">
+              <a:spcBef>
+                <a:spcPts val="1000"/>
+              </a:spcBef>
+              <a:spcAft>
+                <a:spcPts val="0"/>
+              </a:spcAft>
+              <a:buClr>
+                <a:schemeClr val="accent1"/>
+              </a:buClr>
+              <a:buSzPct val="80000"/>
+              <a:buFont typeface="Wingdings 3" charset="2"/>
+              <a:buChar char=""/>
+              <a:defRPr sz="1200" b="0" i="0" kern="1200">
+                <a:solidFill>
+                  <a:schemeClr val="tx1">
+                    <a:lumMod val="75000"/>
+                    <a:lumOff val="25000"/>
+                  </a:schemeClr>
+                </a:solidFill>
+                <a:latin typeface="+mn-lt"/>
+                <a:ea typeface="+mn-ea"/>
+                <a:cs typeface="+mn-cs"/>
+              </a:defRPr>
+            </a:lvl5pPr>
+            <a:lvl6pPr marL="2514600" indent="-228600" algn="l" defTabSz="457200" rtl="0" eaLnBrk="1" latinLnBrk="0" hangingPunct="1">
+              <a:spcBef>
+                <a:spcPts val="1000"/>
+              </a:spcBef>
+              <a:spcAft>
+                <a:spcPts val="0"/>
+              </a:spcAft>
+              <a:buClr>
+                <a:schemeClr val="accent1"/>
+              </a:buClr>
+              <a:buSzPct val="80000"/>
+              <a:buFont typeface="Wingdings 3" charset="2"/>
+              <a:buChar char=""/>
+              <a:defRPr sz="1200" b="0" i="0" kern="1200">
+                <a:solidFill>
+                  <a:schemeClr val="tx1">
+                    <a:lumMod val="75000"/>
+                    <a:lumOff val="25000"/>
+                  </a:schemeClr>
+                </a:solidFill>
+                <a:latin typeface="+mn-lt"/>
+                <a:ea typeface="+mn-ea"/>
+                <a:cs typeface="+mn-cs"/>
+              </a:defRPr>
+            </a:lvl6pPr>
+            <a:lvl7pPr marL="2971800" indent="-228600" algn="l" defTabSz="457200" rtl="0" eaLnBrk="1" latinLnBrk="0" hangingPunct="1">
+              <a:spcBef>
+                <a:spcPts val="1000"/>
+              </a:spcBef>
+              <a:spcAft>
+                <a:spcPts val="0"/>
+              </a:spcAft>
+              <a:buClr>
+                <a:schemeClr val="accent1"/>
+              </a:buClr>
+              <a:buSzPct val="80000"/>
+              <a:buFont typeface="Wingdings 3" charset="2"/>
+              <a:buChar char=""/>
+              <a:defRPr sz="1200" b="0" i="0" kern="1200">
+                <a:solidFill>
+                  <a:schemeClr val="tx1">
+                    <a:lumMod val="75000"/>
+                    <a:lumOff val="25000"/>
+                  </a:schemeClr>
+                </a:solidFill>
+                <a:latin typeface="+mn-lt"/>
+                <a:ea typeface="+mn-ea"/>
+                <a:cs typeface="+mn-cs"/>
+              </a:defRPr>
+            </a:lvl7pPr>
+            <a:lvl8pPr marL="3429000" indent="-228600" algn="l" defTabSz="457200" rtl="0" eaLnBrk="1" latinLnBrk="0" hangingPunct="1">
+              <a:spcBef>
+                <a:spcPts val="1000"/>
+              </a:spcBef>
+              <a:spcAft>
+                <a:spcPts val="0"/>
+              </a:spcAft>
+              <a:buClr>
+                <a:schemeClr val="accent1"/>
+              </a:buClr>
+              <a:buSzPct val="80000"/>
+              <a:buFont typeface="Wingdings 3" charset="2"/>
+              <a:buChar char=""/>
+              <a:defRPr sz="1200" b="0" i="0" kern="1200">
+                <a:solidFill>
+                  <a:schemeClr val="tx1">
+                    <a:lumMod val="75000"/>
+                    <a:lumOff val="25000"/>
+                  </a:schemeClr>
+                </a:solidFill>
+                <a:latin typeface="+mn-lt"/>
+                <a:ea typeface="+mn-ea"/>
+                <a:cs typeface="+mn-cs"/>
+              </a:defRPr>
+            </a:lvl8pPr>
+            <a:lvl9pPr marL="3886200" indent="-228600" algn="l" defTabSz="457200" rtl="0" eaLnBrk="1" latinLnBrk="0" hangingPunct="1">
+              <a:spcBef>
+                <a:spcPts val="1000"/>
+              </a:spcBef>
+              <a:spcAft>
+                <a:spcPts val="0"/>
+              </a:spcAft>
+              <a:buClr>
+                <a:schemeClr val="accent1"/>
+              </a:buClr>
+              <a:buSzPct val="80000"/>
+              <a:buFont typeface="Wingdings 3" charset="2"/>
+              <a:buChar char=""/>
+              <a:defRPr sz="1200" b="0" i="0" kern="1200">
+                <a:solidFill>
+                  <a:schemeClr val="tx1">
+                    <a:lumMod val="75000"/>
+                    <a:lumOff val="25000"/>
+                  </a:schemeClr>
+                </a:solidFill>
+                <a:latin typeface="+mn-lt"/>
+                <a:ea typeface="+mn-ea"/>
+                <a:cs typeface="+mn-cs"/>
+              </a:defRPr>
+            </a:lvl9pPr>
+          </a:lstStyle>
+          <a:p>
+            <a:pPr algn="just"/>
+            <a:endParaRPr lang="pt-BR" sz="1600" dirty="0"/>
+          </a:p>
+          <a:p>
+            <a:pPr algn="just"/>
+            <a:endParaRPr lang="pt-BR" sz="1600" dirty="0"/>
+          </a:p>
+          <a:p>
+            <a:pPr algn="just"/>
+            <a:endParaRPr lang="pt-BR" sz="2000" dirty="0"/>
+          </a:p>
+        </p:txBody>
+      </p:sp>
+      <p:pic>
+        <p:nvPicPr>
+          <p:cNvPr id="6" name="Imagem 5">
+            <a:extLst>
+              <a:ext uri="{FF2B5EF4-FFF2-40B4-BE49-F238E27FC236}">
+                <a16:creationId xmlns:a16="http://schemas.microsoft.com/office/drawing/2014/main" id="{68456F08-4B22-4B42-BC74-B1E7F4A148CB}"/>
+              </a:ext>
+            </a:extLst>
+          </p:cNvPr>
+          <p:cNvPicPr>
+            <a:picLocks noChangeAspect="1"/>
+          </p:cNvPicPr>
+          <p:nvPr/>
+        </p:nvPicPr>
+        <p:blipFill>
+          <a:blip r:embed="rId3"/>
+          <a:stretch>
+            <a:fillRect/>
+          </a:stretch>
+        </p:blipFill>
+        <p:spPr>
+          <a:xfrm>
+            <a:off x="4128953" y="1546532"/>
+            <a:ext cx="7082705" cy="4391639"/>
+          </a:xfrm>
+          <a:prstGeom prst="rect">
+            <a:avLst/>
+          </a:prstGeom>
+          <a:ln>
+            <a:noFill/>
+          </a:ln>
+          <a:effectLst>
+            <a:softEdge rad="112500"/>
+          </a:effectLst>
+        </p:spPr>
+      </p:pic>
+    </p:spTree>
+    <p:extLst>
+      <p:ext uri="{BB962C8B-B14F-4D97-AF65-F5344CB8AC3E}">
+        <p14:creationId xmlns:p14="http://schemas.microsoft.com/office/powerpoint/2010/main" val="2714076431"/>
       </p:ext>
     </p:extLst>
   </p:cSld>
@@ -19984,6 +22842,3268 @@
   </p:cSld>
   <p:clrMapOvr>
     <a:masterClrMapping/>
+  </p:clrMapOvr>
+</p:sld>
+</file>
+
+<file path=ppt/slides/slide20.xml><?xml version="1.0" encoding="utf-8"?>
+<p:sld xmlns:a="http://schemas.openxmlformats.org/drawingml/2006/main" xmlns:r="http://schemas.openxmlformats.org/officeDocument/2006/relationships" xmlns:p="http://schemas.openxmlformats.org/presentationml/2006/main">
+  <p:cSld>
+    <p:bg>
+      <p:bgPr>
+        <a:blipFill rotWithShape="1">
+          <a:blip r:embed="rId2">
+            <a:duotone>
+              <a:schemeClr val="bg2">
+                <a:shade val="42000"/>
+                <a:hueMod val="42000"/>
+                <a:satMod val="124000"/>
+                <a:lumMod val="62000"/>
+              </a:schemeClr>
+              <a:schemeClr val="bg2">
+                <a:tint val="96000"/>
+                <a:satMod val="130000"/>
+              </a:schemeClr>
+            </a:duotone>
+          </a:blip>
+          <a:stretch/>
+        </a:blipFill>
+        <a:effectLst/>
+      </p:bgPr>
+    </p:bg>
+    <p:spTree>
+      <p:nvGrpSpPr>
+        <p:cNvPr id="1" name=""/>
+        <p:cNvGrpSpPr/>
+        <p:nvPr/>
+      </p:nvGrpSpPr>
+      <p:grpSpPr>
+        <a:xfrm>
+          <a:off x="0" y="0"/>
+          <a:ext cx="0" cy="0"/>
+          <a:chOff x="0" y="0"/>
+          <a:chExt cx="0" cy="0"/>
+        </a:xfrm>
+      </p:grpSpPr>
+      <p:sp useBgFill="1">
+        <p:nvSpPr>
+          <p:cNvPr id="8" name="Rectangle 7">
+            <a:extLst>
+              <a:ext uri="{FF2B5EF4-FFF2-40B4-BE49-F238E27FC236}">
+                <a16:creationId xmlns:a16="http://schemas.microsoft.com/office/drawing/2014/main" id="{01109B5D-BC35-4376-98A2-F53B03E4E1B4}"/>
+              </a:ext>
+              <a:ext uri="{C183D7F6-B498-43B3-948B-1728B52AA6E4}">
+                <adec:decorative xmlns:adec="http://schemas.microsoft.com/office/drawing/2017/decorative" val="1"/>
+              </a:ext>
+            </a:extLst>
+          </p:cNvPr>
+          <p:cNvSpPr>
+            <a:spLocks noGrp="1" noRot="1" noChangeAspect="1" noMove="1" noResize="1" noEditPoints="1" noAdjustHandles="1" noChangeArrowheads="1" noChangeShapeType="1" noTextEdit="1"/>
+          </p:cNvSpPr>
+          <p:nvPr>
+            <p:extLst>
+              <p:ext uri="{386F3935-93C4-4BCD-93E2-E3B085C9AB24}">
+                <p16:designElem xmlns:p16="http://schemas.microsoft.com/office/powerpoint/2015/main" val="1"/>
+              </p:ext>
+            </p:extLst>
+          </p:nvPr>
+        </p:nvSpPr>
+        <p:spPr>
+          <a:xfrm>
+            <a:off x="0" y="0"/>
+            <a:ext cx="12192000" cy="6858000"/>
+          </a:xfrm>
+          <a:prstGeom prst="rect">
+            <a:avLst/>
+          </a:prstGeom>
+          <a:ln>
+            <a:noFill/>
+          </a:ln>
+        </p:spPr>
+        <p:style>
+          <a:lnRef idx="2">
+            <a:schemeClr val="accent1">
+              <a:shade val="50000"/>
+            </a:schemeClr>
+          </a:lnRef>
+          <a:fillRef idx="1">
+            <a:schemeClr val="accent1"/>
+          </a:fillRef>
+          <a:effectRef idx="0">
+            <a:schemeClr val="accent1"/>
+          </a:effectRef>
+          <a:fontRef idx="minor">
+            <a:schemeClr val="lt1"/>
+          </a:fontRef>
+        </p:style>
+      </p:sp>
+      <p:sp>
+        <p:nvSpPr>
+          <p:cNvPr id="10" name="Freeform 5">
+            <a:extLst>
+              <a:ext uri="{FF2B5EF4-FFF2-40B4-BE49-F238E27FC236}">
+                <a16:creationId xmlns:a16="http://schemas.microsoft.com/office/drawing/2014/main" id="{94D90C11-98A3-40E3-B04C-A3025D6458A3}"/>
+              </a:ext>
+              <a:ext uri="{C183D7F6-B498-43B3-948B-1728B52AA6E4}">
+                <adec:decorative xmlns:adec="http://schemas.microsoft.com/office/drawing/2017/decorative" val="1"/>
+              </a:ext>
+            </a:extLst>
+          </p:cNvPr>
+          <p:cNvSpPr>
+            <a:spLocks noGrp="1" noRot="1" noChangeAspect="1" noMove="1" noResize="1" noEditPoints="1" noAdjustHandles="1" noChangeArrowheads="1" noChangeShapeType="1" noTextEdit="1"/>
+          </p:cNvSpPr>
+          <p:nvPr>
+            <p:extLst>
+              <p:ext uri="{386F3935-93C4-4BCD-93E2-E3B085C9AB24}">
+                <p16:designElem xmlns:p16="http://schemas.microsoft.com/office/powerpoint/2015/main" val="1"/>
+              </p:ext>
+            </p:extLst>
+          </p:nvPr>
+        </p:nvSpPr>
+        <p:spPr bwMode="gray">
+          <a:xfrm>
+            <a:off x="0" y="0"/>
+            <a:ext cx="12192000" cy="6856413"/>
+          </a:xfrm>
+          <a:custGeom>
+            <a:avLst/>
+            <a:gdLst/>
+            <a:ahLst/>
+            <a:cxnLst/>
+            <a:rect l="0" t="0" r="r" b="b"/>
+            <a:pathLst>
+              <a:path w="15356" h="8638">
+                <a:moveTo>
+                  <a:pt x="0" y="0"/>
+                </a:moveTo>
+                <a:lnTo>
+                  <a:pt x="0" y="8638"/>
+                </a:lnTo>
+                <a:lnTo>
+                  <a:pt x="15356" y="8638"/>
+                </a:lnTo>
+                <a:lnTo>
+                  <a:pt x="15356" y="0"/>
+                </a:lnTo>
+                <a:lnTo>
+                  <a:pt x="0" y="0"/>
+                </a:lnTo>
+                <a:close/>
+                <a:moveTo>
+                  <a:pt x="14748" y="8038"/>
+                </a:moveTo>
+                <a:lnTo>
+                  <a:pt x="600" y="8038"/>
+                </a:lnTo>
+                <a:lnTo>
+                  <a:pt x="600" y="592"/>
+                </a:lnTo>
+                <a:lnTo>
+                  <a:pt x="14748" y="592"/>
+                </a:lnTo>
+                <a:lnTo>
+                  <a:pt x="14748" y="8038"/>
+                </a:lnTo>
+                <a:close/>
+              </a:path>
+            </a:pathLst>
+          </a:custGeom>
+          <a:solidFill>
+            <a:schemeClr val="tx1"/>
+          </a:solidFill>
+          <a:ln>
+            <a:noFill/>
+          </a:ln>
+        </p:spPr>
+      </p:sp>
+      <p:sp>
+        <p:nvSpPr>
+          <p:cNvPr id="2" name="Título 1">
+            <a:extLst>
+              <a:ext uri="{FF2B5EF4-FFF2-40B4-BE49-F238E27FC236}">
+                <a16:creationId xmlns:a16="http://schemas.microsoft.com/office/drawing/2014/main" id="{013031FA-48E0-4758-860E-647D65F30FD1}"/>
+              </a:ext>
+            </a:extLst>
+          </p:cNvPr>
+          <p:cNvSpPr>
+            <a:spLocks noGrp="1"/>
+          </p:cNvSpPr>
+          <p:nvPr>
+            <p:ph type="title"/>
+          </p:nvPr>
+        </p:nvSpPr>
+        <p:spPr>
+          <a:xfrm>
+            <a:off x="806923" y="1449324"/>
+            <a:ext cx="3028230" cy="4391640"/>
+          </a:xfrm>
+        </p:spPr>
+        <p:txBody>
+          <a:bodyPr anchor="t">
+            <a:normAutofit/>
+          </a:bodyPr>
+          <a:lstStyle/>
+          <a:p>
+            <a:r>
+              <a:rPr lang="pt-BR" sz="2800" dirty="0"/>
+              <a:t>Revisão sobre Dicionários</a:t>
+            </a:r>
+            <a:br>
+              <a:rPr lang="pt-BR" sz="1400" dirty="0"/>
+            </a:br>
+            <a:br>
+              <a:rPr lang="pt-BR" sz="2800" dirty="0"/>
+            </a:br>
+            <a:endParaRPr lang="pt-BR" sz="2800" dirty="0">
+              <a:solidFill>
+                <a:schemeClr val="tx1"/>
+              </a:solidFill>
+            </a:endParaRPr>
+          </a:p>
+        </p:txBody>
+      </p:sp>
+      <p:sp>
+        <p:nvSpPr>
+          <p:cNvPr id="12" name="Rectangle 11">
+            <a:extLst>
+              <a:ext uri="{FF2B5EF4-FFF2-40B4-BE49-F238E27FC236}">
+                <a16:creationId xmlns:a16="http://schemas.microsoft.com/office/drawing/2014/main" id="{A3B28FB1-97C9-4A9E-A45B-356508C2C38B}"/>
+              </a:ext>
+              <a:ext uri="{C183D7F6-B498-43B3-948B-1728B52AA6E4}">
+                <adec:decorative xmlns:adec="http://schemas.microsoft.com/office/drawing/2017/decorative" val="1"/>
+              </a:ext>
+            </a:extLst>
+          </p:cNvPr>
+          <p:cNvSpPr>
+            <a:spLocks noGrp="1" noRot="1" noChangeAspect="1" noMove="1" noResize="1" noEditPoints="1" noAdjustHandles="1" noChangeArrowheads="1" noChangeShapeType="1" noTextEdit="1"/>
+          </p:cNvSpPr>
+          <p:nvPr>
+            <p:extLst>
+              <p:ext uri="{386F3935-93C4-4BCD-93E2-E3B085C9AB24}">
+                <p16:designElem xmlns:p16="http://schemas.microsoft.com/office/powerpoint/2015/main" val="1"/>
+              </p:ext>
+            </p:extLst>
+          </p:nvPr>
+        </p:nvSpPr>
+        <p:spPr>
+          <a:xfrm>
+            <a:off x="10437812" y="0"/>
+            <a:ext cx="685800" cy="1143000"/>
+          </a:xfrm>
+          <a:prstGeom prst="rect">
+            <a:avLst/>
+          </a:prstGeom>
+          <a:solidFill>
+            <a:schemeClr val="accent1"/>
+          </a:solidFill>
+          <a:ln>
+            <a:noFill/>
+          </a:ln>
+        </p:spPr>
+        <p:style>
+          <a:lnRef idx="1">
+            <a:schemeClr val="accent1"/>
+          </a:lnRef>
+          <a:fillRef idx="3">
+            <a:schemeClr val="accent1"/>
+          </a:fillRef>
+          <a:effectRef idx="2">
+            <a:schemeClr val="accent1"/>
+          </a:effectRef>
+          <a:fontRef idx="minor">
+            <a:schemeClr val="lt1"/>
+          </a:fontRef>
+        </p:style>
+      </p:sp>
+      <p:sp>
+        <p:nvSpPr>
+          <p:cNvPr id="3" name="Espaço Reservado para Conteúdo 2">
+            <a:extLst>
+              <a:ext uri="{FF2B5EF4-FFF2-40B4-BE49-F238E27FC236}">
+                <a16:creationId xmlns:a16="http://schemas.microsoft.com/office/drawing/2014/main" id="{C317B827-406D-459E-9BBD-78EE6B48C278}"/>
+              </a:ext>
+            </a:extLst>
+          </p:cNvPr>
+          <p:cNvSpPr>
+            <a:spLocks noGrp="1"/>
+          </p:cNvSpPr>
+          <p:nvPr>
+            <p:ph idx="1"/>
+          </p:nvPr>
+        </p:nvSpPr>
+        <p:spPr>
+          <a:xfrm>
+            <a:off x="3835153" y="496824"/>
+            <a:ext cx="6145460" cy="4391640"/>
+          </a:xfrm>
+        </p:spPr>
+        <p:txBody>
+          <a:bodyPr>
+            <a:normAutofit/>
+          </a:bodyPr>
+          <a:lstStyle/>
+          <a:p>
+            <a:r>
+              <a:rPr lang="pt-BR" sz="2800" dirty="0"/>
+              <a:t>Exemplo – Dicionários</a:t>
+            </a:r>
+            <a:endParaRPr lang="pt-BR" sz="2800" dirty="0">
+              <a:solidFill>
+                <a:schemeClr val="tx1"/>
+              </a:solidFill>
+            </a:endParaRPr>
+          </a:p>
+        </p:txBody>
+      </p:sp>
+      <p:sp>
+        <p:nvSpPr>
+          <p:cNvPr id="11" name="Espaço Reservado para Conteúdo 2">
+            <a:extLst>
+              <a:ext uri="{FF2B5EF4-FFF2-40B4-BE49-F238E27FC236}">
+                <a16:creationId xmlns:a16="http://schemas.microsoft.com/office/drawing/2014/main" id="{D386DDF2-3D14-494A-A013-EC001A66FE73}"/>
+              </a:ext>
+            </a:extLst>
+          </p:cNvPr>
+          <p:cNvSpPr txBox="1">
+            <a:spLocks/>
+          </p:cNvSpPr>
+          <p:nvPr/>
+        </p:nvSpPr>
+        <p:spPr>
+          <a:xfrm>
+            <a:off x="3835153" y="2024109"/>
+            <a:ext cx="6579368" cy="3816855"/>
+          </a:xfrm>
+          <a:prstGeom prst="rect">
+            <a:avLst/>
+          </a:prstGeom>
+        </p:spPr>
+        <p:txBody>
+          <a:bodyPr vert="horz" lIns="91440" tIns="45720" rIns="91440" bIns="45720" rtlCol="0" anchor="ctr">
+            <a:normAutofit/>
+          </a:bodyPr>
+          <a:lstStyle>
+            <a:lvl1pPr marL="342900" indent="-342900" algn="l" defTabSz="457200" rtl="0" eaLnBrk="1" latinLnBrk="0" hangingPunct="1">
+              <a:spcBef>
+                <a:spcPts val="1000"/>
+              </a:spcBef>
+              <a:spcAft>
+                <a:spcPts val="0"/>
+              </a:spcAft>
+              <a:buClr>
+                <a:schemeClr val="accent1"/>
+              </a:buClr>
+              <a:buSzPct val="80000"/>
+              <a:buFont typeface="Wingdings 3" charset="2"/>
+              <a:buChar char=""/>
+              <a:defRPr sz="1800" b="0" i="0" kern="1200">
+                <a:solidFill>
+                  <a:schemeClr val="tx1">
+                    <a:lumMod val="75000"/>
+                    <a:lumOff val="25000"/>
+                  </a:schemeClr>
+                </a:solidFill>
+                <a:latin typeface="+mn-lt"/>
+                <a:ea typeface="+mn-ea"/>
+                <a:cs typeface="+mn-cs"/>
+              </a:defRPr>
+            </a:lvl1pPr>
+            <a:lvl2pPr marL="742950" indent="-285750" algn="l" defTabSz="457200" rtl="0" eaLnBrk="1" latinLnBrk="0" hangingPunct="1">
+              <a:spcBef>
+                <a:spcPts val="1000"/>
+              </a:spcBef>
+              <a:spcAft>
+                <a:spcPts val="0"/>
+              </a:spcAft>
+              <a:buClr>
+                <a:schemeClr val="accent1"/>
+              </a:buClr>
+              <a:buSzPct val="80000"/>
+              <a:buFont typeface="Wingdings 3" charset="2"/>
+              <a:buChar char=""/>
+              <a:defRPr sz="1600" b="0" i="0" kern="1200">
+                <a:solidFill>
+                  <a:schemeClr val="tx1">
+                    <a:lumMod val="75000"/>
+                    <a:lumOff val="25000"/>
+                  </a:schemeClr>
+                </a:solidFill>
+                <a:latin typeface="+mn-lt"/>
+                <a:ea typeface="+mn-ea"/>
+                <a:cs typeface="+mn-cs"/>
+              </a:defRPr>
+            </a:lvl2pPr>
+            <a:lvl3pPr marL="1143000" indent="-228600" algn="l" defTabSz="457200" rtl="0" eaLnBrk="1" latinLnBrk="0" hangingPunct="1">
+              <a:spcBef>
+                <a:spcPts val="1000"/>
+              </a:spcBef>
+              <a:spcAft>
+                <a:spcPts val="0"/>
+              </a:spcAft>
+              <a:buClr>
+                <a:schemeClr val="accent1"/>
+              </a:buClr>
+              <a:buSzPct val="80000"/>
+              <a:buFont typeface="Wingdings 3" charset="2"/>
+              <a:buChar char=""/>
+              <a:defRPr sz="1400" b="0" i="0" kern="1200">
+                <a:solidFill>
+                  <a:schemeClr val="tx1">
+                    <a:lumMod val="75000"/>
+                    <a:lumOff val="25000"/>
+                  </a:schemeClr>
+                </a:solidFill>
+                <a:latin typeface="+mn-lt"/>
+                <a:ea typeface="+mn-ea"/>
+                <a:cs typeface="+mn-cs"/>
+              </a:defRPr>
+            </a:lvl3pPr>
+            <a:lvl4pPr marL="1600200" indent="-228600" algn="l" defTabSz="457200" rtl="0" eaLnBrk="1" latinLnBrk="0" hangingPunct="1">
+              <a:spcBef>
+                <a:spcPts val="1000"/>
+              </a:spcBef>
+              <a:spcAft>
+                <a:spcPts val="0"/>
+              </a:spcAft>
+              <a:buClr>
+                <a:schemeClr val="accent1"/>
+              </a:buClr>
+              <a:buSzPct val="80000"/>
+              <a:buFont typeface="Wingdings 3" charset="2"/>
+              <a:buChar char=""/>
+              <a:defRPr sz="1200" b="0" i="0" kern="1200">
+                <a:solidFill>
+                  <a:schemeClr val="tx1">
+                    <a:lumMod val="75000"/>
+                    <a:lumOff val="25000"/>
+                  </a:schemeClr>
+                </a:solidFill>
+                <a:latin typeface="+mn-lt"/>
+                <a:ea typeface="+mn-ea"/>
+                <a:cs typeface="+mn-cs"/>
+              </a:defRPr>
+            </a:lvl4pPr>
+            <a:lvl5pPr marL="2057400" indent="-228600" algn="l" defTabSz="457200" rtl="0" eaLnBrk="1" latinLnBrk="0" hangingPunct="1">
+              <a:spcBef>
+                <a:spcPts val="1000"/>
+              </a:spcBef>
+              <a:spcAft>
+                <a:spcPts val="0"/>
+              </a:spcAft>
+              <a:buClr>
+                <a:schemeClr val="accent1"/>
+              </a:buClr>
+              <a:buSzPct val="80000"/>
+              <a:buFont typeface="Wingdings 3" charset="2"/>
+              <a:buChar char=""/>
+              <a:defRPr sz="1200" b="0" i="0" kern="1200">
+                <a:solidFill>
+                  <a:schemeClr val="tx1">
+                    <a:lumMod val="75000"/>
+                    <a:lumOff val="25000"/>
+                  </a:schemeClr>
+                </a:solidFill>
+                <a:latin typeface="+mn-lt"/>
+                <a:ea typeface="+mn-ea"/>
+                <a:cs typeface="+mn-cs"/>
+              </a:defRPr>
+            </a:lvl5pPr>
+            <a:lvl6pPr marL="2514600" indent="-228600" algn="l" defTabSz="457200" rtl="0" eaLnBrk="1" latinLnBrk="0" hangingPunct="1">
+              <a:spcBef>
+                <a:spcPts val="1000"/>
+              </a:spcBef>
+              <a:spcAft>
+                <a:spcPts val="0"/>
+              </a:spcAft>
+              <a:buClr>
+                <a:schemeClr val="accent1"/>
+              </a:buClr>
+              <a:buSzPct val="80000"/>
+              <a:buFont typeface="Wingdings 3" charset="2"/>
+              <a:buChar char=""/>
+              <a:defRPr sz="1200" b="0" i="0" kern="1200">
+                <a:solidFill>
+                  <a:schemeClr val="tx1">
+                    <a:lumMod val="75000"/>
+                    <a:lumOff val="25000"/>
+                  </a:schemeClr>
+                </a:solidFill>
+                <a:latin typeface="+mn-lt"/>
+                <a:ea typeface="+mn-ea"/>
+                <a:cs typeface="+mn-cs"/>
+              </a:defRPr>
+            </a:lvl6pPr>
+            <a:lvl7pPr marL="2971800" indent="-228600" algn="l" defTabSz="457200" rtl="0" eaLnBrk="1" latinLnBrk="0" hangingPunct="1">
+              <a:spcBef>
+                <a:spcPts val="1000"/>
+              </a:spcBef>
+              <a:spcAft>
+                <a:spcPts val="0"/>
+              </a:spcAft>
+              <a:buClr>
+                <a:schemeClr val="accent1"/>
+              </a:buClr>
+              <a:buSzPct val="80000"/>
+              <a:buFont typeface="Wingdings 3" charset="2"/>
+              <a:buChar char=""/>
+              <a:defRPr sz="1200" b="0" i="0" kern="1200">
+                <a:solidFill>
+                  <a:schemeClr val="tx1">
+                    <a:lumMod val="75000"/>
+                    <a:lumOff val="25000"/>
+                  </a:schemeClr>
+                </a:solidFill>
+                <a:latin typeface="+mn-lt"/>
+                <a:ea typeface="+mn-ea"/>
+                <a:cs typeface="+mn-cs"/>
+              </a:defRPr>
+            </a:lvl7pPr>
+            <a:lvl8pPr marL="3429000" indent="-228600" algn="l" defTabSz="457200" rtl="0" eaLnBrk="1" latinLnBrk="0" hangingPunct="1">
+              <a:spcBef>
+                <a:spcPts val="1000"/>
+              </a:spcBef>
+              <a:spcAft>
+                <a:spcPts val="0"/>
+              </a:spcAft>
+              <a:buClr>
+                <a:schemeClr val="accent1"/>
+              </a:buClr>
+              <a:buSzPct val="80000"/>
+              <a:buFont typeface="Wingdings 3" charset="2"/>
+              <a:buChar char=""/>
+              <a:defRPr sz="1200" b="0" i="0" kern="1200">
+                <a:solidFill>
+                  <a:schemeClr val="tx1">
+                    <a:lumMod val="75000"/>
+                    <a:lumOff val="25000"/>
+                  </a:schemeClr>
+                </a:solidFill>
+                <a:latin typeface="+mn-lt"/>
+                <a:ea typeface="+mn-ea"/>
+                <a:cs typeface="+mn-cs"/>
+              </a:defRPr>
+            </a:lvl8pPr>
+            <a:lvl9pPr marL="3886200" indent="-228600" algn="l" defTabSz="457200" rtl="0" eaLnBrk="1" latinLnBrk="0" hangingPunct="1">
+              <a:spcBef>
+                <a:spcPts val="1000"/>
+              </a:spcBef>
+              <a:spcAft>
+                <a:spcPts val="0"/>
+              </a:spcAft>
+              <a:buClr>
+                <a:schemeClr val="accent1"/>
+              </a:buClr>
+              <a:buSzPct val="80000"/>
+              <a:buFont typeface="Wingdings 3" charset="2"/>
+              <a:buChar char=""/>
+              <a:defRPr sz="1200" b="0" i="0" kern="1200">
+                <a:solidFill>
+                  <a:schemeClr val="tx1">
+                    <a:lumMod val="75000"/>
+                    <a:lumOff val="25000"/>
+                  </a:schemeClr>
+                </a:solidFill>
+                <a:latin typeface="+mn-lt"/>
+                <a:ea typeface="+mn-ea"/>
+                <a:cs typeface="+mn-cs"/>
+              </a:defRPr>
+            </a:lvl9pPr>
+          </a:lstStyle>
+          <a:p>
+            <a:pPr algn="just"/>
+            <a:endParaRPr lang="pt-BR" sz="1600" dirty="0"/>
+          </a:p>
+          <a:p>
+            <a:pPr algn="just"/>
+            <a:endParaRPr lang="pt-BR" sz="1600" dirty="0"/>
+          </a:p>
+          <a:p>
+            <a:pPr algn="just"/>
+            <a:endParaRPr lang="pt-BR" sz="2000" dirty="0"/>
+          </a:p>
+        </p:txBody>
+      </p:sp>
+      <p:pic>
+        <p:nvPicPr>
+          <p:cNvPr id="5" name="Imagem 4">
+            <a:extLst>
+              <a:ext uri="{FF2B5EF4-FFF2-40B4-BE49-F238E27FC236}">
+                <a16:creationId xmlns:a16="http://schemas.microsoft.com/office/drawing/2014/main" id="{7E8014EB-2ED9-49C4-A2AB-D8C2C50A6756}"/>
+              </a:ext>
+            </a:extLst>
+          </p:cNvPr>
+          <p:cNvPicPr>
+            <a:picLocks noChangeAspect="1"/>
+          </p:cNvPicPr>
+          <p:nvPr/>
+        </p:nvPicPr>
+        <p:blipFill>
+          <a:blip r:embed="rId3"/>
+          <a:stretch>
+            <a:fillRect/>
+          </a:stretch>
+        </p:blipFill>
+        <p:spPr>
+          <a:xfrm>
+            <a:off x="3943651" y="1809750"/>
+            <a:ext cx="7359609" cy="4152520"/>
+          </a:xfrm>
+          <a:prstGeom prst="rect">
+            <a:avLst/>
+          </a:prstGeom>
+          <a:ln>
+            <a:noFill/>
+          </a:ln>
+          <a:effectLst>
+            <a:softEdge rad="112500"/>
+          </a:effectLst>
+        </p:spPr>
+      </p:pic>
+    </p:spTree>
+    <p:extLst>
+      <p:ext uri="{BB962C8B-B14F-4D97-AF65-F5344CB8AC3E}">
+        <p14:creationId xmlns:p14="http://schemas.microsoft.com/office/powerpoint/2010/main" val="1641683756"/>
+      </p:ext>
+    </p:extLst>
+  </p:cSld>
+  <p:clrMapOvr>
+    <a:overrideClrMapping bg1="dk1" tx1="lt1" bg2="dk2" tx2="lt2" accent1="accent1" accent2="accent2" accent3="accent3" accent4="accent4" accent5="accent5" accent6="accent6" hlink="hlink" folHlink="folHlink"/>
+  </p:clrMapOvr>
+  <p:transition spd="med">
+    <p:pull/>
+  </p:transition>
+</p:sld>
+</file>
+
+<file path=ppt/slides/slide21.xml><?xml version="1.0" encoding="utf-8"?>
+<p:sld xmlns:a="http://schemas.openxmlformats.org/drawingml/2006/main" xmlns:r="http://schemas.openxmlformats.org/officeDocument/2006/relationships" xmlns:p="http://schemas.openxmlformats.org/presentationml/2006/main">
+  <p:cSld>
+    <p:bg>
+      <p:bgPr>
+        <a:blipFill rotWithShape="1">
+          <a:blip r:embed="rId2">
+            <a:duotone>
+              <a:schemeClr val="bg2">
+                <a:shade val="42000"/>
+                <a:hueMod val="42000"/>
+                <a:satMod val="124000"/>
+                <a:lumMod val="62000"/>
+              </a:schemeClr>
+              <a:schemeClr val="bg2">
+                <a:tint val="96000"/>
+                <a:satMod val="130000"/>
+              </a:schemeClr>
+            </a:duotone>
+          </a:blip>
+          <a:stretch/>
+        </a:blipFill>
+        <a:effectLst/>
+      </p:bgPr>
+    </p:bg>
+    <p:spTree>
+      <p:nvGrpSpPr>
+        <p:cNvPr id="1" name=""/>
+        <p:cNvGrpSpPr/>
+        <p:nvPr/>
+      </p:nvGrpSpPr>
+      <p:grpSpPr>
+        <a:xfrm>
+          <a:off x="0" y="0"/>
+          <a:ext cx="0" cy="0"/>
+          <a:chOff x="0" y="0"/>
+          <a:chExt cx="0" cy="0"/>
+        </a:xfrm>
+      </p:grpSpPr>
+      <p:sp useBgFill="1">
+        <p:nvSpPr>
+          <p:cNvPr id="8" name="Rectangle 7">
+            <a:extLst>
+              <a:ext uri="{FF2B5EF4-FFF2-40B4-BE49-F238E27FC236}">
+                <a16:creationId xmlns:a16="http://schemas.microsoft.com/office/drawing/2014/main" id="{01109B5D-BC35-4376-98A2-F53B03E4E1B4}"/>
+              </a:ext>
+              <a:ext uri="{C183D7F6-B498-43B3-948B-1728B52AA6E4}">
+                <adec:decorative xmlns:adec="http://schemas.microsoft.com/office/drawing/2017/decorative" val="1"/>
+              </a:ext>
+            </a:extLst>
+          </p:cNvPr>
+          <p:cNvSpPr>
+            <a:spLocks noGrp="1" noRot="1" noChangeAspect="1" noMove="1" noResize="1" noEditPoints="1" noAdjustHandles="1" noChangeArrowheads="1" noChangeShapeType="1" noTextEdit="1"/>
+          </p:cNvSpPr>
+          <p:nvPr>
+            <p:extLst>
+              <p:ext uri="{386F3935-93C4-4BCD-93E2-E3B085C9AB24}">
+                <p16:designElem xmlns:p16="http://schemas.microsoft.com/office/powerpoint/2015/main" val="1"/>
+              </p:ext>
+            </p:extLst>
+          </p:nvPr>
+        </p:nvSpPr>
+        <p:spPr>
+          <a:xfrm>
+            <a:off x="0" y="0"/>
+            <a:ext cx="12192000" cy="6858000"/>
+          </a:xfrm>
+          <a:prstGeom prst="rect">
+            <a:avLst/>
+          </a:prstGeom>
+          <a:ln>
+            <a:noFill/>
+          </a:ln>
+        </p:spPr>
+        <p:style>
+          <a:lnRef idx="2">
+            <a:schemeClr val="accent1">
+              <a:shade val="50000"/>
+            </a:schemeClr>
+          </a:lnRef>
+          <a:fillRef idx="1">
+            <a:schemeClr val="accent1"/>
+          </a:fillRef>
+          <a:effectRef idx="0">
+            <a:schemeClr val="accent1"/>
+          </a:effectRef>
+          <a:fontRef idx="minor">
+            <a:schemeClr val="lt1"/>
+          </a:fontRef>
+        </p:style>
+      </p:sp>
+      <p:sp>
+        <p:nvSpPr>
+          <p:cNvPr id="10" name="Freeform 5">
+            <a:extLst>
+              <a:ext uri="{FF2B5EF4-FFF2-40B4-BE49-F238E27FC236}">
+                <a16:creationId xmlns:a16="http://schemas.microsoft.com/office/drawing/2014/main" id="{94D90C11-98A3-40E3-B04C-A3025D6458A3}"/>
+              </a:ext>
+              <a:ext uri="{C183D7F6-B498-43B3-948B-1728B52AA6E4}">
+                <adec:decorative xmlns:adec="http://schemas.microsoft.com/office/drawing/2017/decorative" val="1"/>
+              </a:ext>
+            </a:extLst>
+          </p:cNvPr>
+          <p:cNvSpPr>
+            <a:spLocks noGrp="1" noRot="1" noChangeAspect="1" noMove="1" noResize="1" noEditPoints="1" noAdjustHandles="1" noChangeArrowheads="1" noChangeShapeType="1" noTextEdit="1"/>
+          </p:cNvSpPr>
+          <p:nvPr>
+            <p:extLst>
+              <p:ext uri="{386F3935-93C4-4BCD-93E2-E3B085C9AB24}">
+                <p16:designElem xmlns:p16="http://schemas.microsoft.com/office/powerpoint/2015/main" val="1"/>
+              </p:ext>
+            </p:extLst>
+          </p:nvPr>
+        </p:nvSpPr>
+        <p:spPr bwMode="gray">
+          <a:xfrm>
+            <a:off x="0" y="0"/>
+            <a:ext cx="12192000" cy="6856413"/>
+          </a:xfrm>
+          <a:custGeom>
+            <a:avLst/>
+            <a:gdLst/>
+            <a:ahLst/>
+            <a:cxnLst/>
+            <a:rect l="0" t="0" r="r" b="b"/>
+            <a:pathLst>
+              <a:path w="15356" h="8638">
+                <a:moveTo>
+                  <a:pt x="0" y="0"/>
+                </a:moveTo>
+                <a:lnTo>
+                  <a:pt x="0" y="8638"/>
+                </a:lnTo>
+                <a:lnTo>
+                  <a:pt x="15356" y="8638"/>
+                </a:lnTo>
+                <a:lnTo>
+                  <a:pt x="15356" y="0"/>
+                </a:lnTo>
+                <a:lnTo>
+                  <a:pt x="0" y="0"/>
+                </a:lnTo>
+                <a:close/>
+                <a:moveTo>
+                  <a:pt x="14748" y="8038"/>
+                </a:moveTo>
+                <a:lnTo>
+                  <a:pt x="600" y="8038"/>
+                </a:lnTo>
+                <a:lnTo>
+                  <a:pt x="600" y="592"/>
+                </a:lnTo>
+                <a:lnTo>
+                  <a:pt x="14748" y="592"/>
+                </a:lnTo>
+                <a:lnTo>
+                  <a:pt x="14748" y="8038"/>
+                </a:lnTo>
+                <a:close/>
+              </a:path>
+            </a:pathLst>
+          </a:custGeom>
+          <a:solidFill>
+            <a:schemeClr val="tx1"/>
+          </a:solidFill>
+          <a:ln>
+            <a:noFill/>
+          </a:ln>
+        </p:spPr>
+      </p:sp>
+      <p:sp>
+        <p:nvSpPr>
+          <p:cNvPr id="2" name="Título 1">
+            <a:extLst>
+              <a:ext uri="{FF2B5EF4-FFF2-40B4-BE49-F238E27FC236}">
+                <a16:creationId xmlns:a16="http://schemas.microsoft.com/office/drawing/2014/main" id="{013031FA-48E0-4758-860E-647D65F30FD1}"/>
+              </a:ext>
+            </a:extLst>
+          </p:cNvPr>
+          <p:cNvSpPr>
+            <a:spLocks noGrp="1"/>
+          </p:cNvSpPr>
+          <p:nvPr>
+            <p:ph type="title"/>
+          </p:nvPr>
+        </p:nvSpPr>
+        <p:spPr>
+          <a:xfrm>
+            <a:off x="806923" y="1449324"/>
+            <a:ext cx="3028230" cy="4391640"/>
+          </a:xfrm>
+        </p:spPr>
+        <p:txBody>
+          <a:bodyPr anchor="t">
+            <a:normAutofit/>
+          </a:bodyPr>
+          <a:lstStyle/>
+          <a:p>
+            <a:r>
+              <a:rPr lang="pt-BR" sz="2800" dirty="0"/>
+              <a:t>Revisão sobre Dicionários</a:t>
+            </a:r>
+            <a:br>
+              <a:rPr lang="pt-BR" sz="1400" dirty="0"/>
+            </a:br>
+            <a:br>
+              <a:rPr lang="pt-BR" sz="2800" dirty="0"/>
+            </a:br>
+            <a:endParaRPr lang="pt-BR" sz="2800" dirty="0">
+              <a:solidFill>
+                <a:schemeClr val="tx1"/>
+              </a:solidFill>
+            </a:endParaRPr>
+          </a:p>
+        </p:txBody>
+      </p:sp>
+      <p:sp>
+        <p:nvSpPr>
+          <p:cNvPr id="12" name="Rectangle 11">
+            <a:extLst>
+              <a:ext uri="{FF2B5EF4-FFF2-40B4-BE49-F238E27FC236}">
+                <a16:creationId xmlns:a16="http://schemas.microsoft.com/office/drawing/2014/main" id="{A3B28FB1-97C9-4A9E-A45B-356508C2C38B}"/>
+              </a:ext>
+              <a:ext uri="{C183D7F6-B498-43B3-948B-1728B52AA6E4}">
+                <adec:decorative xmlns:adec="http://schemas.microsoft.com/office/drawing/2017/decorative" val="1"/>
+              </a:ext>
+            </a:extLst>
+          </p:cNvPr>
+          <p:cNvSpPr>
+            <a:spLocks noGrp="1" noRot="1" noChangeAspect="1" noMove="1" noResize="1" noEditPoints="1" noAdjustHandles="1" noChangeArrowheads="1" noChangeShapeType="1" noTextEdit="1"/>
+          </p:cNvSpPr>
+          <p:nvPr>
+            <p:extLst>
+              <p:ext uri="{386F3935-93C4-4BCD-93E2-E3B085C9AB24}">
+                <p16:designElem xmlns:p16="http://schemas.microsoft.com/office/powerpoint/2015/main" val="1"/>
+              </p:ext>
+            </p:extLst>
+          </p:nvPr>
+        </p:nvSpPr>
+        <p:spPr>
+          <a:xfrm>
+            <a:off x="10437812" y="0"/>
+            <a:ext cx="685800" cy="1143000"/>
+          </a:xfrm>
+          <a:prstGeom prst="rect">
+            <a:avLst/>
+          </a:prstGeom>
+          <a:solidFill>
+            <a:schemeClr val="accent1"/>
+          </a:solidFill>
+          <a:ln>
+            <a:noFill/>
+          </a:ln>
+        </p:spPr>
+        <p:style>
+          <a:lnRef idx="1">
+            <a:schemeClr val="accent1"/>
+          </a:lnRef>
+          <a:fillRef idx="3">
+            <a:schemeClr val="accent1"/>
+          </a:fillRef>
+          <a:effectRef idx="2">
+            <a:schemeClr val="accent1"/>
+          </a:effectRef>
+          <a:fontRef idx="minor">
+            <a:schemeClr val="lt1"/>
+          </a:fontRef>
+        </p:style>
+      </p:sp>
+      <p:sp>
+        <p:nvSpPr>
+          <p:cNvPr id="3" name="Espaço Reservado para Conteúdo 2">
+            <a:extLst>
+              <a:ext uri="{FF2B5EF4-FFF2-40B4-BE49-F238E27FC236}">
+                <a16:creationId xmlns:a16="http://schemas.microsoft.com/office/drawing/2014/main" id="{C317B827-406D-459E-9BBD-78EE6B48C278}"/>
+              </a:ext>
+            </a:extLst>
+          </p:cNvPr>
+          <p:cNvSpPr>
+            <a:spLocks noGrp="1"/>
+          </p:cNvSpPr>
+          <p:nvPr>
+            <p:ph idx="1"/>
+          </p:nvPr>
+        </p:nvSpPr>
+        <p:spPr>
+          <a:xfrm>
+            <a:off x="3835153" y="496824"/>
+            <a:ext cx="6145460" cy="4391640"/>
+          </a:xfrm>
+        </p:spPr>
+        <p:txBody>
+          <a:bodyPr>
+            <a:normAutofit/>
+          </a:bodyPr>
+          <a:lstStyle/>
+          <a:p>
+            <a:r>
+              <a:rPr lang="pt-BR" sz="2800" dirty="0"/>
+              <a:t>Exemplo – Dicionários</a:t>
+            </a:r>
+            <a:endParaRPr lang="pt-BR" sz="2800" dirty="0">
+              <a:solidFill>
+                <a:schemeClr val="tx1"/>
+              </a:solidFill>
+            </a:endParaRPr>
+          </a:p>
+        </p:txBody>
+      </p:sp>
+      <p:sp>
+        <p:nvSpPr>
+          <p:cNvPr id="11" name="Espaço Reservado para Conteúdo 2">
+            <a:extLst>
+              <a:ext uri="{FF2B5EF4-FFF2-40B4-BE49-F238E27FC236}">
+                <a16:creationId xmlns:a16="http://schemas.microsoft.com/office/drawing/2014/main" id="{D386DDF2-3D14-494A-A013-EC001A66FE73}"/>
+              </a:ext>
+            </a:extLst>
+          </p:cNvPr>
+          <p:cNvSpPr txBox="1">
+            <a:spLocks/>
+          </p:cNvSpPr>
+          <p:nvPr/>
+        </p:nvSpPr>
+        <p:spPr>
+          <a:xfrm>
+            <a:off x="3835153" y="2024109"/>
+            <a:ext cx="6579368" cy="3816855"/>
+          </a:xfrm>
+          <a:prstGeom prst="rect">
+            <a:avLst/>
+          </a:prstGeom>
+        </p:spPr>
+        <p:txBody>
+          <a:bodyPr vert="horz" lIns="91440" tIns="45720" rIns="91440" bIns="45720" rtlCol="0" anchor="ctr">
+            <a:normAutofit/>
+          </a:bodyPr>
+          <a:lstStyle>
+            <a:lvl1pPr marL="342900" indent="-342900" algn="l" defTabSz="457200" rtl="0" eaLnBrk="1" latinLnBrk="0" hangingPunct="1">
+              <a:spcBef>
+                <a:spcPts val="1000"/>
+              </a:spcBef>
+              <a:spcAft>
+                <a:spcPts val="0"/>
+              </a:spcAft>
+              <a:buClr>
+                <a:schemeClr val="accent1"/>
+              </a:buClr>
+              <a:buSzPct val="80000"/>
+              <a:buFont typeface="Wingdings 3" charset="2"/>
+              <a:buChar char=""/>
+              <a:defRPr sz="1800" b="0" i="0" kern="1200">
+                <a:solidFill>
+                  <a:schemeClr val="tx1">
+                    <a:lumMod val="75000"/>
+                    <a:lumOff val="25000"/>
+                  </a:schemeClr>
+                </a:solidFill>
+                <a:latin typeface="+mn-lt"/>
+                <a:ea typeface="+mn-ea"/>
+                <a:cs typeface="+mn-cs"/>
+              </a:defRPr>
+            </a:lvl1pPr>
+            <a:lvl2pPr marL="742950" indent="-285750" algn="l" defTabSz="457200" rtl="0" eaLnBrk="1" latinLnBrk="0" hangingPunct="1">
+              <a:spcBef>
+                <a:spcPts val="1000"/>
+              </a:spcBef>
+              <a:spcAft>
+                <a:spcPts val="0"/>
+              </a:spcAft>
+              <a:buClr>
+                <a:schemeClr val="accent1"/>
+              </a:buClr>
+              <a:buSzPct val="80000"/>
+              <a:buFont typeface="Wingdings 3" charset="2"/>
+              <a:buChar char=""/>
+              <a:defRPr sz="1600" b="0" i="0" kern="1200">
+                <a:solidFill>
+                  <a:schemeClr val="tx1">
+                    <a:lumMod val="75000"/>
+                    <a:lumOff val="25000"/>
+                  </a:schemeClr>
+                </a:solidFill>
+                <a:latin typeface="+mn-lt"/>
+                <a:ea typeface="+mn-ea"/>
+                <a:cs typeface="+mn-cs"/>
+              </a:defRPr>
+            </a:lvl2pPr>
+            <a:lvl3pPr marL="1143000" indent="-228600" algn="l" defTabSz="457200" rtl="0" eaLnBrk="1" latinLnBrk="0" hangingPunct="1">
+              <a:spcBef>
+                <a:spcPts val="1000"/>
+              </a:spcBef>
+              <a:spcAft>
+                <a:spcPts val="0"/>
+              </a:spcAft>
+              <a:buClr>
+                <a:schemeClr val="accent1"/>
+              </a:buClr>
+              <a:buSzPct val="80000"/>
+              <a:buFont typeface="Wingdings 3" charset="2"/>
+              <a:buChar char=""/>
+              <a:defRPr sz="1400" b="0" i="0" kern="1200">
+                <a:solidFill>
+                  <a:schemeClr val="tx1">
+                    <a:lumMod val="75000"/>
+                    <a:lumOff val="25000"/>
+                  </a:schemeClr>
+                </a:solidFill>
+                <a:latin typeface="+mn-lt"/>
+                <a:ea typeface="+mn-ea"/>
+                <a:cs typeface="+mn-cs"/>
+              </a:defRPr>
+            </a:lvl3pPr>
+            <a:lvl4pPr marL="1600200" indent="-228600" algn="l" defTabSz="457200" rtl="0" eaLnBrk="1" latinLnBrk="0" hangingPunct="1">
+              <a:spcBef>
+                <a:spcPts val="1000"/>
+              </a:spcBef>
+              <a:spcAft>
+                <a:spcPts val="0"/>
+              </a:spcAft>
+              <a:buClr>
+                <a:schemeClr val="accent1"/>
+              </a:buClr>
+              <a:buSzPct val="80000"/>
+              <a:buFont typeface="Wingdings 3" charset="2"/>
+              <a:buChar char=""/>
+              <a:defRPr sz="1200" b="0" i="0" kern="1200">
+                <a:solidFill>
+                  <a:schemeClr val="tx1">
+                    <a:lumMod val="75000"/>
+                    <a:lumOff val="25000"/>
+                  </a:schemeClr>
+                </a:solidFill>
+                <a:latin typeface="+mn-lt"/>
+                <a:ea typeface="+mn-ea"/>
+                <a:cs typeface="+mn-cs"/>
+              </a:defRPr>
+            </a:lvl4pPr>
+            <a:lvl5pPr marL="2057400" indent="-228600" algn="l" defTabSz="457200" rtl="0" eaLnBrk="1" latinLnBrk="0" hangingPunct="1">
+              <a:spcBef>
+                <a:spcPts val="1000"/>
+              </a:spcBef>
+              <a:spcAft>
+                <a:spcPts val="0"/>
+              </a:spcAft>
+              <a:buClr>
+                <a:schemeClr val="accent1"/>
+              </a:buClr>
+              <a:buSzPct val="80000"/>
+              <a:buFont typeface="Wingdings 3" charset="2"/>
+              <a:buChar char=""/>
+              <a:defRPr sz="1200" b="0" i="0" kern="1200">
+                <a:solidFill>
+                  <a:schemeClr val="tx1">
+                    <a:lumMod val="75000"/>
+                    <a:lumOff val="25000"/>
+                  </a:schemeClr>
+                </a:solidFill>
+                <a:latin typeface="+mn-lt"/>
+                <a:ea typeface="+mn-ea"/>
+                <a:cs typeface="+mn-cs"/>
+              </a:defRPr>
+            </a:lvl5pPr>
+            <a:lvl6pPr marL="2514600" indent="-228600" algn="l" defTabSz="457200" rtl="0" eaLnBrk="1" latinLnBrk="0" hangingPunct="1">
+              <a:spcBef>
+                <a:spcPts val="1000"/>
+              </a:spcBef>
+              <a:spcAft>
+                <a:spcPts val="0"/>
+              </a:spcAft>
+              <a:buClr>
+                <a:schemeClr val="accent1"/>
+              </a:buClr>
+              <a:buSzPct val="80000"/>
+              <a:buFont typeface="Wingdings 3" charset="2"/>
+              <a:buChar char=""/>
+              <a:defRPr sz="1200" b="0" i="0" kern="1200">
+                <a:solidFill>
+                  <a:schemeClr val="tx1">
+                    <a:lumMod val="75000"/>
+                    <a:lumOff val="25000"/>
+                  </a:schemeClr>
+                </a:solidFill>
+                <a:latin typeface="+mn-lt"/>
+                <a:ea typeface="+mn-ea"/>
+                <a:cs typeface="+mn-cs"/>
+              </a:defRPr>
+            </a:lvl6pPr>
+            <a:lvl7pPr marL="2971800" indent="-228600" algn="l" defTabSz="457200" rtl="0" eaLnBrk="1" latinLnBrk="0" hangingPunct="1">
+              <a:spcBef>
+                <a:spcPts val="1000"/>
+              </a:spcBef>
+              <a:spcAft>
+                <a:spcPts val="0"/>
+              </a:spcAft>
+              <a:buClr>
+                <a:schemeClr val="accent1"/>
+              </a:buClr>
+              <a:buSzPct val="80000"/>
+              <a:buFont typeface="Wingdings 3" charset="2"/>
+              <a:buChar char=""/>
+              <a:defRPr sz="1200" b="0" i="0" kern="1200">
+                <a:solidFill>
+                  <a:schemeClr val="tx1">
+                    <a:lumMod val="75000"/>
+                    <a:lumOff val="25000"/>
+                  </a:schemeClr>
+                </a:solidFill>
+                <a:latin typeface="+mn-lt"/>
+                <a:ea typeface="+mn-ea"/>
+                <a:cs typeface="+mn-cs"/>
+              </a:defRPr>
+            </a:lvl7pPr>
+            <a:lvl8pPr marL="3429000" indent="-228600" algn="l" defTabSz="457200" rtl="0" eaLnBrk="1" latinLnBrk="0" hangingPunct="1">
+              <a:spcBef>
+                <a:spcPts val="1000"/>
+              </a:spcBef>
+              <a:spcAft>
+                <a:spcPts val="0"/>
+              </a:spcAft>
+              <a:buClr>
+                <a:schemeClr val="accent1"/>
+              </a:buClr>
+              <a:buSzPct val="80000"/>
+              <a:buFont typeface="Wingdings 3" charset="2"/>
+              <a:buChar char=""/>
+              <a:defRPr sz="1200" b="0" i="0" kern="1200">
+                <a:solidFill>
+                  <a:schemeClr val="tx1">
+                    <a:lumMod val="75000"/>
+                    <a:lumOff val="25000"/>
+                  </a:schemeClr>
+                </a:solidFill>
+                <a:latin typeface="+mn-lt"/>
+                <a:ea typeface="+mn-ea"/>
+                <a:cs typeface="+mn-cs"/>
+              </a:defRPr>
+            </a:lvl8pPr>
+            <a:lvl9pPr marL="3886200" indent="-228600" algn="l" defTabSz="457200" rtl="0" eaLnBrk="1" latinLnBrk="0" hangingPunct="1">
+              <a:spcBef>
+                <a:spcPts val="1000"/>
+              </a:spcBef>
+              <a:spcAft>
+                <a:spcPts val="0"/>
+              </a:spcAft>
+              <a:buClr>
+                <a:schemeClr val="accent1"/>
+              </a:buClr>
+              <a:buSzPct val="80000"/>
+              <a:buFont typeface="Wingdings 3" charset="2"/>
+              <a:buChar char=""/>
+              <a:defRPr sz="1200" b="0" i="0" kern="1200">
+                <a:solidFill>
+                  <a:schemeClr val="tx1">
+                    <a:lumMod val="75000"/>
+                    <a:lumOff val="25000"/>
+                  </a:schemeClr>
+                </a:solidFill>
+                <a:latin typeface="+mn-lt"/>
+                <a:ea typeface="+mn-ea"/>
+                <a:cs typeface="+mn-cs"/>
+              </a:defRPr>
+            </a:lvl9pPr>
+          </a:lstStyle>
+          <a:p>
+            <a:pPr algn="just"/>
+            <a:endParaRPr lang="pt-BR" sz="1600" dirty="0"/>
+          </a:p>
+          <a:p>
+            <a:pPr algn="just"/>
+            <a:endParaRPr lang="pt-BR" sz="1600" dirty="0"/>
+          </a:p>
+          <a:p>
+            <a:pPr algn="just"/>
+            <a:endParaRPr lang="pt-BR" sz="2000" dirty="0"/>
+          </a:p>
+        </p:txBody>
+      </p:sp>
+      <p:pic>
+        <p:nvPicPr>
+          <p:cNvPr id="6" name="Imagem 5">
+            <a:extLst>
+              <a:ext uri="{FF2B5EF4-FFF2-40B4-BE49-F238E27FC236}">
+                <a16:creationId xmlns:a16="http://schemas.microsoft.com/office/drawing/2014/main" id="{4E9F594C-1B34-4FE6-8118-E08B8D07BBEF}"/>
+              </a:ext>
+            </a:extLst>
+          </p:cNvPr>
+          <p:cNvPicPr>
+            <a:picLocks noChangeAspect="1"/>
+          </p:cNvPicPr>
+          <p:nvPr/>
+        </p:nvPicPr>
+        <p:blipFill>
+          <a:blip r:embed="rId3"/>
+          <a:stretch>
+            <a:fillRect/>
+          </a:stretch>
+        </p:blipFill>
+        <p:spPr>
+          <a:xfrm>
+            <a:off x="4019550" y="1859531"/>
+            <a:ext cx="7246937" cy="4146009"/>
+          </a:xfrm>
+          <a:prstGeom prst="rect">
+            <a:avLst/>
+          </a:prstGeom>
+          <a:ln>
+            <a:noFill/>
+          </a:ln>
+          <a:effectLst>
+            <a:softEdge rad="112500"/>
+          </a:effectLst>
+        </p:spPr>
+      </p:pic>
+    </p:spTree>
+    <p:extLst>
+      <p:ext uri="{BB962C8B-B14F-4D97-AF65-F5344CB8AC3E}">
+        <p14:creationId xmlns:p14="http://schemas.microsoft.com/office/powerpoint/2010/main" val="3601253913"/>
+      </p:ext>
+    </p:extLst>
+  </p:cSld>
+  <p:clrMapOvr>
+    <a:overrideClrMapping bg1="dk1" tx1="lt1" bg2="dk2" tx2="lt2" accent1="accent1" accent2="accent2" accent3="accent3" accent4="accent4" accent5="accent5" accent6="accent6" hlink="hlink" folHlink="folHlink"/>
+  </p:clrMapOvr>
+  <p:transition spd="med">
+    <p:pull/>
+  </p:transition>
+</p:sld>
+</file>
+
+<file path=ppt/slides/slide22.xml><?xml version="1.0" encoding="utf-8"?>
+<p:sld xmlns:a="http://schemas.openxmlformats.org/drawingml/2006/main" xmlns:r="http://schemas.openxmlformats.org/officeDocument/2006/relationships" xmlns:p="http://schemas.openxmlformats.org/presentationml/2006/main">
+  <p:cSld>
+    <p:bg>
+      <p:bgPr>
+        <a:blipFill rotWithShape="1">
+          <a:blip r:embed="rId2">
+            <a:duotone>
+              <a:schemeClr val="bg2">
+                <a:shade val="42000"/>
+                <a:hueMod val="42000"/>
+                <a:satMod val="124000"/>
+                <a:lumMod val="62000"/>
+              </a:schemeClr>
+              <a:schemeClr val="bg2">
+                <a:tint val="96000"/>
+                <a:satMod val="130000"/>
+              </a:schemeClr>
+            </a:duotone>
+          </a:blip>
+          <a:stretch/>
+        </a:blipFill>
+        <a:effectLst/>
+      </p:bgPr>
+    </p:bg>
+    <p:spTree>
+      <p:nvGrpSpPr>
+        <p:cNvPr id="1" name=""/>
+        <p:cNvGrpSpPr/>
+        <p:nvPr/>
+      </p:nvGrpSpPr>
+      <p:grpSpPr>
+        <a:xfrm>
+          <a:off x="0" y="0"/>
+          <a:ext cx="0" cy="0"/>
+          <a:chOff x="0" y="0"/>
+          <a:chExt cx="0" cy="0"/>
+        </a:xfrm>
+      </p:grpSpPr>
+      <p:sp useBgFill="1">
+        <p:nvSpPr>
+          <p:cNvPr id="8" name="Rectangle 7">
+            <a:extLst>
+              <a:ext uri="{FF2B5EF4-FFF2-40B4-BE49-F238E27FC236}">
+                <a16:creationId xmlns:a16="http://schemas.microsoft.com/office/drawing/2014/main" id="{01109B5D-BC35-4376-98A2-F53B03E4E1B4}"/>
+              </a:ext>
+              <a:ext uri="{C183D7F6-B498-43B3-948B-1728B52AA6E4}">
+                <adec:decorative xmlns:adec="http://schemas.microsoft.com/office/drawing/2017/decorative" val="1"/>
+              </a:ext>
+            </a:extLst>
+          </p:cNvPr>
+          <p:cNvSpPr>
+            <a:spLocks noGrp="1" noRot="1" noChangeAspect="1" noMove="1" noResize="1" noEditPoints="1" noAdjustHandles="1" noChangeArrowheads="1" noChangeShapeType="1" noTextEdit="1"/>
+          </p:cNvSpPr>
+          <p:nvPr>
+            <p:extLst>
+              <p:ext uri="{386F3935-93C4-4BCD-93E2-E3B085C9AB24}">
+                <p16:designElem xmlns:p16="http://schemas.microsoft.com/office/powerpoint/2015/main" val="1"/>
+              </p:ext>
+            </p:extLst>
+          </p:nvPr>
+        </p:nvSpPr>
+        <p:spPr>
+          <a:xfrm>
+            <a:off x="0" y="0"/>
+            <a:ext cx="12192000" cy="6858000"/>
+          </a:xfrm>
+          <a:prstGeom prst="rect">
+            <a:avLst/>
+          </a:prstGeom>
+          <a:ln>
+            <a:noFill/>
+          </a:ln>
+        </p:spPr>
+        <p:style>
+          <a:lnRef idx="2">
+            <a:schemeClr val="accent1">
+              <a:shade val="50000"/>
+            </a:schemeClr>
+          </a:lnRef>
+          <a:fillRef idx="1">
+            <a:schemeClr val="accent1"/>
+          </a:fillRef>
+          <a:effectRef idx="0">
+            <a:schemeClr val="accent1"/>
+          </a:effectRef>
+          <a:fontRef idx="minor">
+            <a:schemeClr val="lt1"/>
+          </a:fontRef>
+        </p:style>
+      </p:sp>
+      <p:sp>
+        <p:nvSpPr>
+          <p:cNvPr id="10" name="Freeform 5">
+            <a:extLst>
+              <a:ext uri="{FF2B5EF4-FFF2-40B4-BE49-F238E27FC236}">
+                <a16:creationId xmlns:a16="http://schemas.microsoft.com/office/drawing/2014/main" id="{94D90C11-98A3-40E3-B04C-A3025D6458A3}"/>
+              </a:ext>
+              <a:ext uri="{C183D7F6-B498-43B3-948B-1728B52AA6E4}">
+                <adec:decorative xmlns:adec="http://schemas.microsoft.com/office/drawing/2017/decorative" val="1"/>
+              </a:ext>
+            </a:extLst>
+          </p:cNvPr>
+          <p:cNvSpPr>
+            <a:spLocks noGrp="1" noRot="1" noChangeAspect="1" noMove="1" noResize="1" noEditPoints="1" noAdjustHandles="1" noChangeArrowheads="1" noChangeShapeType="1" noTextEdit="1"/>
+          </p:cNvSpPr>
+          <p:nvPr>
+            <p:extLst>
+              <p:ext uri="{386F3935-93C4-4BCD-93E2-E3B085C9AB24}">
+                <p16:designElem xmlns:p16="http://schemas.microsoft.com/office/powerpoint/2015/main" val="1"/>
+              </p:ext>
+            </p:extLst>
+          </p:nvPr>
+        </p:nvSpPr>
+        <p:spPr bwMode="gray">
+          <a:xfrm>
+            <a:off x="0" y="0"/>
+            <a:ext cx="12192000" cy="6856413"/>
+          </a:xfrm>
+          <a:custGeom>
+            <a:avLst/>
+            <a:gdLst/>
+            <a:ahLst/>
+            <a:cxnLst/>
+            <a:rect l="0" t="0" r="r" b="b"/>
+            <a:pathLst>
+              <a:path w="15356" h="8638">
+                <a:moveTo>
+                  <a:pt x="0" y="0"/>
+                </a:moveTo>
+                <a:lnTo>
+                  <a:pt x="0" y="8638"/>
+                </a:lnTo>
+                <a:lnTo>
+                  <a:pt x="15356" y="8638"/>
+                </a:lnTo>
+                <a:lnTo>
+                  <a:pt x="15356" y="0"/>
+                </a:lnTo>
+                <a:lnTo>
+                  <a:pt x="0" y="0"/>
+                </a:lnTo>
+                <a:close/>
+                <a:moveTo>
+                  <a:pt x="14748" y="8038"/>
+                </a:moveTo>
+                <a:lnTo>
+                  <a:pt x="600" y="8038"/>
+                </a:lnTo>
+                <a:lnTo>
+                  <a:pt x="600" y="592"/>
+                </a:lnTo>
+                <a:lnTo>
+                  <a:pt x="14748" y="592"/>
+                </a:lnTo>
+                <a:lnTo>
+                  <a:pt x="14748" y="8038"/>
+                </a:lnTo>
+                <a:close/>
+              </a:path>
+            </a:pathLst>
+          </a:custGeom>
+          <a:solidFill>
+            <a:schemeClr val="tx1"/>
+          </a:solidFill>
+          <a:ln>
+            <a:noFill/>
+          </a:ln>
+        </p:spPr>
+      </p:sp>
+      <p:sp>
+        <p:nvSpPr>
+          <p:cNvPr id="2" name="Título 1">
+            <a:extLst>
+              <a:ext uri="{FF2B5EF4-FFF2-40B4-BE49-F238E27FC236}">
+                <a16:creationId xmlns:a16="http://schemas.microsoft.com/office/drawing/2014/main" id="{013031FA-48E0-4758-860E-647D65F30FD1}"/>
+              </a:ext>
+            </a:extLst>
+          </p:cNvPr>
+          <p:cNvSpPr>
+            <a:spLocks noGrp="1"/>
+          </p:cNvSpPr>
+          <p:nvPr>
+            <p:ph type="title"/>
+          </p:nvPr>
+        </p:nvSpPr>
+        <p:spPr>
+          <a:xfrm>
+            <a:off x="806923" y="1449324"/>
+            <a:ext cx="3028230" cy="4391640"/>
+          </a:xfrm>
+        </p:spPr>
+        <p:txBody>
+          <a:bodyPr anchor="t">
+            <a:normAutofit/>
+          </a:bodyPr>
+          <a:lstStyle/>
+          <a:p>
+            <a:r>
+              <a:rPr lang="pt-BR" sz="2800" dirty="0"/>
+              <a:t>Revisão sobre Dicionários</a:t>
+            </a:r>
+            <a:br>
+              <a:rPr lang="pt-BR" sz="1400" dirty="0"/>
+            </a:br>
+            <a:br>
+              <a:rPr lang="pt-BR" sz="2800" dirty="0"/>
+            </a:br>
+            <a:endParaRPr lang="pt-BR" sz="2800" dirty="0">
+              <a:solidFill>
+                <a:schemeClr val="tx1"/>
+              </a:solidFill>
+            </a:endParaRPr>
+          </a:p>
+        </p:txBody>
+      </p:sp>
+      <p:sp>
+        <p:nvSpPr>
+          <p:cNvPr id="12" name="Rectangle 11">
+            <a:extLst>
+              <a:ext uri="{FF2B5EF4-FFF2-40B4-BE49-F238E27FC236}">
+                <a16:creationId xmlns:a16="http://schemas.microsoft.com/office/drawing/2014/main" id="{A3B28FB1-97C9-4A9E-A45B-356508C2C38B}"/>
+              </a:ext>
+              <a:ext uri="{C183D7F6-B498-43B3-948B-1728B52AA6E4}">
+                <adec:decorative xmlns:adec="http://schemas.microsoft.com/office/drawing/2017/decorative" val="1"/>
+              </a:ext>
+            </a:extLst>
+          </p:cNvPr>
+          <p:cNvSpPr>
+            <a:spLocks noGrp="1" noRot="1" noChangeAspect="1" noMove="1" noResize="1" noEditPoints="1" noAdjustHandles="1" noChangeArrowheads="1" noChangeShapeType="1" noTextEdit="1"/>
+          </p:cNvSpPr>
+          <p:nvPr>
+            <p:extLst>
+              <p:ext uri="{386F3935-93C4-4BCD-93E2-E3B085C9AB24}">
+                <p16:designElem xmlns:p16="http://schemas.microsoft.com/office/powerpoint/2015/main" val="1"/>
+              </p:ext>
+            </p:extLst>
+          </p:nvPr>
+        </p:nvSpPr>
+        <p:spPr>
+          <a:xfrm>
+            <a:off x="10437812" y="0"/>
+            <a:ext cx="685800" cy="1143000"/>
+          </a:xfrm>
+          <a:prstGeom prst="rect">
+            <a:avLst/>
+          </a:prstGeom>
+          <a:solidFill>
+            <a:schemeClr val="accent1"/>
+          </a:solidFill>
+          <a:ln>
+            <a:noFill/>
+          </a:ln>
+        </p:spPr>
+        <p:style>
+          <a:lnRef idx="1">
+            <a:schemeClr val="accent1"/>
+          </a:lnRef>
+          <a:fillRef idx="3">
+            <a:schemeClr val="accent1"/>
+          </a:fillRef>
+          <a:effectRef idx="2">
+            <a:schemeClr val="accent1"/>
+          </a:effectRef>
+          <a:fontRef idx="minor">
+            <a:schemeClr val="lt1"/>
+          </a:fontRef>
+        </p:style>
+      </p:sp>
+      <p:sp>
+        <p:nvSpPr>
+          <p:cNvPr id="3" name="Espaço Reservado para Conteúdo 2">
+            <a:extLst>
+              <a:ext uri="{FF2B5EF4-FFF2-40B4-BE49-F238E27FC236}">
+                <a16:creationId xmlns:a16="http://schemas.microsoft.com/office/drawing/2014/main" id="{C317B827-406D-459E-9BBD-78EE6B48C278}"/>
+              </a:ext>
+            </a:extLst>
+          </p:cNvPr>
+          <p:cNvSpPr>
+            <a:spLocks noGrp="1"/>
+          </p:cNvSpPr>
+          <p:nvPr>
+            <p:ph idx="1"/>
+          </p:nvPr>
+        </p:nvSpPr>
+        <p:spPr>
+          <a:xfrm>
+            <a:off x="3835153" y="496824"/>
+            <a:ext cx="6145460" cy="4391640"/>
+          </a:xfrm>
+        </p:spPr>
+        <p:txBody>
+          <a:bodyPr>
+            <a:normAutofit/>
+          </a:bodyPr>
+          <a:lstStyle/>
+          <a:p>
+            <a:r>
+              <a:rPr lang="pt-BR" sz="2800" dirty="0"/>
+              <a:t>Exemplo – Dicionários</a:t>
+            </a:r>
+            <a:endParaRPr lang="pt-BR" sz="2800" dirty="0">
+              <a:solidFill>
+                <a:schemeClr val="tx1"/>
+              </a:solidFill>
+            </a:endParaRPr>
+          </a:p>
+        </p:txBody>
+      </p:sp>
+      <p:sp>
+        <p:nvSpPr>
+          <p:cNvPr id="11" name="Espaço Reservado para Conteúdo 2">
+            <a:extLst>
+              <a:ext uri="{FF2B5EF4-FFF2-40B4-BE49-F238E27FC236}">
+                <a16:creationId xmlns:a16="http://schemas.microsoft.com/office/drawing/2014/main" id="{D386DDF2-3D14-494A-A013-EC001A66FE73}"/>
+              </a:ext>
+            </a:extLst>
+          </p:cNvPr>
+          <p:cNvSpPr txBox="1">
+            <a:spLocks/>
+          </p:cNvSpPr>
+          <p:nvPr/>
+        </p:nvSpPr>
+        <p:spPr>
+          <a:xfrm>
+            <a:off x="3835153" y="2024109"/>
+            <a:ext cx="6579368" cy="3816855"/>
+          </a:xfrm>
+          <a:prstGeom prst="rect">
+            <a:avLst/>
+          </a:prstGeom>
+        </p:spPr>
+        <p:txBody>
+          <a:bodyPr vert="horz" lIns="91440" tIns="45720" rIns="91440" bIns="45720" rtlCol="0" anchor="ctr">
+            <a:normAutofit/>
+          </a:bodyPr>
+          <a:lstStyle>
+            <a:lvl1pPr marL="342900" indent="-342900" algn="l" defTabSz="457200" rtl="0" eaLnBrk="1" latinLnBrk="0" hangingPunct="1">
+              <a:spcBef>
+                <a:spcPts val="1000"/>
+              </a:spcBef>
+              <a:spcAft>
+                <a:spcPts val="0"/>
+              </a:spcAft>
+              <a:buClr>
+                <a:schemeClr val="accent1"/>
+              </a:buClr>
+              <a:buSzPct val="80000"/>
+              <a:buFont typeface="Wingdings 3" charset="2"/>
+              <a:buChar char=""/>
+              <a:defRPr sz="1800" b="0" i="0" kern="1200">
+                <a:solidFill>
+                  <a:schemeClr val="tx1">
+                    <a:lumMod val="75000"/>
+                    <a:lumOff val="25000"/>
+                  </a:schemeClr>
+                </a:solidFill>
+                <a:latin typeface="+mn-lt"/>
+                <a:ea typeface="+mn-ea"/>
+                <a:cs typeface="+mn-cs"/>
+              </a:defRPr>
+            </a:lvl1pPr>
+            <a:lvl2pPr marL="742950" indent="-285750" algn="l" defTabSz="457200" rtl="0" eaLnBrk="1" latinLnBrk="0" hangingPunct="1">
+              <a:spcBef>
+                <a:spcPts val="1000"/>
+              </a:spcBef>
+              <a:spcAft>
+                <a:spcPts val="0"/>
+              </a:spcAft>
+              <a:buClr>
+                <a:schemeClr val="accent1"/>
+              </a:buClr>
+              <a:buSzPct val="80000"/>
+              <a:buFont typeface="Wingdings 3" charset="2"/>
+              <a:buChar char=""/>
+              <a:defRPr sz="1600" b="0" i="0" kern="1200">
+                <a:solidFill>
+                  <a:schemeClr val="tx1">
+                    <a:lumMod val="75000"/>
+                    <a:lumOff val="25000"/>
+                  </a:schemeClr>
+                </a:solidFill>
+                <a:latin typeface="+mn-lt"/>
+                <a:ea typeface="+mn-ea"/>
+                <a:cs typeface="+mn-cs"/>
+              </a:defRPr>
+            </a:lvl2pPr>
+            <a:lvl3pPr marL="1143000" indent="-228600" algn="l" defTabSz="457200" rtl="0" eaLnBrk="1" latinLnBrk="0" hangingPunct="1">
+              <a:spcBef>
+                <a:spcPts val="1000"/>
+              </a:spcBef>
+              <a:spcAft>
+                <a:spcPts val="0"/>
+              </a:spcAft>
+              <a:buClr>
+                <a:schemeClr val="accent1"/>
+              </a:buClr>
+              <a:buSzPct val="80000"/>
+              <a:buFont typeface="Wingdings 3" charset="2"/>
+              <a:buChar char=""/>
+              <a:defRPr sz="1400" b="0" i="0" kern="1200">
+                <a:solidFill>
+                  <a:schemeClr val="tx1">
+                    <a:lumMod val="75000"/>
+                    <a:lumOff val="25000"/>
+                  </a:schemeClr>
+                </a:solidFill>
+                <a:latin typeface="+mn-lt"/>
+                <a:ea typeface="+mn-ea"/>
+                <a:cs typeface="+mn-cs"/>
+              </a:defRPr>
+            </a:lvl3pPr>
+            <a:lvl4pPr marL="1600200" indent="-228600" algn="l" defTabSz="457200" rtl="0" eaLnBrk="1" latinLnBrk="0" hangingPunct="1">
+              <a:spcBef>
+                <a:spcPts val="1000"/>
+              </a:spcBef>
+              <a:spcAft>
+                <a:spcPts val="0"/>
+              </a:spcAft>
+              <a:buClr>
+                <a:schemeClr val="accent1"/>
+              </a:buClr>
+              <a:buSzPct val="80000"/>
+              <a:buFont typeface="Wingdings 3" charset="2"/>
+              <a:buChar char=""/>
+              <a:defRPr sz="1200" b="0" i="0" kern="1200">
+                <a:solidFill>
+                  <a:schemeClr val="tx1">
+                    <a:lumMod val="75000"/>
+                    <a:lumOff val="25000"/>
+                  </a:schemeClr>
+                </a:solidFill>
+                <a:latin typeface="+mn-lt"/>
+                <a:ea typeface="+mn-ea"/>
+                <a:cs typeface="+mn-cs"/>
+              </a:defRPr>
+            </a:lvl4pPr>
+            <a:lvl5pPr marL="2057400" indent="-228600" algn="l" defTabSz="457200" rtl="0" eaLnBrk="1" latinLnBrk="0" hangingPunct="1">
+              <a:spcBef>
+                <a:spcPts val="1000"/>
+              </a:spcBef>
+              <a:spcAft>
+                <a:spcPts val="0"/>
+              </a:spcAft>
+              <a:buClr>
+                <a:schemeClr val="accent1"/>
+              </a:buClr>
+              <a:buSzPct val="80000"/>
+              <a:buFont typeface="Wingdings 3" charset="2"/>
+              <a:buChar char=""/>
+              <a:defRPr sz="1200" b="0" i="0" kern="1200">
+                <a:solidFill>
+                  <a:schemeClr val="tx1">
+                    <a:lumMod val="75000"/>
+                    <a:lumOff val="25000"/>
+                  </a:schemeClr>
+                </a:solidFill>
+                <a:latin typeface="+mn-lt"/>
+                <a:ea typeface="+mn-ea"/>
+                <a:cs typeface="+mn-cs"/>
+              </a:defRPr>
+            </a:lvl5pPr>
+            <a:lvl6pPr marL="2514600" indent="-228600" algn="l" defTabSz="457200" rtl="0" eaLnBrk="1" latinLnBrk="0" hangingPunct="1">
+              <a:spcBef>
+                <a:spcPts val="1000"/>
+              </a:spcBef>
+              <a:spcAft>
+                <a:spcPts val="0"/>
+              </a:spcAft>
+              <a:buClr>
+                <a:schemeClr val="accent1"/>
+              </a:buClr>
+              <a:buSzPct val="80000"/>
+              <a:buFont typeface="Wingdings 3" charset="2"/>
+              <a:buChar char=""/>
+              <a:defRPr sz="1200" b="0" i="0" kern="1200">
+                <a:solidFill>
+                  <a:schemeClr val="tx1">
+                    <a:lumMod val="75000"/>
+                    <a:lumOff val="25000"/>
+                  </a:schemeClr>
+                </a:solidFill>
+                <a:latin typeface="+mn-lt"/>
+                <a:ea typeface="+mn-ea"/>
+                <a:cs typeface="+mn-cs"/>
+              </a:defRPr>
+            </a:lvl6pPr>
+            <a:lvl7pPr marL="2971800" indent="-228600" algn="l" defTabSz="457200" rtl="0" eaLnBrk="1" latinLnBrk="0" hangingPunct="1">
+              <a:spcBef>
+                <a:spcPts val="1000"/>
+              </a:spcBef>
+              <a:spcAft>
+                <a:spcPts val="0"/>
+              </a:spcAft>
+              <a:buClr>
+                <a:schemeClr val="accent1"/>
+              </a:buClr>
+              <a:buSzPct val="80000"/>
+              <a:buFont typeface="Wingdings 3" charset="2"/>
+              <a:buChar char=""/>
+              <a:defRPr sz="1200" b="0" i="0" kern="1200">
+                <a:solidFill>
+                  <a:schemeClr val="tx1">
+                    <a:lumMod val="75000"/>
+                    <a:lumOff val="25000"/>
+                  </a:schemeClr>
+                </a:solidFill>
+                <a:latin typeface="+mn-lt"/>
+                <a:ea typeface="+mn-ea"/>
+                <a:cs typeface="+mn-cs"/>
+              </a:defRPr>
+            </a:lvl7pPr>
+            <a:lvl8pPr marL="3429000" indent="-228600" algn="l" defTabSz="457200" rtl="0" eaLnBrk="1" latinLnBrk="0" hangingPunct="1">
+              <a:spcBef>
+                <a:spcPts val="1000"/>
+              </a:spcBef>
+              <a:spcAft>
+                <a:spcPts val="0"/>
+              </a:spcAft>
+              <a:buClr>
+                <a:schemeClr val="accent1"/>
+              </a:buClr>
+              <a:buSzPct val="80000"/>
+              <a:buFont typeface="Wingdings 3" charset="2"/>
+              <a:buChar char=""/>
+              <a:defRPr sz="1200" b="0" i="0" kern="1200">
+                <a:solidFill>
+                  <a:schemeClr val="tx1">
+                    <a:lumMod val="75000"/>
+                    <a:lumOff val="25000"/>
+                  </a:schemeClr>
+                </a:solidFill>
+                <a:latin typeface="+mn-lt"/>
+                <a:ea typeface="+mn-ea"/>
+                <a:cs typeface="+mn-cs"/>
+              </a:defRPr>
+            </a:lvl8pPr>
+            <a:lvl9pPr marL="3886200" indent="-228600" algn="l" defTabSz="457200" rtl="0" eaLnBrk="1" latinLnBrk="0" hangingPunct="1">
+              <a:spcBef>
+                <a:spcPts val="1000"/>
+              </a:spcBef>
+              <a:spcAft>
+                <a:spcPts val="0"/>
+              </a:spcAft>
+              <a:buClr>
+                <a:schemeClr val="accent1"/>
+              </a:buClr>
+              <a:buSzPct val="80000"/>
+              <a:buFont typeface="Wingdings 3" charset="2"/>
+              <a:buChar char=""/>
+              <a:defRPr sz="1200" b="0" i="0" kern="1200">
+                <a:solidFill>
+                  <a:schemeClr val="tx1">
+                    <a:lumMod val="75000"/>
+                    <a:lumOff val="25000"/>
+                  </a:schemeClr>
+                </a:solidFill>
+                <a:latin typeface="+mn-lt"/>
+                <a:ea typeface="+mn-ea"/>
+                <a:cs typeface="+mn-cs"/>
+              </a:defRPr>
+            </a:lvl9pPr>
+          </a:lstStyle>
+          <a:p>
+            <a:pPr algn="just"/>
+            <a:endParaRPr lang="pt-BR" sz="1600" dirty="0"/>
+          </a:p>
+          <a:p>
+            <a:pPr algn="just"/>
+            <a:endParaRPr lang="pt-BR" sz="1600" dirty="0"/>
+          </a:p>
+          <a:p>
+            <a:pPr algn="just"/>
+            <a:endParaRPr lang="pt-BR" sz="2000" dirty="0"/>
+          </a:p>
+        </p:txBody>
+      </p:sp>
+      <p:pic>
+        <p:nvPicPr>
+          <p:cNvPr id="5" name="Imagem 4">
+            <a:extLst>
+              <a:ext uri="{FF2B5EF4-FFF2-40B4-BE49-F238E27FC236}">
+                <a16:creationId xmlns:a16="http://schemas.microsoft.com/office/drawing/2014/main" id="{48678720-4BB2-4021-B18C-3F5F9ADA31A0}"/>
+              </a:ext>
+            </a:extLst>
+          </p:cNvPr>
+          <p:cNvPicPr>
+            <a:picLocks noChangeAspect="1"/>
+          </p:cNvPicPr>
+          <p:nvPr/>
+        </p:nvPicPr>
+        <p:blipFill>
+          <a:blip r:embed="rId3"/>
+          <a:stretch>
+            <a:fillRect/>
+          </a:stretch>
+        </p:blipFill>
+        <p:spPr>
+          <a:xfrm>
+            <a:off x="4095749" y="1853948"/>
+            <a:ext cx="7083177" cy="4146009"/>
+          </a:xfrm>
+          <a:prstGeom prst="rect">
+            <a:avLst/>
+          </a:prstGeom>
+          <a:ln>
+            <a:noFill/>
+          </a:ln>
+          <a:effectLst>
+            <a:softEdge rad="112500"/>
+          </a:effectLst>
+        </p:spPr>
+      </p:pic>
+    </p:spTree>
+    <p:extLst>
+      <p:ext uri="{BB962C8B-B14F-4D97-AF65-F5344CB8AC3E}">
+        <p14:creationId xmlns:p14="http://schemas.microsoft.com/office/powerpoint/2010/main" val="3974418528"/>
+      </p:ext>
+    </p:extLst>
+  </p:cSld>
+  <p:clrMapOvr>
+    <a:overrideClrMapping bg1="dk1" tx1="lt1" bg2="dk2" tx2="lt2" accent1="accent1" accent2="accent2" accent3="accent3" accent4="accent4" accent5="accent5" accent6="accent6" hlink="hlink" folHlink="folHlink"/>
+  </p:clrMapOvr>
+  <p:transition spd="med">
+    <p:pull/>
+  </p:transition>
+</p:sld>
+</file>
+
+<file path=ppt/slides/slide23.xml><?xml version="1.0" encoding="utf-8"?>
+<p:sld xmlns:a="http://schemas.openxmlformats.org/drawingml/2006/main" xmlns:r="http://schemas.openxmlformats.org/officeDocument/2006/relationships" xmlns:p="http://schemas.openxmlformats.org/presentationml/2006/main">
+  <p:cSld>
+    <p:bg>
+      <p:bgPr>
+        <a:blipFill rotWithShape="1">
+          <a:blip r:embed="rId2">
+            <a:duotone>
+              <a:schemeClr val="bg2">
+                <a:shade val="42000"/>
+                <a:hueMod val="42000"/>
+                <a:satMod val="124000"/>
+                <a:lumMod val="62000"/>
+              </a:schemeClr>
+              <a:schemeClr val="bg2">
+                <a:tint val="96000"/>
+                <a:satMod val="130000"/>
+              </a:schemeClr>
+            </a:duotone>
+          </a:blip>
+          <a:stretch/>
+        </a:blipFill>
+        <a:effectLst/>
+      </p:bgPr>
+    </p:bg>
+    <p:spTree>
+      <p:nvGrpSpPr>
+        <p:cNvPr id="1" name=""/>
+        <p:cNvGrpSpPr/>
+        <p:nvPr/>
+      </p:nvGrpSpPr>
+      <p:grpSpPr>
+        <a:xfrm>
+          <a:off x="0" y="0"/>
+          <a:ext cx="0" cy="0"/>
+          <a:chOff x="0" y="0"/>
+          <a:chExt cx="0" cy="0"/>
+        </a:xfrm>
+      </p:grpSpPr>
+      <p:sp useBgFill="1">
+        <p:nvSpPr>
+          <p:cNvPr id="8" name="Rectangle 7">
+            <a:extLst>
+              <a:ext uri="{FF2B5EF4-FFF2-40B4-BE49-F238E27FC236}">
+                <a16:creationId xmlns:a16="http://schemas.microsoft.com/office/drawing/2014/main" id="{01109B5D-BC35-4376-98A2-F53B03E4E1B4}"/>
+              </a:ext>
+              <a:ext uri="{C183D7F6-B498-43B3-948B-1728B52AA6E4}">
+                <adec:decorative xmlns:adec="http://schemas.microsoft.com/office/drawing/2017/decorative" val="1"/>
+              </a:ext>
+            </a:extLst>
+          </p:cNvPr>
+          <p:cNvSpPr>
+            <a:spLocks noGrp="1" noRot="1" noChangeAspect="1" noMove="1" noResize="1" noEditPoints="1" noAdjustHandles="1" noChangeArrowheads="1" noChangeShapeType="1" noTextEdit="1"/>
+          </p:cNvSpPr>
+          <p:nvPr>
+            <p:extLst>
+              <p:ext uri="{386F3935-93C4-4BCD-93E2-E3B085C9AB24}">
+                <p16:designElem xmlns:p16="http://schemas.microsoft.com/office/powerpoint/2015/main" val="1"/>
+              </p:ext>
+            </p:extLst>
+          </p:nvPr>
+        </p:nvSpPr>
+        <p:spPr>
+          <a:xfrm>
+            <a:off x="0" y="0"/>
+            <a:ext cx="12192000" cy="6858000"/>
+          </a:xfrm>
+          <a:prstGeom prst="rect">
+            <a:avLst/>
+          </a:prstGeom>
+          <a:ln>
+            <a:noFill/>
+          </a:ln>
+        </p:spPr>
+        <p:style>
+          <a:lnRef idx="2">
+            <a:schemeClr val="accent1">
+              <a:shade val="50000"/>
+            </a:schemeClr>
+          </a:lnRef>
+          <a:fillRef idx="1">
+            <a:schemeClr val="accent1"/>
+          </a:fillRef>
+          <a:effectRef idx="0">
+            <a:schemeClr val="accent1"/>
+          </a:effectRef>
+          <a:fontRef idx="minor">
+            <a:schemeClr val="lt1"/>
+          </a:fontRef>
+        </p:style>
+      </p:sp>
+      <p:sp>
+        <p:nvSpPr>
+          <p:cNvPr id="10" name="Freeform 5">
+            <a:extLst>
+              <a:ext uri="{FF2B5EF4-FFF2-40B4-BE49-F238E27FC236}">
+                <a16:creationId xmlns:a16="http://schemas.microsoft.com/office/drawing/2014/main" id="{94D90C11-98A3-40E3-B04C-A3025D6458A3}"/>
+              </a:ext>
+              <a:ext uri="{C183D7F6-B498-43B3-948B-1728B52AA6E4}">
+                <adec:decorative xmlns:adec="http://schemas.microsoft.com/office/drawing/2017/decorative" val="1"/>
+              </a:ext>
+            </a:extLst>
+          </p:cNvPr>
+          <p:cNvSpPr>
+            <a:spLocks noGrp="1" noRot="1" noChangeAspect="1" noMove="1" noResize="1" noEditPoints="1" noAdjustHandles="1" noChangeArrowheads="1" noChangeShapeType="1" noTextEdit="1"/>
+          </p:cNvSpPr>
+          <p:nvPr>
+            <p:extLst>
+              <p:ext uri="{386F3935-93C4-4BCD-93E2-E3B085C9AB24}">
+                <p16:designElem xmlns:p16="http://schemas.microsoft.com/office/powerpoint/2015/main" val="1"/>
+              </p:ext>
+            </p:extLst>
+          </p:nvPr>
+        </p:nvSpPr>
+        <p:spPr bwMode="gray">
+          <a:xfrm>
+            <a:off x="0" y="0"/>
+            <a:ext cx="12192000" cy="6856413"/>
+          </a:xfrm>
+          <a:custGeom>
+            <a:avLst/>
+            <a:gdLst/>
+            <a:ahLst/>
+            <a:cxnLst/>
+            <a:rect l="0" t="0" r="r" b="b"/>
+            <a:pathLst>
+              <a:path w="15356" h="8638">
+                <a:moveTo>
+                  <a:pt x="0" y="0"/>
+                </a:moveTo>
+                <a:lnTo>
+                  <a:pt x="0" y="8638"/>
+                </a:lnTo>
+                <a:lnTo>
+                  <a:pt x="15356" y="8638"/>
+                </a:lnTo>
+                <a:lnTo>
+                  <a:pt x="15356" y="0"/>
+                </a:lnTo>
+                <a:lnTo>
+                  <a:pt x="0" y="0"/>
+                </a:lnTo>
+                <a:close/>
+                <a:moveTo>
+                  <a:pt x="14748" y="8038"/>
+                </a:moveTo>
+                <a:lnTo>
+                  <a:pt x="600" y="8038"/>
+                </a:lnTo>
+                <a:lnTo>
+                  <a:pt x="600" y="592"/>
+                </a:lnTo>
+                <a:lnTo>
+                  <a:pt x="14748" y="592"/>
+                </a:lnTo>
+                <a:lnTo>
+                  <a:pt x="14748" y="8038"/>
+                </a:lnTo>
+                <a:close/>
+              </a:path>
+            </a:pathLst>
+          </a:custGeom>
+          <a:solidFill>
+            <a:schemeClr val="tx1"/>
+          </a:solidFill>
+          <a:ln>
+            <a:noFill/>
+          </a:ln>
+        </p:spPr>
+      </p:sp>
+      <p:sp>
+        <p:nvSpPr>
+          <p:cNvPr id="2" name="Título 1">
+            <a:extLst>
+              <a:ext uri="{FF2B5EF4-FFF2-40B4-BE49-F238E27FC236}">
+                <a16:creationId xmlns:a16="http://schemas.microsoft.com/office/drawing/2014/main" id="{013031FA-48E0-4758-860E-647D65F30FD1}"/>
+              </a:ext>
+            </a:extLst>
+          </p:cNvPr>
+          <p:cNvSpPr>
+            <a:spLocks noGrp="1"/>
+          </p:cNvSpPr>
+          <p:nvPr>
+            <p:ph type="title"/>
+          </p:nvPr>
+        </p:nvSpPr>
+        <p:spPr>
+          <a:xfrm>
+            <a:off x="806923" y="1449324"/>
+            <a:ext cx="3028230" cy="4391640"/>
+          </a:xfrm>
+        </p:spPr>
+        <p:txBody>
+          <a:bodyPr anchor="t">
+            <a:normAutofit/>
+          </a:bodyPr>
+          <a:lstStyle/>
+          <a:p>
+            <a:r>
+              <a:rPr lang="pt-BR" sz="2800" dirty="0"/>
+              <a:t>Revisão sobre Dicionários</a:t>
+            </a:r>
+            <a:endParaRPr lang="pt-BR" sz="2800" dirty="0">
+              <a:solidFill>
+                <a:schemeClr val="tx1"/>
+              </a:solidFill>
+            </a:endParaRPr>
+          </a:p>
+        </p:txBody>
+      </p:sp>
+      <p:sp>
+        <p:nvSpPr>
+          <p:cNvPr id="12" name="Rectangle 11">
+            <a:extLst>
+              <a:ext uri="{FF2B5EF4-FFF2-40B4-BE49-F238E27FC236}">
+                <a16:creationId xmlns:a16="http://schemas.microsoft.com/office/drawing/2014/main" id="{A3B28FB1-97C9-4A9E-A45B-356508C2C38B}"/>
+              </a:ext>
+              <a:ext uri="{C183D7F6-B498-43B3-948B-1728B52AA6E4}">
+                <adec:decorative xmlns:adec="http://schemas.microsoft.com/office/drawing/2017/decorative" val="1"/>
+              </a:ext>
+            </a:extLst>
+          </p:cNvPr>
+          <p:cNvSpPr>
+            <a:spLocks noGrp="1" noRot="1" noChangeAspect="1" noMove="1" noResize="1" noEditPoints="1" noAdjustHandles="1" noChangeArrowheads="1" noChangeShapeType="1" noTextEdit="1"/>
+          </p:cNvSpPr>
+          <p:nvPr>
+            <p:extLst>
+              <p:ext uri="{386F3935-93C4-4BCD-93E2-E3B085C9AB24}">
+                <p16:designElem xmlns:p16="http://schemas.microsoft.com/office/powerpoint/2015/main" val="1"/>
+              </p:ext>
+            </p:extLst>
+          </p:nvPr>
+        </p:nvSpPr>
+        <p:spPr>
+          <a:xfrm>
+            <a:off x="10437812" y="0"/>
+            <a:ext cx="685800" cy="1143000"/>
+          </a:xfrm>
+          <a:prstGeom prst="rect">
+            <a:avLst/>
+          </a:prstGeom>
+          <a:solidFill>
+            <a:schemeClr val="accent1"/>
+          </a:solidFill>
+          <a:ln>
+            <a:noFill/>
+          </a:ln>
+        </p:spPr>
+        <p:style>
+          <a:lnRef idx="1">
+            <a:schemeClr val="accent1"/>
+          </a:lnRef>
+          <a:fillRef idx="3">
+            <a:schemeClr val="accent1"/>
+          </a:fillRef>
+          <a:effectRef idx="2">
+            <a:schemeClr val="accent1"/>
+          </a:effectRef>
+          <a:fontRef idx="minor">
+            <a:schemeClr val="lt1"/>
+          </a:fontRef>
+        </p:style>
+      </p:sp>
+      <p:sp>
+        <p:nvSpPr>
+          <p:cNvPr id="3" name="Espaço Reservado para Conteúdo 2">
+            <a:extLst>
+              <a:ext uri="{FF2B5EF4-FFF2-40B4-BE49-F238E27FC236}">
+                <a16:creationId xmlns:a16="http://schemas.microsoft.com/office/drawing/2014/main" id="{C317B827-406D-459E-9BBD-78EE6B48C278}"/>
+              </a:ext>
+            </a:extLst>
+          </p:cNvPr>
+          <p:cNvSpPr>
+            <a:spLocks noGrp="1"/>
+          </p:cNvSpPr>
+          <p:nvPr>
+            <p:ph idx="1"/>
+          </p:nvPr>
+        </p:nvSpPr>
+        <p:spPr>
+          <a:xfrm>
+            <a:off x="3835153" y="496824"/>
+            <a:ext cx="6145460" cy="4391640"/>
+          </a:xfrm>
+        </p:spPr>
+        <p:txBody>
+          <a:bodyPr>
+            <a:normAutofit/>
+          </a:bodyPr>
+          <a:lstStyle/>
+          <a:p>
+            <a:r>
+              <a:rPr lang="pt-BR" sz="2800" dirty="0"/>
+              <a:t>Exemplo – Dicionários</a:t>
+            </a:r>
+          </a:p>
+          <a:p>
+            <a:endParaRPr lang="pt-BR" sz="2800" dirty="0">
+              <a:solidFill>
+                <a:schemeClr val="tx1"/>
+              </a:solidFill>
+            </a:endParaRPr>
+          </a:p>
+          <a:p>
+            <a:pPr algn="just"/>
+            <a:r>
+              <a:rPr lang="pt-BR" dirty="0">
+                <a:solidFill>
+                  <a:schemeClr val="tx1"/>
+                </a:solidFill>
+              </a:rPr>
+              <a:t>É possível criar uma lista de dicionários, assim sendo útil para criar uma lista telefônica, catalogo de filmes, etc.</a:t>
+            </a:r>
+          </a:p>
+        </p:txBody>
+      </p:sp>
+      <p:sp>
+        <p:nvSpPr>
+          <p:cNvPr id="11" name="Espaço Reservado para Conteúdo 2">
+            <a:extLst>
+              <a:ext uri="{FF2B5EF4-FFF2-40B4-BE49-F238E27FC236}">
+                <a16:creationId xmlns:a16="http://schemas.microsoft.com/office/drawing/2014/main" id="{D386DDF2-3D14-494A-A013-EC001A66FE73}"/>
+              </a:ext>
+            </a:extLst>
+          </p:cNvPr>
+          <p:cNvSpPr txBox="1">
+            <a:spLocks/>
+          </p:cNvSpPr>
+          <p:nvPr/>
+        </p:nvSpPr>
+        <p:spPr>
+          <a:xfrm>
+            <a:off x="3835153" y="2024109"/>
+            <a:ext cx="6579368" cy="3816855"/>
+          </a:xfrm>
+          <a:prstGeom prst="rect">
+            <a:avLst/>
+          </a:prstGeom>
+        </p:spPr>
+        <p:txBody>
+          <a:bodyPr vert="horz" lIns="91440" tIns="45720" rIns="91440" bIns="45720" rtlCol="0" anchor="ctr">
+            <a:normAutofit/>
+          </a:bodyPr>
+          <a:lstStyle>
+            <a:lvl1pPr marL="342900" indent="-342900" algn="l" defTabSz="457200" rtl="0" eaLnBrk="1" latinLnBrk="0" hangingPunct="1">
+              <a:spcBef>
+                <a:spcPts val="1000"/>
+              </a:spcBef>
+              <a:spcAft>
+                <a:spcPts val="0"/>
+              </a:spcAft>
+              <a:buClr>
+                <a:schemeClr val="accent1"/>
+              </a:buClr>
+              <a:buSzPct val="80000"/>
+              <a:buFont typeface="Wingdings 3" charset="2"/>
+              <a:buChar char=""/>
+              <a:defRPr sz="1800" b="0" i="0" kern="1200">
+                <a:solidFill>
+                  <a:schemeClr val="tx1">
+                    <a:lumMod val="75000"/>
+                    <a:lumOff val="25000"/>
+                  </a:schemeClr>
+                </a:solidFill>
+                <a:latin typeface="+mn-lt"/>
+                <a:ea typeface="+mn-ea"/>
+                <a:cs typeface="+mn-cs"/>
+              </a:defRPr>
+            </a:lvl1pPr>
+            <a:lvl2pPr marL="742950" indent="-285750" algn="l" defTabSz="457200" rtl="0" eaLnBrk="1" latinLnBrk="0" hangingPunct="1">
+              <a:spcBef>
+                <a:spcPts val="1000"/>
+              </a:spcBef>
+              <a:spcAft>
+                <a:spcPts val="0"/>
+              </a:spcAft>
+              <a:buClr>
+                <a:schemeClr val="accent1"/>
+              </a:buClr>
+              <a:buSzPct val="80000"/>
+              <a:buFont typeface="Wingdings 3" charset="2"/>
+              <a:buChar char=""/>
+              <a:defRPr sz="1600" b="0" i="0" kern="1200">
+                <a:solidFill>
+                  <a:schemeClr val="tx1">
+                    <a:lumMod val="75000"/>
+                    <a:lumOff val="25000"/>
+                  </a:schemeClr>
+                </a:solidFill>
+                <a:latin typeface="+mn-lt"/>
+                <a:ea typeface="+mn-ea"/>
+                <a:cs typeface="+mn-cs"/>
+              </a:defRPr>
+            </a:lvl2pPr>
+            <a:lvl3pPr marL="1143000" indent="-228600" algn="l" defTabSz="457200" rtl="0" eaLnBrk="1" latinLnBrk="0" hangingPunct="1">
+              <a:spcBef>
+                <a:spcPts val="1000"/>
+              </a:spcBef>
+              <a:spcAft>
+                <a:spcPts val="0"/>
+              </a:spcAft>
+              <a:buClr>
+                <a:schemeClr val="accent1"/>
+              </a:buClr>
+              <a:buSzPct val="80000"/>
+              <a:buFont typeface="Wingdings 3" charset="2"/>
+              <a:buChar char=""/>
+              <a:defRPr sz="1400" b="0" i="0" kern="1200">
+                <a:solidFill>
+                  <a:schemeClr val="tx1">
+                    <a:lumMod val="75000"/>
+                    <a:lumOff val="25000"/>
+                  </a:schemeClr>
+                </a:solidFill>
+                <a:latin typeface="+mn-lt"/>
+                <a:ea typeface="+mn-ea"/>
+                <a:cs typeface="+mn-cs"/>
+              </a:defRPr>
+            </a:lvl3pPr>
+            <a:lvl4pPr marL="1600200" indent="-228600" algn="l" defTabSz="457200" rtl="0" eaLnBrk="1" latinLnBrk="0" hangingPunct="1">
+              <a:spcBef>
+                <a:spcPts val="1000"/>
+              </a:spcBef>
+              <a:spcAft>
+                <a:spcPts val="0"/>
+              </a:spcAft>
+              <a:buClr>
+                <a:schemeClr val="accent1"/>
+              </a:buClr>
+              <a:buSzPct val="80000"/>
+              <a:buFont typeface="Wingdings 3" charset="2"/>
+              <a:buChar char=""/>
+              <a:defRPr sz="1200" b="0" i="0" kern="1200">
+                <a:solidFill>
+                  <a:schemeClr val="tx1">
+                    <a:lumMod val="75000"/>
+                    <a:lumOff val="25000"/>
+                  </a:schemeClr>
+                </a:solidFill>
+                <a:latin typeface="+mn-lt"/>
+                <a:ea typeface="+mn-ea"/>
+                <a:cs typeface="+mn-cs"/>
+              </a:defRPr>
+            </a:lvl4pPr>
+            <a:lvl5pPr marL="2057400" indent="-228600" algn="l" defTabSz="457200" rtl="0" eaLnBrk="1" latinLnBrk="0" hangingPunct="1">
+              <a:spcBef>
+                <a:spcPts val="1000"/>
+              </a:spcBef>
+              <a:spcAft>
+                <a:spcPts val="0"/>
+              </a:spcAft>
+              <a:buClr>
+                <a:schemeClr val="accent1"/>
+              </a:buClr>
+              <a:buSzPct val="80000"/>
+              <a:buFont typeface="Wingdings 3" charset="2"/>
+              <a:buChar char=""/>
+              <a:defRPr sz="1200" b="0" i="0" kern="1200">
+                <a:solidFill>
+                  <a:schemeClr val="tx1">
+                    <a:lumMod val="75000"/>
+                    <a:lumOff val="25000"/>
+                  </a:schemeClr>
+                </a:solidFill>
+                <a:latin typeface="+mn-lt"/>
+                <a:ea typeface="+mn-ea"/>
+                <a:cs typeface="+mn-cs"/>
+              </a:defRPr>
+            </a:lvl5pPr>
+            <a:lvl6pPr marL="2514600" indent="-228600" algn="l" defTabSz="457200" rtl="0" eaLnBrk="1" latinLnBrk="0" hangingPunct="1">
+              <a:spcBef>
+                <a:spcPts val="1000"/>
+              </a:spcBef>
+              <a:spcAft>
+                <a:spcPts val="0"/>
+              </a:spcAft>
+              <a:buClr>
+                <a:schemeClr val="accent1"/>
+              </a:buClr>
+              <a:buSzPct val="80000"/>
+              <a:buFont typeface="Wingdings 3" charset="2"/>
+              <a:buChar char=""/>
+              <a:defRPr sz="1200" b="0" i="0" kern="1200">
+                <a:solidFill>
+                  <a:schemeClr val="tx1">
+                    <a:lumMod val="75000"/>
+                    <a:lumOff val="25000"/>
+                  </a:schemeClr>
+                </a:solidFill>
+                <a:latin typeface="+mn-lt"/>
+                <a:ea typeface="+mn-ea"/>
+                <a:cs typeface="+mn-cs"/>
+              </a:defRPr>
+            </a:lvl6pPr>
+            <a:lvl7pPr marL="2971800" indent="-228600" algn="l" defTabSz="457200" rtl="0" eaLnBrk="1" latinLnBrk="0" hangingPunct="1">
+              <a:spcBef>
+                <a:spcPts val="1000"/>
+              </a:spcBef>
+              <a:spcAft>
+                <a:spcPts val="0"/>
+              </a:spcAft>
+              <a:buClr>
+                <a:schemeClr val="accent1"/>
+              </a:buClr>
+              <a:buSzPct val="80000"/>
+              <a:buFont typeface="Wingdings 3" charset="2"/>
+              <a:buChar char=""/>
+              <a:defRPr sz="1200" b="0" i="0" kern="1200">
+                <a:solidFill>
+                  <a:schemeClr val="tx1">
+                    <a:lumMod val="75000"/>
+                    <a:lumOff val="25000"/>
+                  </a:schemeClr>
+                </a:solidFill>
+                <a:latin typeface="+mn-lt"/>
+                <a:ea typeface="+mn-ea"/>
+                <a:cs typeface="+mn-cs"/>
+              </a:defRPr>
+            </a:lvl7pPr>
+            <a:lvl8pPr marL="3429000" indent="-228600" algn="l" defTabSz="457200" rtl="0" eaLnBrk="1" latinLnBrk="0" hangingPunct="1">
+              <a:spcBef>
+                <a:spcPts val="1000"/>
+              </a:spcBef>
+              <a:spcAft>
+                <a:spcPts val="0"/>
+              </a:spcAft>
+              <a:buClr>
+                <a:schemeClr val="accent1"/>
+              </a:buClr>
+              <a:buSzPct val="80000"/>
+              <a:buFont typeface="Wingdings 3" charset="2"/>
+              <a:buChar char=""/>
+              <a:defRPr sz="1200" b="0" i="0" kern="1200">
+                <a:solidFill>
+                  <a:schemeClr val="tx1">
+                    <a:lumMod val="75000"/>
+                    <a:lumOff val="25000"/>
+                  </a:schemeClr>
+                </a:solidFill>
+                <a:latin typeface="+mn-lt"/>
+                <a:ea typeface="+mn-ea"/>
+                <a:cs typeface="+mn-cs"/>
+              </a:defRPr>
+            </a:lvl8pPr>
+            <a:lvl9pPr marL="3886200" indent="-228600" algn="l" defTabSz="457200" rtl="0" eaLnBrk="1" latinLnBrk="0" hangingPunct="1">
+              <a:spcBef>
+                <a:spcPts val="1000"/>
+              </a:spcBef>
+              <a:spcAft>
+                <a:spcPts val="0"/>
+              </a:spcAft>
+              <a:buClr>
+                <a:schemeClr val="accent1"/>
+              </a:buClr>
+              <a:buSzPct val="80000"/>
+              <a:buFont typeface="Wingdings 3" charset="2"/>
+              <a:buChar char=""/>
+              <a:defRPr sz="1200" b="0" i="0" kern="1200">
+                <a:solidFill>
+                  <a:schemeClr val="tx1">
+                    <a:lumMod val="75000"/>
+                    <a:lumOff val="25000"/>
+                  </a:schemeClr>
+                </a:solidFill>
+                <a:latin typeface="+mn-lt"/>
+                <a:ea typeface="+mn-ea"/>
+                <a:cs typeface="+mn-cs"/>
+              </a:defRPr>
+            </a:lvl9pPr>
+          </a:lstStyle>
+          <a:p>
+            <a:pPr algn="just"/>
+            <a:endParaRPr lang="pt-BR" sz="1600" dirty="0"/>
+          </a:p>
+          <a:p>
+            <a:pPr algn="just"/>
+            <a:endParaRPr lang="pt-BR" sz="1600" dirty="0"/>
+          </a:p>
+          <a:p>
+            <a:pPr algn="just"/>
+            <a:endParaRPr lang="pt-BR" sz="2000" dirty="0"/>
+          </a:p>
+        </p:txBody>
+      </p:sp>
+      <p:pic>
+        <p:nvPicPr>
+          <p:cNvPr id="6" name="Imagem 5">
+            <a:extLst>
+              <a:ext uri="{FF2B5EF4-FFF2-40B4-BE49-F238E27FC236}">
+                <a16:creationId xmlns:a16="http://schemas.microsoft.com/office/drawing/2014/main" id="{6AEB6C36-EE6F-4B43-B5FF-36F606B20CF4}"/>
+              </a:ext>
+            </a:extLst>
+          </p:cNvPr>
+          <p:cNvPicPr>
+            <a:picLocks noChangeAspect="1"/>
+          </p:cNvPicPr>
+          <p:nvPr/>
+        </p:nvPicPr>
+        <p:blipFill>
+          <a:blip r:embed="rId3"/>
+          <a:stretch>
+            <a:fillRect/>
+          </a:stretch>
+        </p:blipFill>
+        <p:spPr>
+          <a:xfrm>
+            <a:off x="3399533" y="3629025"/>
+            <a:ext cx="7724079" cy="2291435"/>
+          </a:xfrm>
+          <a:prstGeom prst="rect">
+            <a:avLst/>
+          </a:prstGeom>
+          <a:ln>
+            <a:noFill/>
+          </a:ln>
+          <a:effectLst>
+            <a:softEdge rad="112500"/>
+          </a:effectLst>
+        </p:spPr>
+      </p:pic>
+    </p:spTree>
+    <p:extLst>
+      <p:ext uri="{BB962C8B-B14F-4D97-AF65-F5344CB8AC3E}">
+        <p14:creationId xmlns:p14="http://schemas.microsoft.com/office/powerpoint/2010/main" val="2366064071"/>
+      </p:ext>
+    </p:extLst>
+  </p:cSld>
+  <p:clrMapOvr>
+    <a:overrideClrMapping bg1="dk1" tx1="lt1" bg2="dk2" tx2="lt2" accent1="accent1" accent2="accent2" accent3="accent3" accent4="accent4" accent5="accent5" accent6="accent6" hlink="hlink" folHlink="folHlink"/>
+  </p:clrMapOvr>
+  <p:transition spd="med">
+    <p:pull/>
+  </p:transition>
+</p:sld>
+</file>
+
+<file path=ppt/slides/slide24.xml><?xml version="1.0" encoding="utf-8"?>
+<p:sld xmlns:a="http://schemas.openxmlformats.org/drawingml/2006/main" xmlns:r="http://schemas.openxmlformats.org/officeDocument/2006/relationships" xmlns:p="http://schemas.openxmlformats.org/presentationml/2006/main">
+  <p:cSld>
+    <p:bg>
+      <p:bgPr>
+        <a:blipFill rotWithShape="1">
+          <a:blip r:embed="rId2">
+            <a:duotone>
+              <a:schemeClr val="bg2">
+                <a:shade val="42000"/>
+                <a:hueMod val="42000"/>
+                <a:satMod val="124000"/>
+                <a:lumMod val="62000"/>
+              </a:schemeClr>
+              <a:schemeClr val="bg2">
+                <a:tint val="96000"/>
+                <a:satMod val="130000"/>
+              </a:schemeClr>
+            </a:duotone>
+          </a:blip>
+          <a:stretch/>
+        </a:blipFill>
+        <a:effectLst/>
+      </p:bgPr>
+    </p:bg>
+    <p:spTree>
+      <p:nvGrpSpPr>
+        <p:cNvPr id="1" name=""/>
+        <p:cNvGrpSpPr/>
+        <p:nvPr/>
+      </p:nvGrpSpPr>
+      <p:grpSpPr>
+        <a:xfrm>
+          <a:off x="0" y="0"/>
+          <a:ext cx="0" cy="0"/>
+          <a:chOff x="0" y="0"/>
+          <a:chExt cx="0" cy="0"/>
+        </a:xfrm>
+      </p:grpSpPr>
+      <p:sp useBgFill="1">
+        <p:nvSpPr>
+          <p:cNvPr id="8" name="Rectangle 7">
+            <a:extLst>
+              <a:ext uri="{FF2B5EF4-FFF2-40B4-BE49-F238E27FC236}">
+                <a16:creationId xmlns:a16="http://schemas.microsoft.com/office/drawing/2014/main" id="{01109B5D-BC35-4376-98A2-F53B03E4E1B4}"/>
+              </a:ext>
+              <a:ext uri="{C183D7F6-B498-43B3-948B-1728B52AA6E4}">
+                <adec:decorative xmlns:adec="http://schemas.microsoft.com/office/drawing/2017/decorative" val="1"/>
+              </a:ext>
+            </a:extLst>
+          </p:cNvPr>
+          <p:cNvSpPr>
+            <a:spLocks noGrp="1" noRot="1" noChangeAspect="1" noMove="1" noResize="1" noEditPoints="1" noAdjustHandles="1" noChangeArrowheads="1" noChangeShapeType="1" noTextEdit="1"/>
+          </p:cNvSpPr>
+          <p:nvPr>
+            <p:extLst>
+              <p:ext uri="{386F3935-93C4-4BCD-93E2-E3B085C9AB24}">
+                <p16:designElem xmlns:p16="http://schemas.microsoft.com/office/powerpoint/2015/main" val="1"/>
+              </p:ext>
+            </p:extLst>
+          </p:nvPr>
+        </p:nvSpPr>
+        <p:spPr>
+          <a:xfrm>
+            <a:off x="0" y="0"/>
+            <a:ext cx="12192000" cy="6858000"/>
+          </a:xfrm>
+          <a:prstGeom prst="rect">
+            <a:avLst/>
+          </a:prstGeom>
+          <a:ln>
+            <a:noFill/>
+          </a:ln>
+        </p:spPr>
+        <p:style>
+          <a:lnRef idx="2">
+            <a:schemeClr val="accent1">
+              <a:shade val="50000"/>
+            </a:schemeClr>
+          </a:lnRef>
+          <a:fillRef idx="1">
+            <a:schemeClr val="accent1"/>
+          </a:fillRef>
+          <a:effectRef idx="0">
+            <a:schemeClr val="accent1"/>
+          </a:effectRef>
+          <a:fontRef idx="minor">
+            <a:schemeClr val="lt1"/>
+          </a:fontRef>
+        </p:style>
+      </p:sp>
+      <p:sp>
+        <p:nvSpPr>
+          <p:cNvPr id="10" name="Freeform 5">
+            <a:extLst>
+              <a:ext uri="{FF2B5EF4-FFF2-40B4-BE49-F238E27FC236}">
+                <a16:creationId xmlns:a16="http://schemas.microsoft.com/office/drawing/2014/main" id="{94D90C11-98A3-40E3-B04C-A3025D6458A3}"/>
+              </a:ext>
+              <a:ext uri="{C183D7F6-B498-43B3-948B-1728B52AA6E4}">
+                <adec:decorative xmlns:adec="http://schemas.microsoft.com/office/drawing/2017/decorative" val="1"/>
+              </a:ext>
+            </a:extLst>
+          </p:cNvPr>
+          <p:cNvSpPr>
+            <a:spLocks noGrp="1" noRot="1" noChangeAspect="1" noMove="1" noResize="1" noEditPoints="1" noAdjustHandles="1" noChangeArrowheads="1" noChangeShapeType="1" noTextEdit="1"/>
+          </p:cNvSpPr>
+          <p:nvPr>
+            <p:extLst>
+              <p:ext uri="{386F3935-93C4-4BCD-93E2-E3B085C9AB24}">
+                <p16:designElem xmlns:p16="http://schemas.microsoft.com/office/powerpoint/2015/main" val="1"/>
+              </p:ext>
+            </p:extLst>
+          </p:nvPr>
+        </p:nvSpPr>
+        <p:spPr bwMode="gray">
+          <a:xfrm>
+            <a:off x="0" y="0"/>
+            <a:ext cx="12192000" cy="6856413"/>
+          </a:xfrm>
+          <a:custGeom>
+            <a:avLst/>
+            <a:gdLst/>
+            <a:ahLst/>
+            <a:cxnLst/>
+            <a:rect l="0" t="0" r="r" b="b"/>
+            <a:pathLst>
+              <a:path w="15356" h="8638">
+                <a:moveTo>
+                  <a:pt x="0" y="0"/>
+                </a:moveTo>
+                <a:lnTo>
+                  <a:pt x="0" y="8638"/>
+                </a:lnTo>
+                <a:lnTo>
+                  <a:pt x="15356" y="8638"/>
+                </a:lnTo>
+                <a:lnTo>
+                  <a:pt x="15356" y="0"/>
+                </a:lnTo>
+                <a:lnTo>
+                  <a:pt x="0" y="0"/>
+                </a:lnTo>
+                <a:close/>
+                <a:moveTo>
+                  <a:pt x="14748" y="8038"/>
+                </a:moveTo>
+                <a:lnTo>
+                  <a:pt x="600" y="8038"/>
+                </a:lnTo>
+                <a:lnTo>
+                  <a:pt x="600" y="592"/>
+                </a:lnTo>
+                <a:lnTo>
+                  <a:pt x="14748" y="592"/>
+                </a:lnTo>
+                <a:lnTo>
+                  <a:pt x="14748" y="8038"/>
+                </a:lnTo>
+                <a:close/>
+              </a:path>
+            </a:pathLst>
+          </a:custGeom>
+          <a:solidFill>
+            <a:schemeClr val="tx1"/>
+          </a:solidFill>
+          <a:ln>
+            <a:noFill/>
+          </a:ln>
+        </p:spPr>
+      </p:sp>
+      <p:sp>
+        <p:nvSpPr>
+          <p:cNvPr id="12" name="Rectangle 11">
+            <a:extLst>
+              <a:ext uri="{FF2B5EF4-FFF2-40B4-BE49-F238E27FC236}">
+                <a16:creationId xmlns:a16="http://schemas.microsoft.com/office/drawing/2014/main" id="{A3B28FB1-97C9-4A9E-A45B-356508C2C38B}"/>
+              </a:ext>
+              <a:ext uri="{C183D7F6-B498-43B3-948B-1728B52AA6E4}">
+                <adec:decorative xmlns:adec="http://schemas.microsoft.com/office/drawing/2017/decorative" val="1"/>
+              </a:ext>
+            </a:extLst>
+          </p:cNvPr>
+          <p:cNvSpPr>
+            <a:spLocks noGrp="1" noRot="1" noChangeAspect="1" noMove="1" noResize="1" noEditPoints="1" noAdjustHandles="1" noChangeArrowheads="1" noChangeShapeType="1" noTextEdit="1"/>
+          </p:cNvSpPr>
+          <p:nvPr>
+            <p:extLst>
+              <p:ext uri="{386F3935-93C4-4BCD-93E2-E3B085C9AB24}">
+                <p16:designElem xmlns:p16="http://schemas.microsoft.com/office/powerpoint/2015/main" val="1"/>
+              </p:ext>
+            </p:extLst>
+          </p:nvPr>
+        </p:nvSpPr>
+        <p:spPr>
+          <a:xfrm>
+            <a:off x="10437812" y="0"/>
+            <a:ext cx="685800" cy="1143000"/>
+          </a:xfrm>
+          <a:prstGeom prst="rect">
+            <a:avLst/>
+          </a:prstGeom>
+          <a:solidFill>
+            <a:schemeClr val="accent1"/>
+          </a:solidFill>
+          <a:ln>
+            <a:noFill/>
+          </a:ln>
+        </p:spPr>
+        <p:style>
+          <a:lnRef idx="1">
+            <a:schemeClr val="accent1"/>
+          </a:lnRef>
+          <a:fillRef idx="3">
+            <a:schemeClr val="accent1"/>
+          </a:fillRef>
+          <a:effectRef idx="2">
+            <a:schemeClr val="accent1"/>
+          </a:effectRef>
+          <a:fontRef idx="minor">
+            <a:schemeClr val="lt1"/>
+          </a:fontRef>
+        </p:style>
+      </p:sp>
+      <p:sp>
+        <p:nvSpPr>
+          <p:cNvPr id="9" name="Título 1">
+            <a:extLst>
+              <a:ext uri="{FF2B5EF4-FFF2-40B4-BE49-F238E27FC236}">
+                <a16:creationId xmlns:a16="http://schemas.microsoft.com/office/drawing/2014/main" id="{3F66681B-A454-4EC3-9830-F30EE63F3588}"/>
+              </a:ext>
+            </a:extLst>
+          </p:cNvPr>
+          <p:cNvSpPr txBox="1">
+            <a:spLocks/>
+          </p:cNvSpPr>
+          <p:nvPr/>
+        </p:nvSpPr>
+        <p:spPr bwMode="gray">
+          <a:xfrm>
+            <a:off x="806923" y="1449324"/>
+            <a:ext cx="3028230" cy="4391640"/>
+          </a:xfrm>
+          <a:prstGeom prst="rect">
+            <a:avLst/>
+          </a:prstGeom>
+        </p:spPr>
+        <p:txBody>
+          <a:bodyPr vert="horz" lIns="91440" tIns="45720" rIns="91440" bIns="45720" rtlCol="0" anchor="t">
+            <a:normAutofit/>
+          </a:bodyPr>
+          <a:lstStyle>
+            <a:lvl1pPr algn="l" defTabSz="457200" rtl="0" eaLnBrk="1" latinLnBrk="0" hangingPunct="1">
+              <a:spcBef>
+                <a:spcPct val="0"/>
+              </a:spcBef>
+              <a:buNone/>
+              <a:defRPr sz="3600" b="0" i="0" kern="1200">
+                <a:solidFill>
+                  <a:schemeClr val="bg2"/>
+                </a:solidFill>
+                <a:latin typeface="+mj-lt"/>
+                <a:ea typeface="+mj-ea"/>
+                <a:cs typeface="+mj-cs"/>
+              </a:defRPr>
+            </a:lvl1pPr>
+            <a:lvl2pPr eaLnBrk="1" hangingPunct="1">
+              <a:defRPr>
+                <a:solidFill>
+                  <a:schemeClr val="tx2"/>
+                </a:solidFill>
+              </a:defRPr>
+            </a:lvl2pPr>
+            <a:lvl3pPr eaLnBrk="1" hangingPunct="1">
+              <a:defRPr>
+                <a:solidFill>
+                  <a:schemeClr val="tx2"/>
+                </a:solidFill>
+              </a:defRPr>
+            </a:lvl3pPr>
+            <a:lvl4pPr eaLnBrk="1" hangingPunct="1">
+              <a:defRPr>
+                <a:solidFill>
+                  <a:schemeClr val="tx2"/>
+                </a:solidFill>
+              </a:defRPr>
+            </a:lvl4pPr>
+            <a:lvl5pPr eaLnBrk="1" hangingPunct="1">
+              <a:defRPr>
+                <a:solidFill>
+                  <a:schemeClr val="tx2"/>
+                </a:solidFill>
+              </a:defRPr>
+            </a:lvl5pPr>
+            <a:lvl6pPr eaLnBrk="1" hangingPunct="1">
+              <a:defRPr>
+                <a:solidFill>
+                  <a:schemeClr val="tx2"/>
+                </a:solidFill>
+              </a:defRPr>
+            </a:lvl6pPr>
+            <a:lvl7pPr eaLnBrk="1" hangingPunct="1">
+              <a:defRPr>
+                <a:solidFill>
+                  <a:schemeClr val="tx2"/>
+                </a:solidFill>
+              </a:defRPr>
+            </a:lvl7pPr>
+            <a:lvl8pPr eaLnBrk="1" hangingPunct="1">
+              <a:defRPr>
+                <a:solidFill>
+                  <a:schemeClr val="tx2"/>
+                </a:solidFill>
+              </a:defRPr>
+            </a:lvl8pPr>
+            <a:lvl9pPr eaLnBrk="1" hangingPunct="1">
+              <a:defRPr>
+                <a:solidFill>
+                  <a:schemeClr val="tx2"/>
+                </a:solidFill>
+              </a:defRPr>
+            </a:lvl9pPr>
+          </a:lstStyle>
+          <a:p>
+            <a:r>
+              <a:rPr lang="pt-BR" sz="2800" dirty="0"/>
+              <a:t>Revisão sobre Dicionários</a:t>
+            </a:r>
+            <a:endParaRPr lang="pt-BR" sz="2800" dirty="0">
+              <a:solidFill>
+                <a:schemeClr val="tx1"/>
+              </a:solidFill>
+            </a:endParaRPr>
+          </a:p>
+        </p:txBody>
+      </p:sp>
+      <p:sp>
+        <p:nvSpPr>
+          <p:cNvPr id="11" name="Espaço Reservado para Conteúdo 2">
+            <a:extLst>
+              <a:ext uri="{FF2B5EF4-FFF2-40B4-BE49-F238E27FC236}">
+                <a16:creationId xmlns:a16="http://schemas.microsoft.com/office/drawing/2014/main" id="{E32A3320-4323-40E3-BC5F-7758598E8616}"/>
+              </a:ext>
+            </a:extLst>
+          </p:cNvPr>
+          <p:cNvSpPr txBox="1">
+            <a:spLocks/>
+          </p:cNvSpPr>
+          <p:nvPr/>
+        </p:nvSpPr>
+        <p:spPr>
+          <a:xfrm>
+            <a:off x="3835153" y="496823"/>
+            <a:ext cx="6507332" cy="5832955"/>
+          </a:xfrm>
+          <a:prstGeom prst="rect">
+            <a:avLst/>
+          </a:prstGeom>
+        </p:spPr>
+        <p:txBody>
+          <a:bodyPr vert="horz" lIns="91440" tIns="45720" rIns="91440" bIns="45720" rtlCol="0">
+            <a:normAutofit/>
+          </a:bodyPr>
+          <a:lstStyle>
+            <a:lvl1pPr marL="342900" indent="-342900" algn="l" defTabSz="457200" rtl="0" eaLnBrk="1" latinLnBrk="0" hangingPunct="1">
+              <a:spcBef>
+                <a:spcPts val="1000"/>
+              </a:spcBef>
+              <a:spcAft>
+                <a:spcPts val="0"/>
+              </a:spcAft>
+              <a:buClr>
+                <a:schemeClr val="accent1"/>
+              </a:buClr>
+              <a:buSzPct val="80000"/>
+              <a:buFont typeface="Wingdings 3" charset="2"/>
+              <a:buChar char=""/>
+              <a:defRPr sz="1800" b="0" i="0" kern="1200">
+                <a:solidFill>
+                  <a:schemeClr val="tx1">
+                    <a:lumMod val="75000"/>
+                    <a:lumOff val="25000"/>
+                  </a:schemeClr>
+                </a:solidFill>
+                <a:latin typeface="+mn-lt"/>
+                <a:ea typeface="+mn-ea"/>
+                <a:cs typeface="+mn-cs"/>
+              </a:defRPr>
+            </a:lvl1pPr>
+            <a:lvl2pPr marL="742950" indent="-285750" algn="l" defTabSz="457200" rtl="0" eaLnBrk="1" latinLnBrk="0" hangingPunct="1">
+              <a:spcBef>
+                <a:spcPts val="1000"/>
+              </a:spcBef>
+              <a:spcAft>
+                <a:spcPts val="0"/>
+              </a:spcAft>
+              <a:buClr>
+                <a:schemeClr val="accent1"/>
+              </a:buClr>
+              <a:buSzPct val="80000"/>
+              <a:buFont typeface="Wingdings 3" charset="2"/>
+              <a:buChar char=""/>
+              <a:defRPr sz="1600" b="0" i="0" kern="1200">
+                <a:solidFill>
+                  <a:schemeClr val="tx1">
+                    <a:lumMod val="75000"/>
+                    <a:lumOff val="25000"/>
+                  </a:schemeClr>
+                </a:solidFill>
+                <a:latin typeface="+mn-lt"/>
+                <a:ea typeface="+mn-ea"/>
+                <a:cs typeface="+mn-cs"/>
+              </a:defRPr>
+            </a:lvl2pPr>
+            <a:lvl3pPr marL="1143000" indent="-228600" algn="l" defTabSz="457200" rtl="0" eaLnBrk="1" latinLnBrk="0" hangingPunct="1">
+              <a:spcBef>
+                <a:spcPts val="1000"/>
+              </a:spcBef>
+              <a:spcAft>
+                <a:spcPts val="0"/>
+              </a:spcAft>
+              <a:buClr>
+                <a:schemeClr val="accent1"/>
+              </a:buClr>
+              <a:buSzPct val="80000"/>
+              <a:buFont typeface="Wingdings 3" charset="2"/>
+              <a:buChar char=""/>
+              <a:defRPr sz="1400" b="0" i="0" kern="1200">
+                <a:solidFill>
+                  <a:schemeClr val="tx1">
+                    <a:lumMod val="75000"/>
+                    <a:lumOff val="25000"/>
+                  </a:schemeClr>
+                </a:solidFill>
+                <a:latin typeface="+mn-lt"/>
+                <a:ea typeface="+mn-ea"/>
+                <a:cs typeface="+mn-cs"/>
+              </a:defRPr>
+            </a:lvl3pPr>
+            <a:lvl4pPr marL="1600200" indent="-228600" algn="l" defTabSz="457200" rtl="0" eaLnBrk="1" latinLnBrk="0" hangingPunct="1">
+              <a:spcBef>
+                <a:spcPts val="1000"/>
+              </a:spcBef>
+              <a:spcAft>
+                <a:spcPts val="0"/>
+              </a:spcAft>
+              <a:buClr>
+                <a:schemeClr val="accent1"/>
+              </a:buClr>
+              <a:buSzPct val="80000"/>
+              <a:buFont typeface="Wingdings 3" charset="2"/>
+              <a:buChar char=""/>
+              <a:defRPr sz="1200" b="0" i="0" kern="1200">
+                <a:solidFill>
+                  <a:schemeClr val="tx1">
+                    <a:lumMod val="75000"/>
+                    <a:lumOff val="25000"/>
+                  </a:schemeClr>
+                </a:solidFill>
+                <a:latin typeface="+mn-lt"/>
+                <a:ea typeface="+mn-ea"/>
+                <a:cs typeface="+mn-cs"/>
+              </a:defRPr>
+            </a:lvl4pPr>
+            <a:lvl5pPr marL="2057400" indent="-228600" algn="l" defTabSz="457200" rtl="0" eaLnBrk="1" latinLnBrk="0" hangingPunct="1">
+              <a:spcBef>
+                <a:spcPts val="1000"/>
+              </a:spcBef>
+              <a:spcAft>
+                <a:spcPts val="0"/>
+              </a:spcAft>
+              <a:buClr>
+                <a:schemeClr val="accent1"/>
+              </a:buClr>
+              <a:buSzPct val="80000"/>
+              <a:buFont typeface="Wingdings 3" charset="2"/>
+              <a:buChar char=""/>
+              <a:defRPr sz="1200" b="0" i="0" kern="1200">
+                <a:solidFill>
+                  <a:schemeClr val="tx1">
+                    <a:lumMod val="75000"/>
+                    <a:lumOff val="25000"/>
+                  </a:schemeClr>
+                </a:solidFill>
+                <a:latin typeface="+mn-lt"/>
+                <a:ea typeface="+mn-ea"/>
+                <a:cs typeface="+mn-cs"/>
+              </a:defRPr>
+            </a:lvl5pPr>
+            <a:lvl6pPr marL="2514600" indent="-228600" algn="l" defTabSz="457200" rtl="0" eaLnBrk="1" latinLnBrk="0" hangingPunct="1">
+              <a:spcBef>
+                <a:spcPts val="1000"/>
+              </a:spcBef>
+              <a:spcAft>
+                <a:spcPts val="0"/>
+              </a:spcAft>
+              <a:buClr>
+                <a:schemeClr val="accent1"/>
+              </a:buClr>
+              <a:buSzPct val="80000"/>
+              <a:buFont typeface="Wingdings 3" charset="2"/>
+              <a:buChar char=""/>
+              <a:defRPr sz="1200" b="0" i="0" kern="1200">
+                <a:solidFill>
+                  <a:schemeClr val="tx1">
+                    <a:lumMod val="75000"/>
+                    <a:lumOff val="25000"/>
+                  </a:schemeClr>
+                </a:solidFill>
+                <a:latin typeface="+mn-lt"/>
+                <a:ea typeface="+mn-ea"/>
+                <a:cs typeface="+mn-cs"/>
+              </a:defRPr>
+            </a:lvl6pPr>
+            <a:lvl7pPr marL="2971800" indent="-228600" algn="l" defTabSz="457200" rtl="0" eaLnBrk="1" latinLnBrk="0" hangingPunct="1">
+              <a:spcBef>
+                <a:spcPts val="1000"/>
+              </a:spcBef>
+              <a:spcAft>
+                <a:spcPts val="0"/>
+              </a:spcAft>
+              <a:buClr>
+                <a:schemeClr val="accent1"/>
+              </a:buClr>
+              <a:buSzPct val="80000"/>
+              <a:buFont typeface="Wingdings 3" charset="2"/>
+              <a:buChar char=""/>
+              <a:defRPr sz="1200" b="0" i="0" kern="1200">
+                <a:solidFill>
+                  <a:schemeClr val="tx1">
+                    <a:lumMod val="75000"/>
+                    <a:lumOff val="25000"/>
+                  </a:schemeClr>
+                </a:solidFill>
+                <a:latin typeface="+mn-lt"/>
+                <a:ea typeface="+mn-ea"/>
+                <a:cs typeface="+mn-cs"/>
+              </a:defRPr>
+            </a:lvl7pPr>
+            <a:lvl8pPr marL="3429000" indent="-228600" algn="l" defTabSz="457200" rtl="0" eaLnBrk="1" latinLnBrk="0" hangingPunct="1">
+              <a:spcBef>
+                <a:spcPts val="1000"/>
+              </a:spcBef>
+              <a:spcAft>
+                <a:spcPts val="0"/>
+              </a:spcAft>
+              <a:buClr>
+                <a:schemeClr val="accent1"/>
+              </a:buClr>
+              <a:buSzPct val="80000"/>
+              <a:buFont typeface="Wingdings 3" charset="2"/>
+              <a:buChar char=""/>
+              <a:defRPr sz="1200" b="0" i="0" kern="1200">
+                <a:solidFill>
+                  <a:schemeClr val="tx1">
+                    <a:lumMod val="75000"/>
+                    <a:lumOff val="25000"/>
+                  </a:schemeClr>
+                </a:solidFill>
+                <a:latin typeface="+mn-lt"/>
+                <a:ea typeface="+mn-ea"/>
+                <a:cs typeface="+mn-cs"/>
+              </a:defRPr>
+            </a:lvl8pPr>
+            <a:lvl9pPr marL="3886200" indent="-228600" algn="l" defTabSz="457200" rtl="0" eaLnBrk="1" latinLnBrk="0" hangingPunct="1">
+              <a:spcBef>
+                <a:spcPts val="1000"/>
+              </a:spcBef>
+              <a:spcAft>
+                <a:spcPts val="0"/>
+              </a:spcAft>
+              <a:buClr>
+                <a:schemeClr val="accent1"/>
+              </a:buClr>
+              <a:buSzPct val="80000"/>
+              <a:buFont typeface="Wingdings 3" charset="2"/>
+              <a:buChar char=""/>
+              <a:defRPr sz="1200" b="0" i="0" kern="1200">
+                <a:solidFill>
+                  <a:schemeClr val="tx1">
+                    <a:lumMod val="75000"/>
+                    <a:lumOff val="25000"/>
+                  </a:schemeClr>
+                </a:solidFill>
+                <a:latin typeface="+mn-lt"/>
+                <a:ea typeface="+mn-ea"/>
+                <a:cs typeface="+mn-cs"/>
+              </a:defRPr>
+            </a:lvl9pPr>
+          </a:lstStyle>
+          <a:p>
+            <a:r>
+              <a:rPr lang="pt-BR" sz="2800" dirty="0"/>
+              <a:t>Testando Na Pratica</a:t>
+            </a:r>
+          </a:p>
+          <a:p>
+            <a:endParaRPr lang="pt-BR" sz="2800" dirty="0"/>
+          </a:p>
+          <a:p>
+            <a:r>
+              <a:rPr lang="pt-BR" dirty="0">
+                <a:solidFill>
+                  <a:schemeClr val="tx1"/>
+                </a:solidFill>
+              </a:rPr>
+              <a:t>Abra sua IDE, crie um arquivo exercício_3.py, copie e cole o código abaixo:</a:t>
+            </a:r>
+            <a:endParaRPr lang="pt-BR" dirty="0">
+              <a:solidFill>
+                <a:schemeClr val="tx1"/>
+              </a:solidFill>
+              <a:hlinkClick r:id="rId3"/>
+            </a:endParaRPr>
+          </a:p>
+          <a:p>
+            <a:pPr marL="0" indent="0">
+              <a:buNone/>
+            </a:pPr>
+            <a:endParaRPr lang="pt-BR" u="sng" dirty="0">
+              <a:solidFill>
+                <a:schemeClr val="tx1"/>
+              </a:solidFill>
+              <a:hlinkClick r:id="rId3"/>
+            </a:endParaRPr>
+          </a:p>
+          <a:p>
+            <a:pPr marL="0" indent="0">
+              <a:buNone/>
+            </a:pPr>
+            <a:r>
+              <a:rPr lang="pt-BR" dirty="0">
+                <a:solidFill>
+                  <a:schemeClr val="tx1"/>
+                </a:solidFill>
+              </a:rPr>
+              <a:t>	</a:t>
+            </a:r>
+            <a:r>
+              <a:rPr lang="pt-BR" dirty="0">
+                <a:solidFill>
+                  <a:schemeClr val="tx1"/>
+                </a:solidFill>
+                <a:hlinkClick r:id="rId4"/>
+              </a:rPr>
+              <a:t>CODIGO</a:t>
+            </a:r>
+            <a:endParaRPr lang="pt-BR" dirty="0">
+              <a:solidFill>
+                <a:schemeClr val="tx1"/>
+              </a:solidFill>
+            </a:endParaRPr>
+          </a:p>
+          <a:p>
+            <a:endParaRPr lang="pt-BR" dirty="0">
+              <a:solidFill>
+                <a:schemeClr val="tx1"/>
+              </a:solidFill>
+            </a:endParaRPr>
+          </a:p>
+          <a:p>
+            <a:pPr algn="just"/>
+            <a:r>
+              <a:rPr lang="pt-BR" dirty="0"/>
+              <a:t>Crie uma função que recebe como parâmetro três listas: “Nomes”, “Curso” e “RA”. </a:t>
+            </a:r>
+          </a:p>
+          <a:p>
+            <a:pPr algn="just"/>
+            <a:r>
+              <a:rPr lang="pt-BR" dirty="0"/>
+              <a:t>Essa função deve retornar uma única lista de dicionários contendo o nome, curso e RA de cada aluno.</a:t>
+            </a:r>
+          </a:p>
+          <a:p>
+            <a:pPr algn="just"/>
+            <a:r>
+              <a:rPr lang="pt-BR" dirty="0"/>
+              <a:t>Na função </a:t>
+            </a:r>
+            <a:r>
+              <a:rPr lang="pt-BR" dirty="0" err="1"/>
+              <a:t>main</a:t>
+            </a:r>
+            <a:r>
+              <a:rPr lang="pt-BR" dirty="0"/>
+              <a:t> implemente um for para imprimir a lista de dicionários criada.</a:t>
+            </a:r>
+          </a:p>
+        </p:txBody>
+      </p:sp>
+      <p:pic>
+        <p:nvPicPr>
+          <p:cNvPr id="3" name="Imagem 2" descr="Uma imagem contendo desenho, relógio&#10;&#10;Descrição gerada automaticamente">
+            <a:extLst>
+              <a:ext uri="{FF2B5EF4-FFF2-40B4-BE49-F238E27FC236}">
+                <a16:creationId xmlns:a16="http://schemas.microsoft.com/office/drawing/2014/main" id="{7716CA22-5A65-4196-8B5F-145E40C52A73}"/>
+              </a:ext>
+            </a:extLst>
+          </p:cNvPr>
+          <p:cNvPicPr>
+            <a:picLocks noChangeAspect="1"/>
+          </p:cNvPicPr>
+          <p:nvPr/>
+        </p:nvPicPr>
+        <p:blipFill>
+          <a:blip r:embed="rId5">
+            <a:extLst>
+              <a:ext uri="{28A0092B-C50C-407E-A947-70E740481C1C}">
+                <a14:useLocalDpi xmlns:a14="http://schemas.microsoft.com/office/drawing/2010/main" val="0"/>
+              </a:ext>
+            </a:extLst>
+          </a:blip>
+          <a:stretch>
+            <a:fillRect/>
+          </a:stretch>
+        </p:blipFill>
+        <p:spPr>
+          <a:xfrm>
+            <a:off x="806923" y="3357045"/>
+            <a:ext cx="2857500" cy="1962150"/>
+          </a:xfrm>
+          <a:prstGeom prst="rect">
+            <a:avLst/>
+          </a:prstGeom>
+        </p:spPr>
+      </p:pic>
+    </p:spTree>
+    <p:extLst>
+      <p:ext uri="{BB962C8B-B14F-4D97-AF65-F5344CB8AC3E}">
+        <p14:creationId xmlns:p14="http://schemas.microsoft.com/office/powerpoint/2010/main" val="670771643"/>
+      </p:ext>
+    </p:extLst>
+  </p:cSld>
+  <p:clrMapOvr>
+    <a:overrideClrMapping bg1="dk1" tx1="lt1" bg2="dk2" tx2="lt2" accent1="accent1" accent2="accent2" accent3="accent3" accent4="accent4" accent5="accent5" accent6="accent6" hlink="hlink" folHlink="folHlink"/>
   </p:clrMapOvr>
 </p:sld>
 </file>
@@ -25507,15 +31627,6 @@
               <a:srgbClr val="FFFFFF"/>
             </a:contourClr>
           </a:sp3d>
-          <a:extLst>
-            <a:ext uri="{909E8E84-426E-40DD-AFC4-6F175D3DCCD1}">
-              <a14:hiddenFill xmlns:a14="http://schemas.microsoft.com/office/drawing/2010/main">
-                <a:solidFill>
-                  <a:srgbClr val="FFFFFF"/>
-                </a:solidFill>
-              </a14:hiddenFill>
-            </a:ext>
-          </a:extLst>
         </p:spPr>
       </p:pic>
     </p:spTree>
@@ -25804,12 +31915,6 @@
 </file>
 
 <file path=customXml/item2.xml><?xml version="1.0" encoding="utf-8"?>
-<p:properties xmlns:p="http://schemas.microsoft.com/office/2006/metadata/properties" xmlns:xsi="http://www.w3.org/2001/XMLSchema-instance" xmlns:pc="http://schemas.microsoft.com/office/infopath/2007/PartnerControls">
-  <documentManagement/>
-</p:properties>
-</file>
-
-<file path=customXml/item3.xml><?xml version="1.0" encoding="utf-8"?>
 <ct:contentTypeSchema xmlns:ct="http://schemas.microsoft.com/office/2006/metadata/contentType" xmlns:ma="http://schemas.microsoft.com/office/2006/metadata/properties/metaAttributes" ct:_="" ma:_="" ma:contentTypeName="Documento" ma:contentTypeID="0x010100AB6E7DBEFEE6B04BB665D92F4C26FC2D" ma:contentTypeVersion="2" ma:contentTypeDescription="Crie um novo documento." ma:contentTypeScope="" ma:versionID="40889c6b46946c25b68f7b5c0699c809">
   <xsd:schema xmlns:xsd="http://www.w3.org/2001/XMLSchema" xmlns:xs="http://www.w3.org/2001/XMLSchema" xmlns:p="http://schemas.microsoft.com/office/2006/metadata/properties" xmlns:ns3="17f71335-1f8c-47f8-aa0e-189808fb0231" targetNamespace="http://schemas.microsoft.com/office/2006/metadata/properties" ma:root="true" ma:fieldsID="e31bc60710cc7cde1a34012b852f6653" ns3:_="">
     <xsd:import namespace="17f71335-1f8c-47f8-aa0e-189808fb0231"/>
@@ -25941,6 +32046,12 @@
 </ct:contentTypeSchema>
 </file>
 
+<file path=customXml/item3.xml><?xml version="1.0" encoding="utf-8"?>
+<p:properties xmlns:p="http://schemas.microsoft.com/office/2006/metadata/properties" xmlns:xsi="http://www.w3.org/2001/XMLSchema-instance" xmlns:pc="http://schemas.microsoft.com/office/infopath/2007/PartnerControls">
+  <documentManagement/>
+</p:properties>
+</file>
+
 <file path=customXml/itemProps1.xml><?xml version="1.0" encoding="utf-8"?>
 <ds:datastoreItem xmlns:ds="http://schemas.openxmlformats.org/officeDocument/2006/customXml" ds:itemID="{A140610A-4490-4B64-B52A-D4E21B217A6C}">
   <ds:schemaRefs>
@@ -25950,22 +32061,6 @@
 </file>
 
 <file path=customXml/itemProps2.xml><?xml version="1.0" encoding="utf-8"?>
-<ds:datastoreItem xmlns:ds="http://schemas.openxmlformats.org/officeDocument/2006/customXml" ds:itemID="{9F067667-ABB9-48EC-AA15-99192C90BB74}">
-  <ds:schemaRefs>
-    <ds:schemaRef ds:uri="http://schemas.microsoft.com/office/2006/metadata/properties"/>
-    <ds:schemaRef ds:uri="http://purl.org/dc/dcmitype/"/>
-    <ds:schemaRef ds:uri="http://purl.org/dc/elements/1.1/"/>
-    <ds:schemaRef ds:uri="http://schemas.microsoft.com/office/infopath/2007/PartnerControls"/>
-    <ds:schemaRef ds:uri="17f71335-1f8c-47f8-aa0e-189808fb0231"/>
-    <ds:schemaRef ds:uri="http://schemas.microsoft.com/office/2006/documentManagement/types"/>
-    <ds:schemaRef ds:uri="http://purl.org/dc/terms/"/>
-    <ds:schemaRef ds:uri="http://schemas.openxmlformats.org/package/2006/metadata/core-properties"/>
-    <ds:schemaRef ds:uri="http://www.w3.org/XML/1998/namespace"/>
-  </ds:schemaRefs>
-</ds:datastoreItem>
-</file>
-
-<file path=customXml/itemProps3.xml><?xml version="1.0" encoding="utf-8"?>
 <ds:datastoreItem xmlns:ds="http://schemas.openxmlformats.org/officeDocument/2006/customXml" ds:itemID="{7D186662-A238-49F7-BA46-FF55DC161B31}">
   <ds:schemaRefs>
     <ds:schemaRef ds:uri="http://schemas.microsoft.com/office/2006/metadata/contentType"/>
@@ -25981,4 +32076,20 @@
     <ds:schemaRef ds:uri="http://schemas.microsoft.com/internal/obd"/>
   </ds:schemaRefs>
 </ds:datastoreItem>
+</file>
+
+<file path=customXml/itemProps3.xml><?xml version="1.0" encoding="utf-8"?>
+<ds:datastoreItem xmlns:ds="http://schemas.openxmlformats.org/officeDocument/2006/customXml" ds:itemID="{9F067667-ABB9-48EC-AA15-99192C90BB74}">
+  <ds:schemaRefs>
+    <ds:schemaRef ds:uri="http://schemas.microsoft.com/office/2006/metadata/properties"/>
+    <ds:schemaRef ds:uri="http://purl.org/dc/dcmitype/"/>
+    <ds:schemaRef ds:uri="http://purl.org/dc/elements/1.1/"/>
+    <ds:schemaRef ds:uri="http://schemas.microsoft.com/office/infopath/2007/PartnerControls"/>
+    <ds:schemaRef ds:uri="17f71335-1f8c-47f8-aa0e-189808fb0231"/>
+    <ds:schemaRef ds:uri="http://schemas.microsoft.com/office/2006/documentManagement/types"/>
+    <ds:schemaRef ds:uri="http://purl.org/dc/terms/"/>
+    <ds:schemaRef ds:uri="http://schemas.openxmlformats.org/package/2006/metadata/core-properties"/>
+    <ds:schemaRef ds:uri="http://www.w3.org/XML/1998/namespace"/>
+  </ds:schemaRefs>
+</ds:datastoreItem>
 </file>
--- a/Curso_Python.pptx
+++ b/Curso_Python.pptx
@@ -824,7 +824,7 @@
           <a:p>
             <a:fld id="{0CADDB3C-61E7-43DE-83B5-DAEE6D8FA945}" type="datetimeFigureOut">
               <a:rPr lang="pt-BR" smtClean="0"/>
-              <a:t>25/01/2021</a:t>
+              <a:t>26/01/2021</a:t>
             </a:fld>
             <a:endParaRPr lang="pt-BR"/>
           </a:p>
@@ -1985,7 +1985,7 @@
           <a:p>
             <a:fld id="{0CADDB3C-61E7-43DE-83B5-DAEE6D8FA945}" type="datetimeFigureOut">
               <a:rPr lang="pt-BR" smtClean="0"/>
-              <a:t>25/01/2021</a:t>
+              <a:t>26/01/2021</a:t>
             </a:fld>
             <a:endParaRPr lang="pt-BR"/>
           </a:p>
@@ -3039,7 +3039,7 @@
           <a:p>
             <a:fld id="{0CADDB3C-61E7-43DE-83B5-DAEE6D8FA945}" type="datetimeFigureOut">
               <a:rPr lang="pt-BR" smtClean="0"/>
-              <a:t>25/01/2021</a:t>
+              <a:t>26/01/2021</a:t>
             </a:fld>
             <a:endParaRPr lang="pt-BR"/>
           </a:p>
@@ -4252,7 +4252,7 @@
           <a:p>
             <a:fld id="{0CADDB3C-61E7-43DE-83B5-DAEE6D8FA945}" type="datetimeFigureOut">
               <a:rPr lang="pt-BR" smtClean="0"/>
-              <a:t>25/01/2021</a:t>
+              <a:t>26/01/2021</a:t>
             </a:fld>
             <a:endParaRPr lang="pt-BR"/>
           </a:p>
@@ -5356,7 +5356,7 @@
           <a:p>
             <a:fld id="{0CADDB3C-61E7-43DE-83B5-DAEE6D8FA945}" type="datetimeFigureOut">
               <a:rPr lang="pt-BR" smtClean="0"/>
-              <a:t>25/01/2021</a:t>
+              <a:t>26/01/2021</a:t>
             </a:fld>
             <a:endParaRPr lang="pt-BR"/>
           </a:p>
@@ -6008,7 +6008,7 @@
           <a:p>
             <a:fld id="{0CADDB3C-61E7-43DE-83B5-DAEE6D8FA945}" type="datetimeFigureOut">
               <a:rPr lang="pt-BR" smtClean="0"/>
-              <a:t>25/01/2021</a:t>
+              <a:t>26/01/2021</a:t>
             </a:fld>
             <a:endParaRPr lang="pt-BR"/>
           </a:p>
@@ -6855,7 +6855,7 @@
           <a:p>
             <a:fld id="{0CADDB3C-61E7-43DE-83B5-DAEE6D8FA945}" type="datetimeFigureOut">
               <a:rPr lang="pt-BR" smtClean="0"/>
-              <a:t>25/01/2021</a:t>
+              <a:t>26/01/2021</a:t>
             </a:fld>
             <a:endParaRPr lang="pt-BR"/>
           </a:p>
@@ -7040,7 +7040,7 @@
           <a:p>
             <a:fld id="{0CADDB3C-61E7-43DE-83B5-DAEE6D8FA945}" type="datetimeFigureOut">
               <a:rPr lang="pt-BR" smtClean="0"/>
-              <a:t>25/01/2021</a:t>
+              <a:t>26/01/2021</a:t>
             </a:fld>
             <a:endParaRPr lang="pt-BR"/>
           </a:p>
@@ -8081,7 +8081,7 @@
           <a:p>
             <a:fld id="{0CADDB3C-61E7-43DE-83B5-DAEE6D8FA945}" type="datetimeFigureOut">
               <a:rPr lang="pt-BR" smtClean="0"/>
-              <a:t>25/01/2021</a:t>
+              <a:t>26/01/2021</a:t>
             </a:fld>
             <a:endParaRPr lang="pt-BR"/>
           </a:p>
@@ -8297,7 +8297,7 @@
           <a:p>
             <a:fld id="{0CADDB3C-61E7-43DE-83B5-DAEE6D8FA945}" type="datetimeFigureOut">
               <a:rPr lang="pt-BR" smtClean="0"/>
-              <a:t>25/01/2021</a:t>
+              <a:t>26/01/2021</a:t>
             </a:fld>
             <a:endParaRPr lang="pt-BR"/>
           </a:p>
@@ -9402,7 +9402,7 @@
           <a:p>
             <a:fld id="{0CADDB3C-61E7-43DE-83B5-DAEE6D8FA945}" type="datetimeFigureOut">
               <a:rPr lang="pt-BR" smtClean="0"/>
-              <a:t>25/01/2021</a:t>
+              <a:t>26/01/2021</a:t>
             </a:fld>
             <a:endParaRPr lang="pt-BR"/>
           </a:p>
@@ -9674,7 +9674,7 @@
           <a:p>
             <a:fld id="{0CADDB3C-61E7-43DE-83B5-DAEE6D8FA945}" type="datetimeFigureOut">
               <a:rPr lang="pt-BR" smtClean="0"/>
-              <a:t>25/01/2021</a:t>
+              <a:t>26/01/2021</a:t>
             </a:fld>
             <a:endParaRPr lang="pt-BR"/>
           </a:p>
@@ -10056,7 +10056,7 @@
           <a:p>
             <a:fld id="{0CADDB3C-61E7-43DE-83B5-DAEE6D8FA945}" type="datetimeFigureOut">
               <a:rPr lang="pt-BR" smtClean="0"/>
-              <a:t>25/01/2021</a:t>
+              <a:t>26/01/2021</a:t>
             </a:fld>
             <a:endParaRPr lang="pt-BR"/>
           </a:p>
@@ -10174,7 +10174,7 @@
           <a:p>
             <a:fld id="{0CADDB3C-61E7-43DE-83B5-DAEE6D8FA945}" type="datetimeFigureOut">
               <a:rPr lang="pt-BR" smtClean="0"/>
-              <a:t>25/01/2021</a:t>
+              <a:t>26/01/2021</a:t>
             </a:fld>
             <a:endParaRPr lang="pt-BR"/>
           </a:p>
@@ -10269,7 +10269,7 @@
           <a:p>
             <a:fld id="{0CADDB3C-61E7-43DE-83B5-DAEE6D8FA945}" type="datetimeFigureOut">
               <a:rPr lang="pt-BR" smtClean="0"/>
-              <a:t>25/01/2021</a:t>
+              <a:t>26/01/2021</a:t>
             </a:fld>
             <a:endParaRPr lang="pt-BR"/>
           </a:p>
@@ -11421,7 +11421,7 @@
           <a:p>
             <a:fld id="{0CADDB3C-61E7-43DE-83B5-DAEE6D8FA945}" type="datetimeFigureOut">
               <a:rPr lang="pt-BR" smtClean="0"/>
-              <a:t>25/01/2021</a:t>
+              <a:t>26/01/2021</a:t>
             </a:fld>
             <a:endParaRPr lang="pt-BR"/>
           </a:p>
@@ -12597,7 +12597,7 @@
           <a:p>
             <a:fld id="{0CADDB3C-61E7-43DE-83B5-DAEE6D8FA945}" type="datetimeFigureOut">
               <a:rPr lang="pt-BR" smtClean="0"/>
-              <a:t>25/01/2021</a:t>
+              <a:t>26/01/2021</a:t>
             </a:fld>
             <a:endParaRPr lang="pt-BR"/>
           </a:p>
@@ -13703,7 +13703,7 @@
           <a:p>
             <a:fld id="{0CADDB3C-61E7-43DE-83B5-DAEE6D8FA945}" type="datetimeFigureOut">
               <a:rPr lang="pt-BR" smtClean="0"/>
-              <a:t>25/01/2021</a:t>
+              <a:t>26/01/2021</a:t>
             </a:fld>
             <a:endParaRPr lang="pt-BR"/>
           </a:p>
@@ -26032,7 +26032,7 @@
             <a:pPr algn="just"/>
             <a:r>
               <a:rPr lang="pt-BR" dirty="0"/>
-              <a:t>Crie uma função que recebe como parâmetro três listas: “Nomes”, “Curso” e “RA”. </a:t>
+              <a:t>Crie uma função que recebe como parâmetro três listas: “Nome”, “Curso” e “RA”. </a:t>
             </a:r>
           </a:p>
           <a:p>
@@ -31906,15 +31906,6 @@
 </file>
 
 <file path=customXml/item1.xml><?xml version="1.0" encoding="utf-8"?>
-<?mso-contentType ?>
-<FormTemplates xmlns="http://schemas.microsoft.com/sharepoint/v3/contenttype/forms">
-  <Display>DocumentLibraryForm</Display>
-  <Edit>DocumentLibraryForm</Edit>
-  <New>DocumentLibraryForm</New>
-</FormTemplates>
-</file>
-
-<file path=customXml/item2.xml><?xml version="1.0" encoding="utf-8"?>
 <ct:contentTypeSchema xmlns:ct="http://schemas.microsoft.com/office/2006/metadata/contentType" xmlns:ma="http://schemas.microsoft.com/office/2006/metadata/properties/metaAttributes" ct:_="" ma:_="" ma:contentTypeName="Documento" ma:contentTypeID="0x010100AB6E7DBEFEE6B04BB665D92F4C26FC2D" ma:contentTypeVersion="2" ma:contentTypeDescription="Crie um novo documento." ma:contentTypeScope="" ma:versionID="40889c6b46946c25b68f7b5c0699c809">
   <xsd:schema xmlns:xsd="http://www.w3.org/2001/XMLSchema" xmlns:xs="http://www.w3.org/2001/XMLSchema" xmlns:p="http://schemas.microsoft.com/office/2006/metadata/properties" xmlns:ns3="17f71335-1f8c-47f8-aa0e-189808fb0231" targetNamespace="http://schemas.microsoft.com/office/2006/metadata/properties" ma:root="true" ma:fieldsID="e31bc60710cc7cde1a34012b852f6653" ns3:_="">
     <xsd:import namespace="17f71335-1f8c-47f8-aa0e-189808fb0231"/>
@@ -32046,6 +32037,15 @@
 </ct:contentTypeSchema>
 </file>
 
+<file path=customXml/item2.xml><?xml version="1.0" encoding="utf-8"?>
+<?mso-contentType ?>
+<FormTemplates xmlns="http://schemas.microsoft.com/sharepoint/v3/contenttype/forms">
+  <Display>DocumentLibraryForm</Display>
+  <Edit>DocumentLibraryForm</Edit>
+  <New>DocumentLibraryForm</New>
+</FormTemplates>
+</file>
+
 <file path=customXml/item3.xml><?xml version="1.0" encoding="utf-8"?>
 <p:properties xmlns:p="http://schemas.microsoft.com/office/2006/metadata/properties" xmlns:xsi="http://www.w3.org/2001/XMLSchema-instance" xmlns:pc="http://schemas.microsoft.com/office/infopath/2007/PartnerControls">
   <documentManagement/>
@@ -32053,14 +32053,6 @@
 </file>
 
 <file path=customXml/itemProps1.xml><?xml version="1.0" encoding="utf-8"?>
-<ds:datastoreItem xmlns:ds="http://schemas.openxmlformats.org/officeDocument/2006/customXml" ds:itemID="{A140610A-4490-4B64-B52A-D4E21B217A6C}">
-  <ds:schemaRefs>
-    <ds:schemaRef ds:uri="http://schemas.microsoft.com/sharepoint/v3/contenttype/forms"/>
-  </ds:schemaRefs>
-</ds:datastoreItem>
-</file>
-
-<file path=customXml/itemProps2.xml><?xml version="1.0" encoding="utf-8"?>
 <ds:datastoreItem xmlns:ds="http://schemas.openxmlformats.org/officeDocument/2006/customXml" ds:itemID="{7D186662-A238-49F7-BA46-FF55DC161B31}">
   <ds:schemaRefs>
     <ds:schemaRef ds:uri="http://schemas.microsoft.com/office/2006/metadata/contentType"/>
@@ -32074,6 +32066,14 @@
     <ds:schemaRef ds:uri="http://purl.org/dc/elements/1.1/"/>
     <ds:schemaRef ds:uri="http://purl.org/dc/terms/"/>
     <ds:schemaRef ds:uri="http://schemas.microsoft.com/internal/obd"/>
+  </ds:schemaRefs>
+</ds:datastoreItem>
+</file>
+
+<file path=customXml/itemProps2.xml><?xml version="1.0" encoding="utf-8"?>
+<ds:datastoreItem xmlns:ds="http://schemas.openxmlformats.org/officeDocument/2006/customXml" ds:itemID="{A140610A-4490-4B64-B52A-D4E21B217A6C}">
+  <ds:schemaRefs>
+    <ds:schemaRef ds:uri="http://schemas.microsoft.com/sharepoint/v3/contenttype/forms"/>
   </ds:schemaRefs>
 </ds:datastoreItem>
 </file>
